--- a/24x36_Vertical_Template2.pptx
+++ b/24x36_Vertical_Template2.pptx
@@ -139,7 +139,7 @@
   </p:defaultTextStyle>
   <p:extLst>
     <p:ext uri="{EFAFB233-063F-42B5-8137-9DF3F51BA10A}">
-      <p15:sldGuideLst xmlns:p15="http://schemas.microsoft.com/office/powerpoint/2012/main">
+      <p15:sldGuideLst xmlns="" xmlns:p15="http://schemas.microsoft.com/office/powerpoint/2012/main">
         <p15:guide id="1" orient="horz" pos="2718">
           <p15:clr>
             <a:srgbClr val="A4A3A4"/>
@@ -216,14 +216,14 @@
           <a:effectLst/>
           <a:extLst>
             <a:ext uri="{909E8E84-426E-40DD-AFC4-6F175D3DCCD1}">
-              <a14:hiddenFill xmlns:a14="http://schemas.microsoft.com/office/drawing/2010/main">
+              <a14:hiddenFill xmlns="" xmlns:a14="http://schemas.microsoft.com/office/drawing/2010/main">
                 <a:solidFill>
                   <a:schemeClr val="accent1"/>
                 </a:solidFill>
               </a14:hiddenFill>
             </a:ext>
             <a:ext uri="{91240B29-F687-4F45-9708-019B960494DF}">
-              <a14:hiddenLine xmlns:a14="http://schemas.microsoft.com/office/drawing/2010/main" w="9525">
+              <a14:hiddenLine xmlns="" xmlns:a14="http://schemas.microsoft.com/office/drawing/2010/main" w="9525">
                 <a:solidFill>
                   <a:schemeClr val="tx1"/>
                 </a:solidFill>
@@ -233,7 +233,7 @@
               </a14:hiddenLine>
             </a:ext>
             <a:ext uri="{AF507438-7753-43E0-B8FC-AC1667EBCBE1}">
-              <a14:hiddenEffects xmlns:a14="http://schemas.microsoft.com/office/drawing/2010/main">
+              <a14:hiddenEffects xmlns="" xmlns:a14="http://schemas.microsoft.com/office/drawing/2010/main">
                 <a:effectLst>
                   <a:outerShdw dist="35921" dir="2700000" algn="ctr" rotWithShape="0">
                     <a:schemeClr val="bg2"/>
@@ -284,14 +284,14 @@
           <a:effectLst/>
           <a:extLst>
             <a:ext uri="{909E8E84-426E-40DD-AFC4-6F175D3DCCD1}">
-              <a14:hiddenFill xmlns:a14="http://schemas.microsoft.com/office/drawing/2010/main">
+              <a14:hiddenFill xmlns="" xmlns:a14="http://schemas.microsoft.com/office/drawing/2010/main">
                 <a:solidFill>
                   <a:schemeClr val="accent1"/>
                 </a:solidFill>
               </a14:hiddenFill>
             </a:ext>
             <a:ext uri="{91240B29-F687-4F45-9708-019B960494DF}">
-              <a14:hiddenLine xmlns:a14="http://schemas.microsoft.com/office/drawing/2010/main" w="9525">
+              <a14:hiddenLine xmlns="" xmlns:a14="http://schemas.microsoft.com/office/drawing/2010/main" w="9525">
                 <a:solidFill>
                   <a:schemeClr val="tx1"/>
                 </a:solidFill>
@@ -301,7 +301,7 @@
               </a14:hiddenLine>
             </a:ext>
             <a:ext uri="{AF507438-7753-43E0-B8FC-AC1667EBCBE1}">
-              <a14:hiddenEffects xmlns:a14="http://schemas.microsoft.com/office/drawing/2010/main">
+              <a14:hiddenEffects xmlns="" xmlns:a14="http://schemas.microsoft.com/office/drawing/2010/main">
                 <a:effectLst>
                   <a:outerShdw dist="35921" dir="2700000" algn="ctr" rotWithShape="0">
                     <a:schemeClr val="bg2"/>
@@ -357,7 +357,7 @@
           <a:effectLst/>
           <a:extLst>
             <a:ext uri="{AF507438-7753-43E0-B8FC-AC1667EBCBE1}">
-              <a14:hiddenEffects xmlns:a14="http://schemas.microsoft.com/office/drawing/2010/main">
+              <a14:hiddenEffects xmlns="" xmlns:a14="http://schemas.microsoft.com/office/drawing/2010/main">
                 <a:effectLst>
                   <a:outerShdw dist="35921" dir="2700000" algn="ctr" rotWithShape="0">
                     <a:srgbClr val="808080"/>
@@ -366,7 +366,7 @@
               </a14:hiddenEffects>
             </a:ext>
             <a:ext uri="{53640926-AAD7-44D8-BBD7-CCE9431645EC}">
-              <a14:shadowObscured xmlns:a14="http://schemas.microsoft.com/office/drawing/2010/main" val="1"/>
+              <a14:shadowObscured xmlns="" xmlns:a14="http://schemas.microsoft.com/office/drawing/2010/main" val="1"/>
             </a:ext>
           </a:extLst>
         </p:spPr>
@@ -396,14 +396,14 @@
           <a:effectLst/>
           <a:extLst>
             <a:ext uri="{909E8E84-426E-40DD-AFC4-6F175D3DCCD1}">
-              <a14:hiddenFill xmlns:a14="http://schemas.microsoft.com/office/drawing/2010/main">
+              <a14:hiddenFill xmlns="" xmlns:a14="http://schemas.microsoft.com/office/drawing/2010/main">
                 <a:solidFill>
                   <a:schemeClr val="accent1"/>
                 </a:solidFill>
               </a14:hiddenFill>
             </a:ext>
             <a:ext uri="{91240B29-F687-4F45-9708-019B960494DF}">
-              <a14:hiddenLine xmlns:a14="http://schemas.microsoft.com/office/drawing/2010/main" w="9525">
+              <a14:hiddenLine xmlns="" xmlns:a14="http://schemas.microsoft.com/office/drawing/2010/main" w="9525">
                 <a:solidFill>
                   <a:schemeClr val="tx1"/>
                 </a:solidFill>
@@ -413,7 +413,7 @@
               </a14:hiddenLine>
             </a:ext>
             <a:ext uri="{AF507438-7753-43E0-B8FC-AC1667EBCBE1}">
-              <a14:hiddenEffects xmlns:a14="http://schemas.microsoft.com/office/drawing/2010/main">
+              <a14:hiddenEffects xmlns="" xmlns:a14="http://schemas.microsoft.com/office/drawing/2010/main">
                 <a:effectLst>
                   <a:outerShdw dist="35921" dir="2700000" algn="ctr" rotWithShape="0">
                     <a:schemeClr val="bg2"/>
@@ -492,14 +492,14 @@
           <a:effectLst/>
           <a:extLst>
             <a:ext uri="{909E8E84-426E-40DD-AFC4-6F175D3DCCD1}">
-              <a14:hiddenFill xmlns:a14="http://schemas.microsoft.com/office/drawing/2010/main">
+              <a14:hiddenFill xmlns="" xmlns:a14="http://schemas.microsoft.com/office/drawing/2010/main">
                 <a:solidFill>
                   <a:schemeClr val="accent1"/>
                 </a:solidFill>
               </a14:hiddenFill>
             </a:ext>
             <a:ext uri="{91240B29-F687-4F45-9708-019B960494DF}">
-              <a14:hiddenLine xmlns:a14="http://schemas.microsoft.com/office/drawing/2010/main" w="9525">
+              <a14:hiddenLine xmlns="" xmlns:a14="http://schemas.microsoft.com/office/drawing/2010/main" w="9525">
                 <a:solidFill>
                   <a:schemeClr val="tx1"/>
                 </a:solidFill>
@@ -509,7 +509,7 @@
               </a14:hiddenLine>
             </a:ext>
             <a:ext uri="{AF507438-7753-43E0-B8FC-AC1667EBCBE1}">
-              <a14:hiddenEffects xmlns:a14="http://schemas.microsoft.com/office/drawing/2010/main">
+              <a14:hiddenEffects xmlns="" xmlns:a14="http://schemas.microsoft.com/office/drawing/2010/main">
                 <a:effectLst>
                   <a:outerShdw dist="35921" dir="2700000" algn="ctr" rotWithShape="0">
                     <a:schemeClr val="bg2"/>
@@ -560,14 +560,14 @@
           <a:effectLst/>
           <a:extLst>
             <a:ext uri="{909E8E84-426E-40DD-AFC4-6F175D3DCCD1}">
-              <a14:hiddenFill xmlns:a14="http://schemas.microsoft.com/office/drawing/2010/main">
+              <a14:hiddenFill xmlns="" xmlns:a14="http://schemas.microsoft.com/office/drawing/2010/main">
                 <a:solidFill>
                   <a:schemeClr val="accent1"/>
                 </a:solidFill>
               </a14:hiddenFill>
             </a:ext>
             <a:ext uri="{91240B29-F687-4F45-9708-019B960494DF}">
-              <a14:hiddenLine xmlns:a14="http://schemas.microsoft.com/office/drawing/2010/main" w="9525">
+              <a14:hiddenLine xmlns="" xmlns:a14="http://schemas.microsoft.com/office/drawing/2010/main" w="9525">
                 <a:solidFill>
                   <a:schemeClr val="tx1"/>
                 </a:solidFill>
@@ -577,7 +577,7 @@
               </a14:hiddenLine>
             </a:ext>
             <a:ext uri="{AF507438-7753-43E0-B8FC-AC1667EBCBE1}">
-              <a14:hiddenEffects xmlns:a14="http://schemas.microsoft.com/office/drawing/2010/main">
+              <a14:hiddenEffects xmlns="" xmlns:a14="http://schemas.microsoft.com/office/drawing/2010/main">
                 <a:effectLst>
                   <a:outerShdw dist="35921" dir="2700000" algn="ctr" rotWithShape="0">
                     <a:schemeClr val="bg2"/>
@@ -611,7 +611,7 @@
     </p:spTree>
     <p:extLst>
       <p:ext uri="{BB962C8B-B14F-4D97-AF65-F5344CB8AC3E}">
-        <p14:creationId xmlns:p14="http://schemas.microsoft.com/office/powerpoint/2010/main" val="2472556186"/>
+        <p14:creationId xmlns="" xmlns:p14="http://schemas.microsoft.com/office/powerpoint/2010/main" val="2472556186"/>
       </p:ext>
     </p:extLst>
   </p:cSld>
@@ -820,7 +820,7 @@
     </p:spTree>
     <p:extLst>
       <p:ext uri="{BB962C8B-B14F-4D97-AF65-F5344CB8AC3E}">
-        <p14:creationId xmlns:p14="http://schemas.microsoft.com/office/powerpoint/2010/main" val="2422250507"/>
+        <p14:creationId xmlns="" xmlns:p14="http://schemas.microsoft.com/office/powerpoint/2010/main" val="2422250507"/>
       </p:ext>
     </p:extLst>
   </p:cSld>
@@ -949,7 +949,7 @@
     </p:spTree>
     <p:extLst>
       <p:ext uri="{BB962C8B-B14F-4D97-AF65-F5344CB8AC3E}">
-        <p14:creationId xmlns:p14="http://schemas.microsoft.com/office/powerpoint/2010/main" val="1180238387"/>
+        <p14:creationId xmlns="" xmlns:p14="http://schemas.microsoft.com/office/powerpoint/2010/main" val="1180238387"/>
       </p:ext>
     </p:extLst>
   </p:cSld>
@@ -1070,7 +1070,7 @@
     </p:spTree>
     <p:extLst>
       <p:ext uri="{BB962C8B-B14F-4D97-AF65-F5344CB8AC3E}">
-        <p14:creationId xmlns:p14="http://schemas.microsoft.com/office/powerpoint/2010/main" val="2996527887"/>
+        <p14:creationId xmlns="" xmlns:p14="http://schemas.microsoft.com/office/powerpoint/2010/main" val="2996527887"/>
       </p:ext>
     </p:extLst>
   </p:cSld>
@@ -1191,7 +1191,7 @@
     </p:spTree>
     <p:extLst>
       <p:ext uri="{BB962C8B-B14F-4D97-AF65-F5344CB8AC3E}">
-        <p14:creationId xmlns:p14="http://schemas.microsoft.com/office/powerpoint/2010/main" val="1133491609"/>
+        <p14:creationId xmlns="" xmlns:p14="http://schemas.microsoft.com/office/powerpoint/2010/main" val="1133491609"/>
       </p:ext>
     </p:extLst>
   </p:cSld>
@@ -1312,7 +1312,7 @@
     </p:spTree>
     <p:extLst>
       <p:ext uri="{BB962C8B-B14F-4D97-AF65-F5344CB8AC3E}">
-        <p14:creationId xmlns:p14="http://schemas.microsoft.com/office/powerpoint/2010/main" val="1146965026"/>
+        <p14:creationId xmlns="" xmlns:p14="http://schemas.microsoft.com/office/powerpoint/2010/main" val="1146965026"/>
       </p:ext>
     </p:extLst>
   </p:cSld>
@@ -1445,7 +1445,7 @@
     </p:spTree>
     <p:extLst>
       <p:ext uri="{BB962C8B-B14F-4D97-AF65-F5344CB8AC3E}">
-        <p14:creationId xmlns:p14="http://schemas.microsoft.com/office/powerpoint/2010/main" val="4201949750"/>
+        <p14:creationId xmlns="" xmlns:p14="http://schemas.microsoft.com/office/powerpoint/2010/main" val="4201949750"/>
       </p:ext>
     </p:extLst>
   </p:cSld>
@@ -1682,7 +1682,7 @@
     </p:spTree>
     <p:extLst>
       <p:ext uri="{BB962C8B-B14F-4D97-AF65-F5344CB8AC3E}">
-        <p14:creationId xmlns:p14="http://schemas.microsoft.com/office/powerpoint/2010/main" val="1744558675"/>
+        <p14:creationId xmlns="" xmlns:p14="http://schemas.microsoft.com/office/powerpoint/2010/main" val="1744558675"/>
       </p:ext>
     </p:extLst>
   </p:cSld>
@@ -2059,7 +2059,7 @@
     </p:spTree>
     <p:extLst>
       <p:ext uri="{BB962C8B-B14F-4D97-AF65-F5344CB8AC3E}">
-        <p14:creationId xmlns:p14="http://schemas.microsoft.com/office/powerpoint/2010/main" val="2905456779"/>
+        <p14:creationId xmlns="" xmlns:p14="http://schemas.microsoft.com/office/powerpoint/2010/main" val="2905456779"/>
       </p:ext>
     </p:extLst>
   </p:cSld>
@@ -2120,7 +2120,7 @@
     </p:spTree>
     <p:extLst>
       <p:ext uri="{BB962C8B-B14F-4D97-AF65-F5344CB8AC3E}">
-        <p14:creationId xmlns:p14="http://schemas.microsoft.com/office/powerpoint/2010/main" val="3335061072"/>
+        <p14:creationId xmlns="" xmlns:p14="http://schemas.microsoft.com/office/powerpoint/2010/main" val="3335061072"/>
       </p:ext>
     </p:extLst>
   </p:cSld>
@@ -2150,7 +2150,7 @@
     </p:spTree>
     <p:extLst>
       <p:ext uri="{BB962C8B-B14F-4D97-AF65-F5344CB8AC3E}">
-        <p14:creationId xmlns:p14="http://schemas.microsoft.com/office/powerpoint/2010/main" val="546136628"/>
+        <p14:creationId xmlns="" xmlns:p14="http://schemas.microsoft.com/office/powerpoint/2010/main" val="546136628"/>
       </p:ext>
     </p:extLst>
   </p:cSld>
@@ -2371,7 +2371,7 @@
     </p:spTree>
     <p:extLst>
       <p:ext uri="{BB962C8B-B14F-4D97-AF65-F5344CB8AC3E}">
-        <p14:creationId xmlns:p14="http://schemas.microsoft.com/office/powerpoint/2010/main" val="1150273608"/>
+        <p14:creationId xmlns="" xmlns:p14="http://schemas.microsoft.com/office/powerpoint/2010/main" val="1150273608"/>
       </p:ext>
     </p:extLst>
   </p:cSld>
@@ -2568,7 +2568,7 @@
     </p:spTree>
     <p:extLst>
       <p:ext uri="{BB962C8B-B14F-4D97-AF65-F5344CB8AC3E}">
-        <p14:creationId xmlns:p14="http://schemas.microsoft.com/office/powerpoint/2010/main" val="953693820"/>
+        <p14:creationId xmlns="" xmlns:p14="http://schemas.microsoft.com/office/powerpoint/2010/main" val="953693820"/>
       </p:ext>
     </p:extLst>
   </p:cSld>
@@ -2617,82 +2617,9 @@
         </p:xfrm>
         <a:graphic>
           <a:graphicData uri="http://schemas.openxmlformats.org/presentationml/2006/ole">
-            <mc:AlternateContent xmlns:mc="http://schemas.openxmlformats.org/markup-compatibility/2006">
-              <mc:Choice xmlns:v="urn:schemas-microsoft-com:vml" Requires="v">
-                <p:oleObj spid="_x0000_s1041" name="CorelDRAW" r:id="rId14" imgW="8828280" imgH="313200" progId="CorelDRAW.Graphic.13">
-                  <p:embed/>
-                </p:oleObj>
-              </mc:Choice>
-              <mc:Fallback>
-                <p:oleObj name="CorelDRAW" r:id="rId14" imgW="8828280" imgH="313200" progId="CorelDRAW.Graphic.13">
-                  <p:embed/>
-                  <p:pic>
-                    <p:nvPicPr>
-                      <p:cNvPr id="0" name="Object 14"/>
-                      <p:cNvPicPr>
-                        <a:picLocks noChangeAspect="1" noChangeArrowheads="1"/>
-                      </p:cNvPicPr>
-                      <p:nvPr/>
-                    </p:nvPicPr>
-                    <p:blipFill>
-                      <a:blip r:embed="rId15">
-                        <a:extLst>
-                          <a:ext uri="{28A0092B-C50C-407E-A947-70E740481C1C}">
-                            <a14:useLocalDpi xmlns:a14="http://schemas.microsoft.com/office/drawing/2010/main" val="0"/>
-                          </a:ext>
-                        </a:extLst>
-                      </a:blip>
-                      <a:srcRect/>
-                      <a:stretch>
-                        <a:fillRect/>
-                      </a:stretch>
-                    </p:blipFill>
-                    <p:spPr bwMode="auto">
-                      <a:xfrm>
-                        <a:off x="12230100" y="27044650"/>
-                        <a:ext cx="5484813" cy="155575"/>
-                      </a:xfrm>
-                      <a:prstGeom prst="rect">
-                        <a:avLst/>
-                      </a:prstGeom>
-                      <a:noFill/>
-                      <a:ln>
-                        <a:noFill/>
-                      </a:ln>
-                      <a:effectLst/>
-                      <a:extLst>
-                        <a:ext uri="{909E8E84-426E-40DD-AFC4-6F175D3DCCD1}">
-                          <a14:hiddenFill xmlns:a14="http://schemas.microsoft.com/office/drawing/2010/main">
-                            <a:solidFill>
-                              <a:schemeClr val="bg1"/>
-                            </a:solidFill>
-                          </a14:hiddenFill>
-                        </a:ext>
-                        <a:ext uri="{91240B29-F687-4F45-9708-019B960494DF}">
-                          <a14:hiddenLine xmlns:a14="http://schemas.microsoft.com/office/drawing/2010/main" w="9525" algn="ctr">
-                            <a:solidFill>
-                              <a:schemeClr val="tx1"/>
-                            </a:solidFill>
-                            <a:miter lim="800000"/>
-                            <a:headEnd/>
-                            <a:tailEnd/>
-                          </a14:hiddenLine>
-                        </a:ext>
-                        <a:ext uri="{AF507438-7753-43E0-B8FC-AC1667EBCBE1}">
-                          <a14:hiddenEffects xmlns:a14="http://schemas.microsoft.com/office/drawing/2010/main">
-                            <a:effectLst>
-                              <a:outerShdw dist="35921" dir="2700000" algn="ctr" rotWithShape="0">
-                                <a:schemeClr val="bg2"/>
-                              </a:outerShdw>
-                            </a:effectLst>
-                          </a14:hiddenEffects>
-                        </a:ext>
-                      </a:extLst>
-                    </p:spPr>
-                  </p:pic>
-                </p:oleObj>
-              </mc:Fallback>
-            </mc:AlternateContent>
+            <p:oleObj spid="_x0000_s1041" name="CorelDRAW" r:id="rId14" imgW="8833104" imgH="310896" progId="">
+              <p:embed/>
+            </p:oleObj>
           </a:graphicData>
         </a:graphic>
       </p:graphicFrame>
@@ -3149,7 +3076,7 @@
           <a:effectLst/>
           <a:extLst>
             <a:ext uri="{AF507438-7753-43E0-B8FC-AC1667EBCBE1}">
-              <a14:hiddenEffects xmlns:a14="http://schemas.microsoft.com/office/drawing/2010/main">
+              <a14:hiddenEffects xmlns="" xmlns:a14="http://schemas.microsoft.com/office/drawing/2010/main">
                 <a:effectLst>
                   <a:outerShdw dist="35921" dir="2700000" algn="ctr" rotWithShape="0">
                     <a:schemeClr val="bg2"/>
@@ -3178,7 +3105,7 @@
         <p:spPr bwMode="auto">
           <a:xfrm>
             <a:off x="571500" y="4260849"/>
-            <a:ext cx="8147050" cy="18309729"/>
+            <a:ext cx="8147050" cy="22635123"/>
           </a:xfrm>
           <a:prstGeom prst="roundRect">
             <a:avLst>
@@ -3199,7 +3126,7 @@
           <a:effectLst/>
           <a:extLst>
             <a:ext uri="{AF507438-7753-43E0-B8FC-AC1667EBCBE1}">
-              <a14:hiddenEffects xmlns:a14="http://schemas.microsoft.com/office/drawing/2010/main">
+              <a14:hiddenEffects xmlns="" xmlns:a14="http://schemas.microsoft.com/office/drawing/2010/main">
                 <a:effectLst>
                   <a:outerShdw dist="35921" dir="2700000" algn="ctr" rotWithShape="0">
                     <a:schemeClr val="bg2"/>
@@ -3240,14 +3167,14 @@
           <a:effectLst/>
           <a:extLst>
             <a:ext uri="{909E8E84-426E-40DD-AFC4-6F175D3DCCD1}">
-              <a14:hiddenFill xmlns:a14="http://schemas.microsoft.com/office/drawing/2010/main">
+              <a14:hiddenFill xmlns="" xmlns:a14="http://schemas.microsoft.com/office/drawing/2010/main">
                 <a:solidFill>
                   <a:schemeClr val="accent1"/>
                 </a:solidFill>
               </a14:hiddenFill>
             </a:ext>
             <a:ext uri="{91240B29-F687-4F45-9708-019B960494DF}">
-              <a14:hiddenLine xmlns:a14="http://schemas.microsoft.com/office/drawing/2010/main" w="9525">
+              <a14:hiddenLine xmlns="" xmlns:a14="http://schemas.microsoft.com/office/drawing/2010/main" w="9525">
                 <a:solidFill>
                   <a:schemeClr val="tx1"/>
                 </a:solidFill>
@@ -3257,7 +3184,7 @@
               </a14:hiddenLine>
             </a:ext>
             <a:ext uri="{AF507438-7753-43E0-B8FC-AC1667EBCBE1}">
-              <a14:hiddenEffects xmlns:a14="http://schemas.microsoft.com/office/drawing/2010/main">
+              <a14:hiddenEffects xmlns="" xmlns:a14="http://schemas.microsoft.com/office/drawing/2010/main">
                 <a:effectLst>
                   <a:outerShdw dist="35921" dir="2700000" algn="ctr" rotWithShape="0">
                     <a:schemeClr val="bg2"/>
@@ -3421,8 +3348,8 @@
         </p:nvSpPr>
         <p:spPr bwMode="auto">
           <a:xfrm>
-            <a:off x="2555875" y="14027150"/>
-            <a:ext cx="3686175" cy="796925"/>
+            <a:off x="961696" y="14042915"/>
+            <a:ext cx="7709337" cy="1653196"/>
           </a:xfrm>
           <a:prstGeom prst="rect">
             <a:avLst/>
@@ -3434,14 +3361,14 @@
           <a:effectLst/>
           <a:extLst>
             <a:ext uri="{909E8E84-426E-40DD-AFC4-6F175D3DCCD1}">
-              <a14:hiddenFill xmlns:a14="http://schemas.microsoft.com/office/drawing/2010/main">
+              <a14:hiddenFill xmlns="" xmlns:a14="http://schemas.microsoft.com/office/drawing/2010/main">
                 <a:solidFill>
                   <a:schemeClr val="accent1"/>
                 </a:solidFill>
               </a14:hiddenFill>
             </a:ext>
             <a:ext uri="{91240B29-F687-4F45-9708-019B960494DF}">
-              <a14:hiddenLine xmlns:a14="http://schemas.microsoft.com/office/drawing/2010/main" w="9525">
+              <a14:hiddenLine xmlns="" xmlns:a14="http://schemas.microsoft.com/office/drawing/2010/main" w="9525">
                 <a:solidFill>
                   <a:schemeClr val="tx1"/>
                 </a:solidFill>
@@ -3451,7 +3378,7 @@
               </a14:hiddenLine>
             </a:ext>
             <a:ext uri="{AF507438-7753-43E0-B8FC-AC1667EBCBE1}">
-              <a14:hiddenEffects xmlns:a14="http://schemas.microsoft.com/office/drawing/2010/main">
+              <a14:hiddenEffects xmlns="" xmlns:a14="http://schemas.microsoft.com/office/drawing/2010/main">
                 <a:effectLst>
                   <a:outerShdw dist="35921" dir="2700000" algn="ctr" rotWithShape="0">
                     <a:schemeClr val="bg2"/>
@@ -3462,7 +3389,7 @@
           </a:extLst>
         </p:spPr>
         <p:txBody>
-          <a:bodyPr lIns="52249" tIns="26124" rIns="52249" bIns="26124">
+          <a:bodyPr wrap="square" lIns="52249" tIns="26124" rIns="52249" bIns="26124">
             <a:spAutoFit/>
           </a:bodyPr>
           <a:lstStyle>
@@ -3564,15 +3491,23 @@
             </a:lvl9pPr>
           </a:lstStyle>
           <a:p>
-            <a:pPr algn="ctr">
+            <a:pPr lvl="0">
               <a:spcBef>
                 <a:spcPct val="50000"/>
               </a:spcBef>
             </a:pPr>
             <a:r>
-              <a:rPr lang="en-US" altLang="en-US" b="1" dirty="0"/>
-              <a:t>Methods</a:t>
-            </a:r>
+              <a:rPr lang="en-US" sz="3200" b="1" dirty="0" smtClean="0"/>
+              <a:t>SYSTEM DESIGN AND DESCRIPTION</a:t>
+            </a:r>
+          </a:p>
+          <a:p>
+            <a:pPr>
+              <a:spcBef>
+                <a:spcPct val="50000"/>
+              </a:spcBef>
+            </a:pPr>
+            <a:endParaRPr lang="en-US" altLang="en-US" sz="4800" b="1" dirty="0"/>
           </a:p>
         </p:txBody>
       </p:sp>
@@ -3599,14 +3534,14 @@
           <a:effectLst/>
           <a:extLst>
             <a:ext uri="{909E8E84-426E-40DD-AFC4-6F175D3DCCD1}">
-              <a14:hiddenFill xmlns:a14="http://schemas.microsoft.com/office/drawing/2010/main">
+              <a14:hiddenFill xmlns="" xmlns:a14="http://schemas.microsoft.com/office/drawing/2010/main">
                 <a:solidFill>
                   <a:schemeClr val="accent1"/>
                 </a:solidFill>
               </a14:hiddenFill>
             </a:ext>
             <a:ext uri="{91240B29-F687-4F45-9708-019B960494DF}">
-              <a14:hiddenLine xmlns:a14="http://schemas.microsoft.com/office/drawing/2010/main" w="9525">
+              <a14:hiddenLine xmlns="" xmlns:a14="http://schemas.microsoft.com/office/drawing/2010/main" w="9525">
                 <a:solidFill>
                   <a:schemeClr val="tx1"/>
                 </a:solidFill>
@@ -3616,7 +3551,7 @@
               </a14:hiddenLine>
             </a:ext>
             <a:ext uri="{AF507438-7753-43E0-B8FC-AC1667EBCBE1}">
-              <a14:hiddenEffects xmlns:a14="http://schemas.microsoft.com/office/drawing/2010/main">
+              <a14:hiddenEffects xmlns="" xmlns:a14="http://schemas.microsoft.com/office/drawing/2010/main">
                 <a:effectLst>
                   <a:outerShdw dist="35921" dir="2700000" algn="ctr" rotWithShape="0">
                     <a:schemeClr val="bg2"/>
@@ -3735,7 +3670,7 @@
               </a:spcBef>
             </a:pPr>
             <a:r>
-              <a:rPr lang="en-US" altLang="en-US" b="1"/>
+              <a:rPr lang="en-US" altLang="en-US" b="1" dirty="0"/>
               <a:t>Conclusions</a:t>
             </a:r>
           </a:p>
@@ -3781,7 +3716,7 @@
           <a:effectLst/>
           <a:extLst>
             <a:ext uri="{AF507438-7753-43E0-B8FC-AC1667EBCBE1}">
-              <a14:hiddenEffects xmlns:a14="http://schemas.microsoft.com/office/drawing/2010/main">
+              <a14:hiddenEffects xmlns="" xmlns:a14="http://schemas.microsoft.com/office/drawing/2010/main">
                 <a:effectLst>
                   <a:outerShdw dist="35921" dir="2700000" algn="ctr" rotWithShape="0">
                     <a:schemeClr val="bg2"/>
@@ -3924,14 +3859,14 @@
           <a:effectLst/>
           <a:extLst>
             <a:ext uri="{909E8E84-426E-40DD-AFC4-6F175D3DCCD1}">
-              <a14:hiddenFill xmlns:a14="http://schemas.microsoft.com/office/drawing/2010/main">
+              <a14:hiddenFill xmlns="" xmlns:a14="http://schemas.microsoft.com/office/drawing/2010/main">
                 <a:solidFill>
                   <a:schemeClr val="accent1"/>
                 </a:solidFill>
               </a14:hiddenFill>
             </a:ext>
             <a:ext uri="{91240B29-F687-4F45-9708-019B960494DF}">
-              <a14:hiddenLine xmlns:a14="http://schemas.microsoft.com/office/drawing/2010/main" w="9525">
+              <a14:hiddenLine xmlns="" xmlns:a14="http://schemas.microsoft.com/office/drawing/2010/main" w="9525">
                 <a:solidFill>
                   <a:schemeClr val="tx1"/>
                 </a:solidFill>
@@ -3941,7 +3876,7 @@
               </a14:hiddenLine>
             </a:ext>
             <a:ext uri="{AF507438-7753-43E0-B8FC-AC1667EBCBE1}">
-              <a14:hiddenEffects xmlns:a14="http://schemas.microsoft.com/office/drawing/2010/main">
+              <a14:hiddenEffects xmlns="" xmlns:a14="http://schemas.microsoft.com/office/drawing/2010/main">
                 <a:effectLst>
                   <a:outerShdw dist="35921" dir="2700000" algn="ctr" rotWithShape="0">
                     <a:schemeClr val="bg2"/>
@@ -4108,14 +4043,14 @@
           <a:effectLst/>
           <a:extLst>
             <a:ext uri="{909E8E84-426E-40DD-AFC4-6F175D3DCCD1}">
-              <a14:hiddenFill xmlns:a14="http://schemas.microsoft.com/office/drawing/2010/main">
+              <a14:hiddenFill xmlns="" xmlns:a14="http://schemas.microsoft.com/office/drawing/2010/main">
                 <a:solidFill>
                   <a:schemeClr val="accent1"/>
                 </a:solidFill>
               </a14:hiddenFill>
             </a:ext>
             <a:ext uri="{91240B29-F687-4F45-9708-019B960494DF}">
-              <a14:hiddenLine xmlns:a14="http://schemas.microsoft.com/office/drawing/2010/main" w="9525">
+              <a14:hiddenLine xmlns="" xmlns:a14="http://schemas.microsoft.com/office/drawing/2010/main" w="9525">
                 <a:solidFill>
                   <a:schemeClr val="tx1"/>
                 </a:solidFill>
@@ -4125,7 +4060,7 @@
               </a14:hiddenLine>
             </a:ext>
             <a:ext uri="{AF507438-7753-43E0-B8FC-AC1667EBCBE1}">
-              <a14:hiddenEffects xmlns:a14="http://schemas.microsoft.com/office/drawing/2010/main">
+              <a14:hiddenEffects xmlns="" xmlns:a14="http://schemas.microsoft.com/office/drawing/2010/main">
                 <a:effectLst>
                   <a:outerShdw dist="35921" dir="2700000" algn="ctr" rotWithShape="0">
                     <a:schemeClr val="bg2"/>
@@ -4272,8 +4207,8 @@
         </p:nvSpPr>
         <p:spPr bwMode="auto">
           <a:xfrm>
-            <a:off x="10398125" y="11449050"/>
-            <a:ext cx="3114675" cy="614363"/>
+            <a:off x="10524249" y="12521105"/>
+            <a:ext cx="3114675" cy="298979"/>
           </a:xfrm>
           <a:prstGeom prst="rect">
             <a:avLst/>
@@ -4285,14 +4220,14 @@
           <a:effectLst/>
           <a:extLst>
             <a:ext uri="{909E8E84-426E-40DD-AFC4-6F175D3DCCD1}">
-              <a14:hiddenFill xmlns:a14="http://schemas.microsoft.com/office/drawing/2010/main">
+              <a14:hiddenFill xmlns="" xmlns:a14="http://schemas.microsoft.com/office/drawing/2010/main">
                 <a:solidFill>
                   <a:schemeClr val="accent1"/>
                 </a:solidFill>
               </a14:hiddenFill>
             </a:ext>
             <a:ext uri="{91240B29-F687-4F45-9708-019B960494DF}">
-              <a14:hiddenLine xmlns:a14="http://schemas.microsoft.com/office/drawing/2010/main" w="9525">
+              <a14:hiddenLine xmlns="" xmlns:a14="http://schemas.microsoft.com/office/drawing/2010/main" w="9525">
                 <a:solidFill>
                   <a:schemeClr val="tx1"/>
                 </a:solidFill>
@@ -4302,7 +4237,7 @@
               </a14:hiddenLine>
             </a:ext>
             <a:ext uri="{AF507438-7753-43E0-B8FC-AC1667EBCBE1}">
-              <a14:hiddenEffects xmlns:a14="http://schemas.microsoft.com/office/drawing/2010/main">
+              <a14:hiddenEffects xmlns="" xmlns:a14="http://schemas.microsoft.com/office/drawing/2010/main">
                 <a:effectLst>
                   <a:outerShdw dist="35921" dir="2700000" algn="ctr" rotWithShape="0">
                     <a:schemeClr val="bg2"/>
@@ -4415,15 +4350,17 @@
             </a:lvl9pPr>
           </a:lstStyle>
           <a:p>
-            <a:pPr algn="ctr">
-              <a:spcBef>
-                <a:spcPct val="50000"/>
-              </a:spcBef>
-            </a:pPr>
-            <a:r>
-              <a:rPr lang="en-US" altLang="en-US" sz="3700" b="1" i="1"/>
-              <a:t>Figure #1</a:t>
-            </a:r>
+            <a:r>
+              <a:rPr lang="en-US" sz="1600" b="1" dirty="0" smtClean="0">
+                <a:latin typeface="Times New Roman" pitchFamily="18" charset="0"/>
+                <a:cs typeface="Times New Roman" pitchFamily="18" charset="0"/>
+              </a:rPr>
+              <a:t>Fig.2 notification about offers</a:t>
+            </a:r>
+            <a:endParaRPr lang="en-US" sz="4000" b="1" dirty="0">
+              <a:latin typeface="Times New Roman" pitchFamily="18" charset="0"/>
+              <a:cs typeface="Times New Roman" pitchFamily="18" charset="0"/>
+            </a:endParaRPr>
           </a:p>
         </p:txBody>
       </p:sp>
@@ -4437,8 +4374,8 @@
         </p:nvSpPr>
         <p:spPr bwMode="auto">
           <a:xfrm>
-            <a:off x="14179550" y="11426825"/>
-            <a:ext cx="3114675" cy="614363"/>
+            <a:off x="14384500" y="12483114"/>
+            <a:ext cx="3114675" cy="298979"/>
           </a:xfrm>
           <a:prstGeom prst="rect">
             <a:avLst/>
@@ -4450,14 +4387,14 @@
           <a:effectLst/>
           <a:extLst>
             <a:ext uri="{909E8E84-426E-40DD-AFC4-6F175D3DCCD1}">
-              <a14:hiddenFill xmlns:a14="http://schemas.microsoft.com/office/drawing/2010/main">
+              <a14:hiddenFill xmlns="" xmlns:a14="http://schemas.microsoft.com/office/drawing/2010/main">
                 <a:solidFill>
                   <a:schemeClr val="accent1"/>
                 </a:solidFill>
               </a14:hiddenFill>
             </a:ext>
             <a:ext uri="{91240B29-F687-4F45-9708-019B960494DF}">
-              <a14:hiddenLine xmlns:a14="http://schemas.microsoft.com/office/drawing/2010/main" w="9525">
+              <a14:hiddenLine xmlns="" xmlns:a14="http://schemas.microsoft.com/office/drawing/2010/main" w="9525">
                 <a:solidFill>
                   <a:schemeClr val="tx1"/>
                 </a:solidFill>
@@ -4467,7 +4404,7 @@
               </a14:hiddenLine>
             </a:ext>
             <a:ext uri="{AF507438-7753-43E0-B8FC-AC1667EBCBE1}">
-              <a14:hiddenEffects xmlns:a14="http://schemas.microsoft.com/office/drawing/2010/main">
+              <a14:hiddenEffects xmlns="" xmlns:a14="http://schemas.microsoft.com/office/drawing/2010/main">
                 <a:effectLst>
                   <a:outerShdw dist="35921" dir="2700000" algn="ctr" rotWithShape="0">
                     <a:schemeClr val="bg2"/>
@@ -4580,63 +4517,17 @@
             </a:lvl9pPr>
           </a:lstStyle>
           <a:p>
-            <a:pPr algn="ctr">
-              <a:spcBef>
-                <a:spcPct val="50000"/>
-              </a:spcBef>
-            </a:pPr>
-            <a:r>
-              <a:rPr lang="en-US" altLang="en-US" sz="3700" b="1" i="1"/>
-              <a:t>Figure #2</a:t>
-            </a:r>
-          </a:p>
-        </p:txBody>
-      </p:sp>
-      <p:sp>
-        <p:nvSpPr>
-          <p:cNvPr id="2112" name="AutoShape 64"/>
-          <p:cNvSpPr>
-            <a:spLocks noChangeArrowheads="1"/>
-          </p:cNvSpPr>
-          <p:nvPr/>
-        </p:nvSpPr>
-        <p:spPr bwMode="auto">
-          <a:xfrm>
-            <a:off x="14192250" y="12438063"/>
-            <a:ext cx="3143250" cy="3248025"/>
-          </a:xfrm>
-          <a:prstGeom prst="flowChartOr">
-            <a:avLst/>
-          </a:prstGeom>
-          <a:solidFill>
-            <a:schemeClr val="bg1"/>
-          </a:solidFill>
-          <a:ln w="9525">
-            <a:solidFill>
-              <a:schemeClr val="tx1"/>
-            </a:solidFill>
-            <a:round/>
-            <a:headEnd/>
-            <a:tailEnd/>
-          </a:ln>
-          <a:effectLst/>
-          <a:extLst>
-            <a:ext uri="{AF507438-7753-43E0-B8FC-AC1667EBCBE1}">
-              <a14:hiddenEffects xmlns:a14="http://schemas.microsoft.com/office/drawing/2010/main">
-                <a:effectLst>
-                  <a:outerShdw dist="35921" dir="2700000" algn="ctr" rotWithShape="0">
-                    <a:schemeClr val="bg2"/>
-                  </a:outerShdw>
-                </a:effectLst>
-              </a14:hiddenEffects>
-            </a:ext>
-          </a:extLst>
-        </p:spPr>
-        <p:txBody>
-          <a:bodyPr wrap="none" anchor="ctr"/>
-          <a:lstStyle/>
-          <a:p>
-            <a:endParaRPr lang="en-US"/>
+            <a:r>
+              <a:rPr lang="en-US" sz="1600" b="1" dirty="0" smtClean="0">
+                <a:latin typeface="Times New Roman" pitchFamily="18" charset="0"/>
+                <a:cs typeface="Times New Roman" pitchFamily="18" charset="0"/>
+              </a:rPr>
+              <a:t>Fig.3 example output of offers</a:t>
+            </a:r>
+            <a:endParaRPr lang="en-US" sz="4000" b="1" dirty="0">
+              <a:latin typeface="Times New Roman" pitchFamily="18" charset="0"/>
+              <a:cs typeface="Times New Roman" pitchFamily="18" charset="0"/>
+            </a:endParaRPr>
           </a:p>
         </p:txBody>
       </p:sp>
@@ -4650,7 +4541,7 @@
         </p:nvSpPr>
         <p:spPr bwMode="auto">
           <a:xfrm>
-            <a:off x="12172950" y="23167975"/>
+            <a:off x="12078357" y="20424775"/>
             <a:ext cx="3114675" cy="1522391"/>
           </a:xfrm>
           <a:prstGeom prst="rect">
@@ -4663,14 +4554,14 @@
           <a:effectLst/>
           <a:extLst>
             <a:ext uri="{909E8E84-426E-40DD-AFC4-6F175D3DCCD1}">
-              <a14:hiddenFill xmlns:a14="http://schemas.microsoft.com/office/drawing/2010/main">
+              <a14:hiddenFill xmlns="" xmlns:a14="http://schemas.microsoft.com/office/drawing/2010/main">
                 <a:solidFill>
                   <a:schemeClr val="accent1"/>
                 </a:solidFill>
               </a14:hiddenFill>
             </a:ext>
             <a:ext uri="{91240B29-F687-4F45-9708-019B960494DF}">
-              <a14:hiddenLine xmlns:a14="http://schemas.microsoft.com/office/drawing/2010/main" w="9525">
+              <a14:hiddenLine xmlns="" xmlns:a14="http://schemas.microsoft.com/office/drawing/2010/main" w="9525">
                 <a:solidFill>
                   <a:schemeClr val="tx1"/>
                 </a:solidFill>
@@ -4680,7 +4571,7 @@
               </a14:hiddenLine>
             </a:ext>
             <a:ext uri="{AF507438-7753-43E0-B8FC-AC1667EBCBE1}">
-              <a14:hiddenEffects xmlns:a14="http://schemas.microsoft.com/office/drawing/2010/main">
+              <a14:hiddenEffects xmlns="" xmlns:a14="http://schemas.microsoft.com/office/drawing/2010/main">
                 <a:effectLst>
                   <a:outerShdw dist="35921" dir="2700000" algn="ctr" rotWithShape="0">
                     <a:schemeClr val="bg2"/>
@@ -4799,10 +4690,10 @@
               </a:spcBef>
             </a:pPr>
             <a:r>
-              <a:rPr lang="en-US" sz="4000" cap="small" dirty="0"/>
+              <a:rPr lang="en-US" sz="4000" b="1" cap="small" dirty="0"/>
               <a:t>References</a:t>
             </a:r>
-            <a:endParaRPr lang="en-IN" sz="4000" cap="small" dirty="0"/>
+            <a:endParaRPr lang="en-IN" sz="4000" b="1" cap="small" dirty="0"/>
           </a:p>
           <a:p>
             <a:pPr algn="ctr">
@@ -4811,157 +4702,6 @@
               </a:spcBef>
             </a:pPr>
             <a:endParaRPr lang="en-US" altLang="en-US" sz="3700" dirty="0"/>
-          </a:p>
-        </p:txBody>
-      </p:sp>
-      <p:sp>
-        <p:nvSpPr>
-          <p:cNvPr id="2114" name="Rectangle 66"/>
-          <p:cNvSpPr>
-            <a:spLocks noChangeArrowheads="1"/>
-          </p:cNvSpPr>
-          <p:nvPr/>
-        </p:nvSpPr>
-        <p:spPr bwMode="auto">
-          <a:xfrm>
-            <a:off x="10287000" y="12392025"/>
-            <a:ext cx="3429000" cy="3270250"/>
-          </a:xfrm>
-          <a:prstGeom prst="rect">
-            <a:avLst/>
-          </a:prstGeom>
-          <a:solidFill>
-            <a:schemeClr val="bg1"/>
-          </a:solidFill>
-          <a:ln w="9525">
-            <a:solidFill>
-              <a:schemeClr val="tx1"/>
-            </a:solidFill>
-            <a:miter lim="800000"/>
-            <a:headEnd/>
-            <a:tailEnd/>
-          </a:ln>
-          <a:effectLst/>
-          <a:extLst>
-            <a:ext uri="{AF507438-7753-43E0-B8FC-AC1667EBCBE1}">
-              <a14:hiddenEffects xmlns:a14="http://schemas.microsoft.com/office/drawing/2010/main">
-                <a:effectLst>
-                  <a:outerShdw dist="35921" dir="2700000" algn="ctr" rotWithShape="0">
-                    <a:schemeClr val="bg2"/>
-                  </a:outerShdw>
-                </a:effectLst>
-              </a14:hiddenEffects>
-            </a:ext>
-          </a:extLst>
-        </p:spPr>
-        <p:txBody>
-          <a:bodyPr wrap="none" lIns="52249" tIns="26124" rIns="52249" bIns="26124" anchor="ctr"/>
-          <a:lstStyle>
-            <a:lvl1pPr algn="l" defTabSz="522288">
-              <a:defRPr>
-                <a:solidFill>
-                  <a:schemeClr val="tx1"/>
-                </a:solidFill>
-                <a:latin typeface="Arial" charset="0"/>
-              </a:defRPr>
-            </a:lvl1pPr>
-            <a:lvl2pPr marL="261938" algn="l" defTabSz="522288">
-              <a:defRPr>
-                <a:solidFill>
-                  <a:schemeClr val="tx1"/>
-                </a:solidFill>
-                <a:latin typeface="Arial" charset="0"/>
-              </a:defRPr>
-            </a:lvl2pPr>
-            <a:lvl3pPr marL="522288" algn="l" defTabSz="522288">
-              <a:defRPr>
-                <a:solidFill>
-                  <a:schemeClr val="tx1"/>
-                </a:solidFill>
-                <a:latin typeface="Arial" charset="0"/>
-              </a:defRPr>
-            </a:lvl3pPr>
-            <a:lvl4pPr marL="784225" algn="l" defTabSz="522288">
-              <a:defRPr>
-                <a:solidFill>
-                  <a:schemeClr val="tx1"/>
-                </a:solidFill>
-                <a:latin typeface="Arial" charset="0"/>
-              </a:defRPr>
-            </a:lvl4pPr>
-            <a:lvl5pPr marL="1044575" algn="l" defTabSz="522288">
-              <a:defRPr>
-                <a:solidFill>
-                  <a:schemeClr val="tx1"/>
-                </a:solidFill>
-                <a:latin typeface="Arial" charset="0"/>
-              </a:defRPr>
-            </a:lvl5pPr>
-            <a:lvl6pPr marL="1501775" defTabSz="522288" fontAlgn="base">
-              <a:spcBef>
-                <a:spcPct val="0"/>
-              </a:spcBef>
-              <a:spcAft>
-                <a:spcPct val="0"/>
-              </a:spcAft>
-              <a:defRPr>
-                <a:solidFill>
-                  <a:schemeClr val="tx1"/>
-                </a:solidFill>
-                <a:latin typeface="Arial" charset="0"/>
-              </a:defRPr>
-            </a:lvl6pPr>
-            <a:lvl7pPr marL="1958975" defTabSz="522288" fontAlgn="base">
-              <a:spcBef>
-                <a:spcPct val="0"/>
-              </a:spcBef>
-              <a:spcAft>
-                <a:spcPct val="0"/>
-              </a:spcAft>
-              <a:defRPr>
-                <a:solidFill>
-                  <a:schemeClr val="tx1"/>
-                </a:solidFill>
-                <a:latin typeface="Arial" charset="0"/>
-              </a:defRPr>
-            </a:lvl7pPr>
-            <a:lvl8pPr marL="2416175" defTabSz="522288" fontAlgn="base">
-              <a:spcBef>
-                <a:spcPct val="0"/>
-              </a:spcBef>
-              <a:spcAft>
-                <a:spcPct val="0"/>
-              </a:spcAft>
-              <a:defRPr>
-                <a:solidFill>
-                  <a:schemeClr val="tx1"/>
-                </a:solidFill>
-                <a:latin typeface="Arial" charset="0"/>
-              </a:defRPr>
-            </a:lvl8pPr>
-            <a:lvl9pPr marL="2873375" defTabSz="522288" fontAlgn="base">
-              <a:spcBef>
-                <a:spcPct val="0"/>
-              </a:spcBef>
-              <a:spcAft>
-                <a:spcPct val="0"/>
-              </a:spcAft>
-              <a:defRPr>
-                <a:solidFill>
-                  <a:schemeClr val="tx1"/>
-                </a:solidFill>
-                <a:latin typeface="Arial" charset="0"/>
-              </a:defRPr>
-            </a:lvl9pPr>
-          </a:lstStyle>
-          <a:p>
-            <a:pPr algn="ctr" eaLnBrk="0" hangingPunct="0"/>
-            <a:r>
-              <a:rPr lang="en-US" altLang="en-US" sz="2500">
-                <a:latin typeface="Times New Roman" pitchFamily="18" charset="0"/>
-              </a:rPr>
-              <a:t>CHART or PICTURE</a:t>
-            </a:r>
           </a:p>
         </p:txBody>
       </p:sp>
@@ -4975,8 +4715,8 @@
         </p:nvSpPr>
         <p:spPr bwMode="auto">
           <a:xfrm>
-            <a:off x="1195388" y="15290940"/>
-            <a:ext cx="7191375" cy="5194300"/>
+            <a:off x="1069264" y="15227877"/>
+            <a:ext cx="7191375" cy="10099587"/>
           </a:xfrm>
           <a:prstGeom prst="rect">
             <a:avLst/>
@@ -4988,14 +4728,14 @@
           <a:effectLst/>
           <a:extLst>
             <a:ext uri="{909E8E84-426E-40DD-AFC4-6F175D3DCCD1}">
-              <a14:hiddenFill xmlns:a14="http://schemas.microsoft.com/office/drawing/2010/main">
+              <a14:hiddenFill xmlns="" xmlns:a14="http://schemas.microsoft.com/office/drawing/2010/main">
                 <a:solidFill>
                   <a:schemeClr val="bg1"/>
                 </a:solidFill>
               </a14:hiddenFill>
             </a:ext>
             <a:ext uri="{91240B29-F687-4F45-9708-019B960494DF}">
-              <a14:hiddenLine xmlns:a14="http://schemas.microsoft.com/office/drawing/2010/main" w="57150" cmpd="thinThick">
+              <a14:hiddenLine xmlns="" xmlns:a14="http://schemas.microsoft.com/office/drawing/2010/main" w="57150" cmpd="thinThick">
                 <a:solidFill>
                   <a:schemeClr val="tx1"/>
                 </a:solidFill>
@@ -5005,7 +4745,917 @@
               </a14:hiddenLine>
             </a:ext>
             <a:ext uri="{AF507438-7753-43E0-B8FC-AC1667EBCBE1}">
-              <a14:hiddenEffects xmlns:a14="http://schemas.microsoft.com/office/drawing/2010/main">
+              <a14:hiddenEffects xmlns="" xmlns:a14="http://schemas.microsoft.com/office/drawing/2010/main">
+                <a:effectLst>
+                  <a:outerShdw dist="35921" dir="2700000" algn="ctr" rotWithShape="0">
+                    <a:schemeClr val="bg2"/>
+                  </a:outerShdw>
+                </a:effectLst>
+              </a14:hiddenEffects>
+            </a:ext>
+          </a:extLst>
+        </p:spPr>
+        <p:txBody>
+          <a:bodyPr wrap="square" lIns="34953" tIns="17476" rIns="34953" bIns="17476">
+            <a:spAutoFit/>
+          </a:bodyPr>
+          <a:lstStyle>
+            <a:lvl1pPr algn="l" defTabSz="350838">
+              <a:defRPr>
+                <a:solidFill>
+                  <a:schemeClr val="tx1"/>
+                </a:solidFill>
+                <a:latin typeface="Arial" charset="0"/>
+              </a:defRPr>
+            </a:lvl1pPr>
+            <a:lvl2pPr marL="174625" algn="l" defTabSz="350838">
+              <a:defRPr>
+                <a:solidFill>
+                  <a:schemeClr val="tx1"/>
+                </a:solidFill>
+                <a:latin typeface="Arial" charset="0"/>
+              </a:defRPr>
+            </a:lvl2pPr>
+            <a:lvl3pPr marL="350838" algn="l" defTabSz="350838">
+              <a:defRPr>
+                <a:solidFill>
+                  <a:schemeClr val="tx1"/>
+                </a:solidFill>
+                <a:latin typeface="Arial" charset="0"/>
+              </a:defRPr>
+            </a:lvl3pPr>
+            <a:lvl4pPr marL="523875" algn="l" defTabSz="350838">
+              <a:defRPr>
+                <a:solidFill>
+                  <a:schemeClr val="tx1"/>
+                </a:solidFill>
+                <a:latin typeface="Arial" charset="0"/>
+              </a:defRPr>
+            </a:lvl4pPr>
+            <a:lvl5pPr marL="698500" algn="l" defTabSz="350838">
+              <a:defRPr>
+                <a:solidFill>
+                  <a:schemeClr val="tx1"/>
+                </a:solidFill>
+                <a:latin typeface="Arial" charset="0"/>
+              </a:defRPr>
+            </a:lvl5pPr>
+            <a:lvl6pPr marL="1155700" defTabSz="350838" fontAlgn="base">
+              <a:spcBef>
+                <a:spcPct val="0"/>
+              </a:spcBef>
+              <a:spcAft>
+                <a:spcPct val="0"/>
+              </a:spcAft>
+              <a:defRPr>
+                <a:solidFill>
+                  <a:schemeClr val="tx1"/>
+                </a:solidFill>
+                <a:latin typeface="Arial" charset="0"/>
+              </a:defRPr>
+            </a:lvl6pPr>
+            <a:lvl7pPr marL="1612900" defTabSz="350838" fontAlgn="base">
+              <a:spcBef>
+                <a:spcPct val="0"/>
+              </a:spcBef>
+              <a:spcAft>
+                <a:spcPct val="0"/>
+              </a:spcAft>
+              <a:defRPr>
+                <a:solidFill>
+                  <a:schemeClr val="tx1"/>
+                </a:solidFill>
+                <a:latin typeface="Arial" charset="0"/>
+              </a:defRPr>
+            </a:lvl7pPr>
+            <a:lvl8pPr marL="2070100" defTabSz="350838" fontAlgn="base">
+              <a:spcBef>
+                <a:spcPct val="0"/>
+              </a:spcBef>
+              <a:spcAft>
+                <a:spcPct val="0"/>
+              </a:spcAft>
+              <a:defRPr>
+                <a:solidFill>
+                  <a:schemeClr val="tx1"/>
+                </a:solidFill>
+                <a:latin typeface="Arial" charset="0"/>
+              </a:defRPr>
+            </a:lvl8pPr>
+            <a:lvl9pPr marL="2527300" defTabSz="350838" fontAlgn="base">
+              <a:spcBef>
+                <a:spcPct val="0"/>
+              </a:spcBef>
+              <a:spcAft>
+                <a:spcPct val="0"/>
+              </a:spcAft>
+              <a:defRPr>
+                <a:solidFill>
+                  <a:schemeClr val="tx1"/>
+                </a:solidFill>
+                <a:latin typeface="Arial" charset="0"/>
+              </a:defRPr>
+            </a:lvl9pPr>
+          </a:lstStyle>
+          <a:p>
+            <a:pPr algn="just" eaLnBrk="0" hangingPunct="0"/>
+            <a:r>
+              <a:rPr lang="en-US" sz="1600" dirty="0" smtClean="0">
+                <a:latin typeface="Times New Roman" pitchFamily="18" charset="0"/>
+                <a:cs typeface="Times New Roman" pitchFamily="18" charset="0"/>
+              </a:rPr>
+              <a:t>An effective advertising platform helps in effective marketing of the products. It should be cost effective and more responsive than the traditional methods. The following fig.1 shows the design of the proposed model for the effective advertising platform.</a:t>
+            </a:r>
+          </a:p>
+          <a:p>
+            <a:pPr algn="just" eaLnBrk="0" hangingPunct="0"/>
+            <a:endParaRPr lang="en-US" sz="1600" dirty="0" smtClean="0">
+              <a:latin typeface="Times New Roman" pitchFamily="18" charset="0"/>
+              <a:cs typeface="Times New Roman" pitchFamily="18" charset="0"/>
+            </a:endParaRPr>
+          </a:p>
+          <a:p>
+            <a:pPr algn="just" eaLnBrk="0" hangingPunct="0"/>
+            <a:endParaRPr lang="en-US" sz="1600" dirty="0" smtClean="0">
+              <a:latin typeface="Times New Roman" pitchFamily="18" charset="0"/>
+              <a:cs typeface="Times New Roman" pitchFamily="18" charset="0"/>
+            </a:endParaRPr>
+          </a:p>
+          <a:p>
+            <a:pPr algn="just" eaLnBrk="0" hangingPunct="0"/>
+            <a:endParaRPr lang="en-US" sz="1600" dirty="0" smtClean="0">
+              <a:latin typeface="Times New Roman" pitchFamily="18" charset="0"/>
+              <a:cs typeface="Times New Roman" pitchFamily="18" charset="0"/>
+            </a:endParaRPr>
+          </a:p>
+          <a:p>
+            <a:pPr algn="just" eaLnBrk="0" hangingPunct="0"/>
+            <a:endParaRPr lang="en-US" sz="1600" dirty="0" smtClean="0">
+              <a:latin typeface="Times New Roman" pitchFamily="18" charset="0"/>
+              <a:cs typeface="Times New Roman" pitchFamily="18" charset="0"/>
+            </a:endParaRPr>
+          </a:p>
+          <a:p>
+            <a:pPr algn="just" eaLnBrk="0" hangingPunct="0"/>
+            <a:endParaRPr lang="en-US" sz="1600" dirty="0" smtClean="0">
+              <a:latin typeface="Times New Roman" pitchFamily="18" charset="0"/>
+              <a:cs typeface="Times New Roman" pitchFamily="18" charset="0"/>
+            </a:endParaRPr>
+          </a:p>
+          <a:p>
+            <a:pPr algn="just" eaLnBrk="0" hangingPunct="0"/>
+            <a:endParaRPr lang="en-US" sz="1600" dirty="0" smtClean="0">
+              <a:latin typeface="Times New Roman" pitchFamily="18" charset="0"/>
+              <a:cs typeface="Times New Roman" pitchFamily="18" charset="0"/>
+            </a:endParaRPr>
+          </a:p>
+          <a:p>
+            <a:pPr algn="just" eaLnBrk="0" hangingPunct="0"/>
+            <a:endParaRPr lang="en-US" sz="1600" dirty="0" smtClean="0">
+              <a:latin typeface="Times New Roman" pitchFamily="18" charset="0"/>
+              <a:cs typeface="Times New Roman" pitchFamily="18" charset="0"/>
+            </a:endParaRPr>
+          </a:p>
+          <a:p>
+            <a:pPr algn="just" eaLnBrk="0" hangingPunct="0"/>
+            <a:endParaRPr lang="en-US" sz="1600" dirty="0" smtClean="0">
+              <a:latin typeface="Times New Roman" pitchFamily="18" charset="0"/>
+              <a:cs typeface="Times New Roman" pitchFamily="18" charset="0"/>
+            </a:endParaRPr>
+          </a:p>
+          <a:p>
+            <a:pPr algn="just" eaLnBrk="0" hangingPunct="0"/>
+            <a:endParaRPr lang="en-US" sz="1600" dirty="0" smtClean="0">
+              <a:latin typeface="Times New Roman" pitchFamily="18" charset="0"/>
+              <a:cs typeface="Times New Roman" pitchFamily="18" charset="0"/>
+            </a:endParaRPr>
+          </a:p>
+          <a:p>
+            <a:pPr algn="just" eaLnBrk="0" hangingPunct="0"/>
+            <a:endParaRPr lang="en-US" sz="1600" dirty="0" smtClean="0">
+              <a:latin typeface="Times New Roman" pitchFamily="18" charset="0"/>
+              <a:cs typeface="Times New Roman" pitchFamily="18" charset="0"/>
+            </a:endParaRPr>
+          </a:p>
+          <a:p>
+            <a:pPr algn="just" eaLnBrk="0" hangingPunct="0"/>
+            <a:endParaRPr lang="en-US" sz="1600" dirty="0" smtClean="0">
+              <a:latin typeface="Times New Roman" pitchFamily="18" charset="0"/>
+              <a:cs typeface="Times New Roman" pitchFamily="18" charset="0"/>
+            </a:endParaRPr>
+          </a:p>
+          <a:p>
+            <a:pPr algn="just" eaLnBrk="0" hangingPunct="0"/>
+            <a:endParaRPr lang="en-US" sz="1600" dirty="0" smtClean="0">
+              <a:latin typeface="Times New Roman" pitchFamily="18" charset="0"/>
+              <a:cs typeface="Times New Roman" pitchFamily="18" charset="0"/>
+            </a:endParaRPr>
+          </a:p>
+          <a:p>
+            <a:pPr algn="just" eaLnBrk="0" hangingPunct="0"/>
+            <a:endParaRPr lang="en-US" sz="1600" dirty="0" smtClean="0">
+              <a:latin typeface="Times New Roman" pitchFamily="18" charset="0"/>
+              <a:cs typeface="Times New Roman" pitchFamily="18" charset="0"/>
+            </a:endParaRPr>
+          </a:p>
+          <a:p>
+            <a:pPr algn="just" eaLnBrk="0" hangingPunct="0"/>
+            <a:endParaRPr lang="en-US" sz="1600" dirty="0" smtClean="0">
+              <a:latin typeface="Times New Roman" pitchFamily="18" charset="0"/>
+              <a:cs typeface="Times New Roman" pitchFamily="18" charset="0"/>
+            </a:endParaRPr>
+          </a:p>
+          <a:p>
+            <a:pPr algn="just" eaLnBrk="0" hangingPunct="0"/>
+            <a:endParaRPr lang="en-US" sz="1600" dirty="0" smtClean="0">
+              <a:latin typeface="Times New Roman" pitchFamily="18" charset="0"/>
+              <a:cs typeface="Times New Roman" pitchFamily="18" charset="0"/>
+            </a:endParaRPr>
+          </a:p>
+          <a:p>
+            <a:pPr algn="just" eaLnBrk="0" hangingPunct="0"/>
+            <a:endParaRPr lang="en-US" sz="1600" dirty="0" smtClean="0">
+              <a:latin typeface="Times New Roman" pitchFamily="18" charset="0"/>
+              <a:cs typeface="Times New Roman" pitchFamily="18" charset="0"/>
+            </a:endParaRPr>
+          </a:p>
+          <a:p>
+            <a:pPr algn="ctr" eaLnBrk="0" hangingPunct="0"/>
+            <a:r>
+              <a:rPr lang="en-US" sz="1600" b="1" dirty="0" smtClean="0">
+                <a:latin typeface="Times New Roman" pitchFamily="18" charset="0"/>
+                <a:cs typeface="Times New Roman" pitchFamily="18" charset="0"/>
+              </a:rPr>
+              <a:t>Fig.1 design of the proposed advertising platform.</a:t>
+            </a:r>
+          </a:p>
+          <a:p>
+            <a:pPr algn="ctr" eaLnBrk="0" hangingPunct="0"/>
+            <a:endParaRPr lang="en-US" sz="1600" dirty="0" smtClean="0">
+              <a:latin typeface="Times New Roman" pitchFamily="18" charset="0"/>
+              <a:cs typeface="Times New Roman" pitchFamily="18" charset="0"/>
+            </a:endParaRPr>
+          </a:p>
+          <a:p>
+            <a:r>
+              <a:rPr lang="en-US" sz="1600" dirty="0" smtClean="0">
+                <a:latin typeface="Times New Roman" pitchFamily="18" charset="0"/>
+                <a:cs typeface="Times New Roman" pitchFamily="18" charset="0"/>
+              </a:rPr>
+              <a:t>In the design phase the software requirements for the proposed model is as follows: </a:t>
+            </a:r>
+          </a:p>
+          <a:p>
+            <a:r>
+              <a:rPr lang="en-US" sz="1600" dirty="0" smtClean="0">
+                <a:latin typeface="Times New Roman" pitchFamily="18" charset="0"/>
+                <a:cs typeface="Times New Roman" pitchFamily="18" charset="0"/>
+              </a:rPr>
+              <a:t> </a:t>
+            </a:r>
+          </a:p>
+          <a:p>
+            <a:r>
+              <a:rPr lang="en-US" sz="1600" dirty="0" smtClean="0">
+                <a:latin typeface="Times New Roman" pitchFamily="18" charset="0"/>
+                <a:cs typeface="Times New Roman" pitchFamily="18" charset="0"/>
+              </a:rPr>
+              <a:t>The android studio is used for the development of the app for the customer’s </a:t>
+            </a:r>
+            <a:r>
+              <a:rPr lang="en-US" sz="1600" dirty="0" err="1" smtClean="0">
+                <a:latin typeface="Times New Roman" pitchFamily="18" charset="0"/>
+                <a:cs typeface="Times New Roman" pitchFamily="18" charset="0"/>
+              </a:rPr>
+              <a:t>smartphone</a:t>
+            </a:r>
+            <a:r>
+              <a:rPr lang="en-US" sz="1600" dirty="0" smtClean="0">
+                <a:latin typeface="Times New Roman" pitchFamily="18" charset="0"/>
+                <a:cs typeface="Times New Roman" pitchFamily="18" charset="0"/>
+              </a:rPr>
+              <a:t>. The </a:t>
+            </a:r>
+            <a:r>
+              <a:rPr lang="en-US" sz="1600" dirty="0" err="1" smtClean="0">
+                <a:latin typeface="Times New Roman" pitchFamily="18" charset="0"/>
+                <a:cs typeface="Times New Roman" pitchFamily="18" charset="0"/>
+              </a:rPr>
+              <a:t>raspbian</a:t>
+            </a:r>
+            <a:r>
+              <a:rPr lang="en-US" sz="1600" dirty="0" smtClean="0">
+                <a:latin typeface="Times New Roman" pitchFamily="18" charset="0"/>
+                <a:cs typeface="Times New Roman" pitchFamily="18" charset="0"/>
+              </a:rPr>
+              <a:t> OS is uploaded onto the raspberry pi. </a:t>
+            </a:r>
+            <a:r>
+              <a:rPr lang="en-US" sz="1600" dirty="0" err="1" smtClean="0">
+                <a:latin typeface="Times New Roman" pitchFamily="18" charset="0"/>
+                <a:cs typeface="Times New Roman" pitchFamily="18" charset="0"/>
+              </a:rPr>
+              <a:t>Php</a:t>
+            </a:r>
+            <a:r>
+              <a:rPr lang="en-US" sz="1600" dirty="0" smtClean="0">
+                <a:latin typeface="Times New Roman" pitchFamily="18" charset="0"/>
+                <a:cs typeface="Times New Roman" pitchFamily="18" charset="0"/>
+              </a:rPr>
+              <a:t> and </a:t>
+            </a:r>
+            <a:r>
+              <a:rPr lang="en-US" sz="1600" dirty="0" err="1" smtClean="0">
+                <a:latin typeface="Times New Roman" pitchFamily="18" charset="0"/>
+                <a:cs typeface="Times New Roman" pitchFamily="18" charset="0"/>
+              </a:rPr>
+              <a:t>mysql</a:t>
+            </a:r>
+            <a:r>
+              <a:rPr lang="en-US" sz="1600" dirty="0" smtClean="0">
+                <a:latin typeface="Times New Roman" pitchFamily="18" charset="0"/>
+                <a:cs typeface="Times New Roman" pitchFamily="18" charset="0"/>
+              </a:rPr>
+              <a:t> is used for designing the backend. The database which is used to store the information about offers is placed in the raspberry pi and </a:t>
+            </a:r>
+            <a:r>
+              <a:rPr lang="en-US" sz="1600" dirty="0" err="1" smtClean="0">
+                <a:latin typeface="Times New Roman" pitchFamily="18" charset="0"/>
+                <a:cs typeface="Times New Roman" pitchFamily="18" charset="0"/>
+              </a:rPr>
+              <a:t>php</a:t>
+            </a:r>
+            <a:r>
+              <a:rPr lang="en-US" sz="1600" dirty="0" smtClean="0">
+                <a:latin typeface="Times New Roman" pitchFamily="18" charset="0"/>
+                <a:cs typeface="Times New Roman" pitchFamily="18" charset="0"/>
+              </a:rPr>
+              <a:t> is used to upload and retrieve the data from it.HTML, CSS, bootstrap is used for designing the front end of the model. An admin page is used to upload the data.</a:t>
+            </a:r>
+          </a:p>
+          <a:p>
+            <a:r>
+              <a:rPr lang="en-US" sz="1600" dirty="0" smtClean="0">
+                <a:latin typeface="Times New Roman" pitchFamily="18" charset="0"/>
+                <a:cs typeface="Times New Roman" pitchFamily="18" charset="0"/>
+              </a:rPr>
+              <a:t> </a:t>
+            </a:r>
+          </a:p>
+          <a:p>
+            <a:r>
+              <a:rPr lang="en-US" sz="1600" dirty="0" smtClean="0">
+                <a:latin typeface="Times New Roman" pitchFamily="18" charset="0"/>
+                <a:cs typeface="Times New Roman" pitchFamily="18" charset="0"/>
+              </a:rPr>
+              <a:t>The raspberry pi is used as a medium for storage and sending of the offer details. A </a:t>
+            </a:r>
+            <a:r>
+              <a:rPr lang="en-US" sz="1600" dirty="0" err="1" smtClean="0">
+                <a:latin typeface="Times New Roman" pitchFamily="18" charset="0"/>
+                <a:cs typeface="Times New Roman" pitchFamily="18" charset="0"/>
+              </a:rPr>
+              <a:t>mysql</a:t>
+            </a:r>
+            <a:r>
+              <a:rPr lang="en-US" sz="1600" dirty="0" smtClean="0">
+                <a:latin typeface="Times New Roman" pitchFamily="18" charset="0"/>
+                <a:cs typeface="Times New Roman" pitchFamily="18" charset="0"/>
+              </a:rPr>
+              <a:t> database is created on the raspberry pi to store the offer’s list. An admin web page or dashboard is used by the shop keeper to upload the data to the database. A Wi-Fi module is present in the raspberry pi which is used to broadcast the offers to the customer’s </a:t>
+            </a:r>
+            <a:r>
+              <a:rPr lang="en-US" sz="1600" dirty="0" err="1" smtClean="0">
+                <a:latin typeface="Times New Roman" pitchFamily="18" charset="0"/>
+                <a:cs typeface="Times New Roman" pitchFamily="18" charset="0"/>
+              </a:rPr>
+              <a:t>smatphone</a:t>
+            </a:r>
+            <a:r>
+              <a:rPr lang="en-US" sz="1600" dirty="0" smtClean="0">
+                <a:latin typeface="Times New Roman" pitchFamily="18" charset="0"/>
+                <a:cs typeface="Times New Roman" pitchFamily="18" charset="0"/>
+              </a:rPr>
+              <a:t>. An android app is installed in the customer’s </a:t>
+            </a:r>
+            <a:r>
+              <a:rPr lang="en-US" sz="1600" dirty="0" err="1" smtClean="0">
+                <a:latin typeface="Times New Roman" pitchFamily="18" charset="0"/>
+                <a:cs typeface="Times New Roman" pitchFamily="18" charset="0"/>
+              </a:rPr>
+              <a:t>smartphone</a:t>
+            </a:r>
+            <a:r>
+              <a:rPr lang="en-US" sz="1600" dirty="0" smtClean="0">
+                <a:latin typeface="Times New Roman" pitchFamily="18" charset="0"/>
+                <a:cs typeface="Times New Roman" pitchFamily="18" charset="0"/>
+              </a:rPr>
+              <a:t> and whenever the </a:t>
+            </a:r>
+            <a:r>
+              <a:rPr lang="en-US" sz="1600" dirty="0" err="1" smtClean="0">
+                <a:latin typeface="Times New Roman" pitchFamily="18" charset="0"/>
+                <a:cs typeface="Times New Roman" pitchFamily="18" charset="0"/>
+              </a:rPr>
+              <a:t>smartphone</a:t>
+            </a:r>
+            <a:r>
+              <a:rPr lang="en-US" sz="1600" dirty="0" smtClean="0">
+                <a:latin typeface="Times New Roman" pitchFamily="18" charset="0"/>
+                <a:cs typeface="Times New Roman" pitchFamily="18" charset="0"/>
+              </a:rPr>
+              <a:t> comes into the range of the shop keeper’s Wi-Fi, he gets a notification about the offers present.</a:t>
+            </a:r>
+          </a:p>
+          <a:p>
+            <a:pPr algn="just" eaLnBrk="0" hangingPunct="0"/>
+            <a:endParaRPr lang="en-US" sz="1600" dirty="0" smtClean="0">
+              <a:latin typeface="Times New Roman" pitchFamily="18" charset="0"/>
+              <a:cs typeface="Times New Roman" pitchFamily="18" charset="0"/>
+            </a:endParaRPr>
+          </a:p>
+          <a:p>
+            <a:pPr algn="just" eaLnBrk="0" hangingPunct="0"/>
+            <a:endParaRPr lang="en-US" sz="1600" dirty="0" smtClean="0">
+              <a:latin typeface="Times New Roman" pitchFamily="18" charset="0"/>
+              <a:cs typeface="Times New Roman" pitchFamily="18" charset="0"/>
+            </a:endParaRPr>
+          </a:p>
+          <a:p>
+            <a:pPr eaLnBrk="0" hangingPunct="0"/>
+            <a:endParaRPr lang="en-US" altLang="en-US" sz="1400" dirty="0">
+              <a:latin typeface="Times New Roman" pitchFamily="18" charset="0"/>
+            </a:endParaRPr>
+          </a:p>
+        </p:txBody>
+      </p:sp>
+      <p:sp>
+        <p:nvSpPr>
+          <p:cNvPr id="2116" name="Text Box 68"/>
+          <p:cNvSpPr txBox="1">
+            <a:spLocks noChangeArrowheads="1"/>
+          </p:cNvSpPr>
+          <p:nvPr/>
+        </p:nvSpPr>
+        <p:spPr bwMode="auto">
+          <a:xfrm>
+            <a:off x="9916510" y="21031202"/>
+            <a:ext cx="7614745" cy="5241847"/>
+          </a:xfrm>
+          <a:prstGeom prst="rect">
+            <a:avLst/>
+          </a:prstGeom>
+          <a:noFill/>
+          <a:ln>
+            <a:noFill/>
+          </a:ln>
+          <a:effectLst/>
+          <a:extLst>
+            <a:ext uri="{909E8E84-426E-40DD-AFC4-6F175D3DCCD1}">
+              <a14:hiddenFill xmlns="" xmlns:a14="http://schemas.microsoft.com/office/drawing/2010/main">
+                <a:solidFill>
+                  <a:schemeClr val="bg1"/>
+                </a:solidFill>
+              </a14:hiddenFill>
+            </a:ext>
+            <a:ext uri="{91240B29-F687-4F45-9708-019B960494DF}">
+              <a14:hiddenLine xmlns="" xmlns:a14="http://schemas.microsoft.com/office/drawing/2010/main" w="57150" cmpd="thinThick">
+                <a:solidFill>
+                  <a:schemeClr val="tx1"/>
+                </a:solidFill>
+                <a:miter lim="800000"/>
+                <a:headEnd/>
+                <a:tailEnd/>
+              </a14:hiddenLine>
+            </a:ext>
+            <a:ext uri="{AF507438-7753-43E0-B8FC-AC1667EBCBE1}">
+              <a14:hiddenEffects xmlns="" xmlns:a14="http://schemas.microsoft.com/office/drawing/2010/main">
+                <a:effectLst>
+                  <a:outerShdw dist="35921" dir="2700000" algn="ctr" rotWithShape="0">
+                    <a:schemeClr val="bg2"/>
+                  </a:outerShdw>
+                </a:effectLst>
+              </a14:hiddenEffects>
+            </a:ext>
+          </a:extLst>
+        </p:spPr>
+        <p:txBody>
+          <a:bodyPr wrap="square" lIns="34953" tIns="17476" rIns="34953" bIns="17476">
+            <a:spAutoFit/>
+          </a:bodyPr>
+          <a:lstStyle>
+            <a:lvl1pPr marL="195263" indent="-195263" algn="l" defTabSz="350838">
+              <a:defRPr>
+                <a:solidFill>
+                  <a:schemeClr val="tx1"/>
+                </a:solidFill>
+                <a:latin typeface="Arial" charset="0"/>
+              </a:defRPr>
+            </a:lvl1pPr>
+            <a:lvl2pPr marL="371475" indent="-196850" algn="l" defTabSz="350838">
+              <a:defRPr>
+                <a:solidFill>
+                  <a:schemeClr val="tx1"/>
+                </a:solidFill>
+                <a:latin typeface="Arial" charset="0"/>
+              </a:defRPr>
+            </a:lvl2pPr>
+            <a:lvl3pPr marL="546100" indent="-195263" algn="l" defTabSz="350838">
+              <a:defRPr>
+                <a:solidFill>
+                  <a:schemeClr val="tx1"/>
+                </a:solidFill>
+                <a:latin typeface="Arial" charset="0"/>
+              </a:defRPr>
+            </a:lvl3pPr>
+            <a:lvl4pPr marL="719138" indent="-195263" algn="l" defTabSz="350838">
+              <a:defRPr>
+                <a:solidFill>
+                  <a:schemeClr val="tx1"/>
+                </a:solidFill>
+                <a:latin typeface="Arial" charset="0"/>
+              </a:defRPr>
+            </a:lvl4pPr>
+            <a:lvl5pPr marL="893763" indent="-195263" algn="l" defTabSz="350838">
+              <a:defRPr>
+                <a:solidFill>
+                  <a:schemeClr val="tx1"/>
+                </a:solidFill>
+                <a:latin typeface="Arial" charset="0"/>
+              </a:defRPr>
+            </a:lvl5pPr>
+            <a:lvl6pPr marL="1350963" indent="-195263" defTabSz="350838" fontAlgn="base">
+              <a:spcBef>
+                <a:spcPct val="0"/>
+              </a:spcBef>
+              <a:spcAft>
+                <a:spcPct val="0"/>
+              </a:spcAft>
+              <a:defRPr>
+                <a:solidFill>
+                  <a:schemeClr val="tx1"/>
+                </a:solidFill>
+                <a:latin typeface="Arial" charset="0"/>
+              </a:defRPr>
+            </a:lvl6pPr>
+            <a:lvl7pPr marL="1808163" indent="-195263" defTabSz="350838" fontAlgn="base">
+              <a:spcBef>
+                <a:spcPct val="0"/>
+              </a:spcBef>
+              <a:spcAft>
+                <a:spcPct val="0"/>
+              </a:spcAft>
+              <a:defRPr>
+                <a:solidFill>
+                  <a:schemeClr val="tx1"/>
+                </a:solidFill>
+                <a:latin typeface="Arial" charset="0"/>
+              </a:defRPr>
+            </a:lvl7pPr>
+            <a:lvl8pPr marL="2265363" indent="-195263" defTabSz="350838" fontAlgn="base">
+              <a:spcBef>
+                <a:spcPct val="0"/>
+              </a:spcBef>
+              <a:spcAft>
+                <a:spcPct val="0"/>
+              </a:spcAft>
+              <a:defRPr>
+                <a:solidFill>
+                  <a:schemeClr val="tx1"/>
+                </a:solidFill>
+                <a:latin typeface="Arial" charset="0"/>
+              </a:defRPr>
+            </a:lvl8pPr>
+            <a:lvl9pPr marL="2722563" indent="-195263" defTabSz="350838" fontAlgn="base">
+              <a:spcBef>
+                <a:spcPct val="0"/>
+              </a:spcBef>
+              <a:spcAft>
+                <a:spcPct val="0"/>
+              </a:spcAft>
+              <a:defRPr>
+                <a:solidFill>
+                  <a:schemeClr val="tx1"/>
+                </a:solidFill>
+                <a:latin typeface="Arial" charset="0"/>
+              </a:defRPr>
+            </a:lvl9pPr>
+          </a:lstStyle>
+          <a:p>
+            <a:pPr algn="just" eaLnBrk="0" hangingPunct="0">
+              <a:spcBef>
+                <a:spcPts val="115"/>
+              </a:spcBef>
+              <a:spcAft>
+                <a:spcPts val="115"/>
+              </a:spcAft>
+            </a:pPr>
+            <a:endParaRPr lang="en-US" altLang="en-US" sz="1600" b="1" u="sng" dirty="0">
+              <a:latin typeface="Times New Roman" pitchFamily="18" charset="0"/>
+            </a:endParaRPr>
+          </a:p>
+          <a:p>
+            <a:pPr marL="342900" indent="-342900" algn="just">
+              <a:spcBef>
+                <a:spcPts val="115"/>
+              </a:spcBef>
+              <a:spcAft>
+                <a:spcPts val="115"/>
+              </a:spcAft>
+              <a:buFont typeface="+mj-lt"/>
+              <a:buAutoNum type="arabicPeriod"/>
+            </a:pPr>
+            <a:r>
+              <a:rPr lang="en-US" sz="1600" i="1" dirty="0" smtClean="0"/>
+              <a:t>Advance Flood Detection and Notification System based on Sensor Technology and Machine Learning Algorithm</a:t>
+            </a:r>
+            <a:r>
+              <a:rPr lang="en-US" sz="1600" dirty="0" smtClean="0"/>
+              <a:t> --Mohammed </a:t>
+            </a:r>
+            <a:r>
+              <a:rPr lang="en-US" sz="1600" dirty="0" err="1" smtClean="0"/>
+              <a:t>Khalaf</a:t>
+            </a:r>
+            <a:r>
+              <a:rPr lang="en-US" sz="1600" dirty="0" smtClean="0"/>
+              <a:t>, </a:t>
+            </a:r>
+            <a:r>
+              <a:rPr lang="en-US" sz="1600" dirty="0" err="1" smtClean="0"/>
+              <a:t>Abir</a:t>
+            </a:r>
+            <a:r>
+              <a:rPr lang="en-US" sz="1600" dirty="0" smtClean="0"/>
+              <a:t> </a:t>
+            </a:r>
+            <a:r>
+              <a:rPr lang="en-US" sz="1600" dirty="0" err="1" smtClean="0"/>
+              <a:t>Jaafar</a:t>
+            </a:r>
+            <a:r>
+              <a:rPr lang="en-US" sz="1600" dirty="0" smtClean="0"/>
+              <a:t> </a:t>
+            </a:r>
+            <a:r>
+              <a:rPr lang="en-US" sz="1600" dirty="0" err="1" smtClean="0"/>
+              <a:t>Hussain</a:t>
+            </a:r>
+            <a:r>
+              <a:rPr lang="en-US" sz="1600" dirty="0" smtClean="0"/>
+              <a:t>, </a:t>
+            </a:r>
+            <a:r>
+              <a:rPr lang="en-US" sz="1600" dirty="0" err="1" smtClean="0"/>
+              <a:t>Dhiya</a:t>
+            </a:r>
+            <a:r>
+              <a:rPr lang="en-US" sz="1600" dirty="0" smtClean="0"/>
+              <a:t> Al-</a:t>
+            </a:r>
+            <a:r>
+              <a:rPr lang="en-US" sz="1600" dirty="0" err="1" smtClean="0"/>
+              <a:t>Jumeily</a:t>
+            </a:r>
+            <a:r>
+              <a:rPr lang="en-US" sz="1600" dirty="0" smtClean="0"/>
+              <a:t>, Paul Fergus, Ibrahim </a:t>
+            </a:r>
+            <a:r>
+              <a:rPr lang="en-US" sz="1600" dirty="0" err="1" smtClean="0"/>
+              <a:t>Olatunji</a:t>
+            </a:r>
+            <a:r>
+              <a:rPr lang="en-US" sz="1600" dirty="0" smtClean="0"/>
+              <a:t> </a:t>
+            </a:r>
+            <a:r>
+              <a:rPr lang="en-US" sz="1600" dirty="0" err="1" smtClean="0"/>
+              <a:t>Idowu</a:t>
+            </a:r>
+            <a:r>
+              <a:rPr lang="en-US" sz="1600" dirty="0" smtClean="0"/>
+              <a:t> Applied Computing Research Group, School of Computing and Mathematical Sciences Liverpool John </a:t>
+            </a:r>
+            <a:r>
+              <a:rPr lang="en-US" sz="1600" dirty="0" err="1" smtClean="0"/>
+              <a:t>Moores</a:t>
+            </a:r>
+            <a:r>
+              <a:rPr lang="en-US" sz="1600" dirty="0" smtClean="0"/>
+              <a:t> University.</a:t>
+            </a:r>
+          </a:p>
+          <a:p>
+            <a:pPr marL="342900" indent="-342900" algn="just">
+              <a:spcBef>
+                <a:spcPts val="115"/>
+              </a:spcBef>
+              <a:spcAft>
+                <a:spcPts val="115"/>
+              </a:spcAft>
+              <a:buFont typeface="+mj-lt"/>
+              <a:buAutoNum type="arabicPeriod"/>
+            </a:pPr>
+            <a:r>
+              <a:rPr lang="en-US" sz="1600" dirty="0" smtClean="0"/>
+              <a:t>https://en.wikipedia.org/wiki/Android</a:t>
+            </a:r>
+          </a:p>
+          <a:p>
+            <a:pPr marL="342900" indent="-342900" algn="just">
+              <a:spcBef>
+                <a:spcPts val="115"/>
+              </a:spcBef>
+              <a:spcAft>
+                <a:spcPts val="115"/>
+              </a:spcAft>
+              <a:buFont typeface="+mj-lt"/>
+              <a:buAutoNum type="arabicPeriod"/>
+            </a:pPr>
+            <a:r>
+              <a:rPr lang="en-US" sz="1600" dirty="0" smtClean="0"/>
+              <a:t>http://www.developer.android.com/training/volley .– volley libraries for asynchronous task.</a:t>
+            </a:r>
+          </a:p>
+          <a:p>
+            <a:pPr marL="342900" indent="-342900" algn="just">
+              <a:spcBef>
+                <a:spcPts val="115"/>
+              </a:spcBef>
+              <a:spcAft>
+                <a:spcPts val="115"/>
+              </a:spcAft>
+              <a:buFont typeface="+mj-lt"/>
+              <a:buAutoNum type="arabicPeriod"/>
+            </a:pPr>
+            <a:r>
+              <a:rPr lang="en-US" sz="1600" dirty="0" smtClean="0"/>
+              <a:t>http://www.developer.android.com/reference/org/json/JSONObject. – JSON for sending data and receiving data to server.</a:t>
+            </a:r>
+          </a:p>
+          <a:p>
+            <a:pPr marL="342900" indent="-342900" algn="just">
+              <a:spcBef>
+                <a:spcPts val="115"/>
+              </a:spcBef>
+              <a:spcAft>
+                <a:spcPts val="115"/>
+              </a:spcAft>
+              <a:buFont typeface="+mj-lt"/>
+              <a:buAutoNum type="arabicPeriod"/>
+            </a:pPr>
+            <a:r>
+              <a:rPr lang="en-US" sz="1600" dirty="0" smtClean="0"/>
+              <a:t>http://www.javatechig.com/android/android-recyclervie. – recycler view for view list.</a:t>
+            </a:r>
+          </a:p>
+          <a:p>
+            <a:pPr marL="342900" indent="-342900" algn="just">
+              <a:spcBef>
+                <a:spcPts val="115"/>
+              </a:spcBef>
+              <a:spcAft>
+                <a:spcPts val="115"/>
+              </a:spcAft>
+              <a:buFont typeface="+mj-lt"/>
+              <a:buAutoNum type="arabicPeriod"/>
+            </a:pPr>
+            <a:r>
+              <a:rPr lang="en-US" sz="1600" dirty="0" smtClean="0"/>
+              <a:t>https://www.raspberrypi.org/documentation/remote-access/web-server/apache-server</a:t>
+            </a:r>
+          </a:p>
+          <a:p>
+            <a:pPr marL="342900" indent="-342900" algn="just">
+              <a:spcBef>
+                <a:spcPts val="115"/>
+              </a:spcBef>
+              <a:spcAft>
+                <a:spcPts val="115"/>
+              </a:spcAft>
+              <a:buFont typeface="+mj-lt"/>
+              <a:buAutoNum type="arabicPeriod"/>
+            </a:pPr>
+            <a:r>
+              <a:rPr lang="en-US" sz="1600" dirty="0" smtClean="0"/>
+              <a:t>http://www.raspbian.org-- OS for raspberry pi</a:t>
+            </a:r>
+            <a:r>
+              <a:rPr lang="en-US" sz="1600" dirty="0" smtClean="0"/>
+              <a:t>.</a:t>
+            </a:r>
+          </a:p>
+          <a:p>
+            <a:pPr marL="342900" indent="-342900" algn="just">
+              <a:spcBef>
+                <a:spcPts val="115"/>
+              </a:spcBef>
+              <a:spcAft>
+                <a:spcPts val="115"/>
+              </a:spcAft>
+              <a:buFont typeface="+mj-lt"/>
+              <a:buAutoNum type="arabicPeriod"/>
+            </a:pPr>
+            <a:r>
+              <a:rPr lang="en-US" sz="1600" dirty="0" smtClean="0"/>
+              <a:t>http://</a:t>
+            </a:r>
+            <a:r>
+              <a:rPr lang="en-US" sz="1600" dirty="0" smtClean="0"/>
+              <a:t>developer.android.com/reference/android/content/BroadcastReceiver.html</a:t>
+            </a:r>
+          </a:p>
+          <a:p>
+            <a:pPr marL="342900" indent="-342900" algn="just">
+              <a:spcBef>
+                <a:spcPts val="115"/>
+              </a:spcBef>
+              <a:spcAft>
+                <a:spcPts val="115"/>
+              </a:spcAft>
+              <a:buFont typeface="+mj-lt"/>
+              <a:buAutoNum type="arabicPeriod"/>
+            </a:pPr>
+            <a:r>
+              <a:rPr lang="en-US" sz="1600" dirty="0" smtClean="0"/>
+              <a:t>https://php.net/</a:t>
+            </a:r>
+          </a:p>
+          <a:p>
+            <a:pPr marL="342900" indent="-342900" algn="just">
+              <a:spcBef>
+                <a:spcPts val="115"/>
+              </a:spcBef>
+              <a:spcAft>
+                <a:spcPts val="115"/>
+              </a:spcAft>
+              <a:buFont typeface="+mj-lt"/>
+              <a:buAutoNum type="arabicPeriod"/>
+            </a:pPr>
+            <a:r>
+              <a:rPr lang="en-US" sz="1600" dirty="0" smtClean="0"/>
+              <a:t>https://en.wikipedia.org/wiki/Wireless_LAN</a:t>
+            </a:r>
+          </a:p>
+          <a:p>
+            <a:pPr algn="just" eaLnBrk="0" hangingPunct="0">
+              <a:spcBef>
+                <a:spcPts val="115"/>
+              </a:spcBef>
+              <a:spcAft>
+                <a:spcPts val="115"/>
+              </a:spcAft>
+              <a:buFont typeface="Symbol" pitchFamily="18" charset="2"/>
+              <a:buAutoNum type="arabicPeriod"/>
+            </a:pPr>
+            <a:endParaRPr lang="en-US" altLang="en-US" sz="1600" b="1" dirty="0">
+              <a:latin typeface="Times New Roman" pitchFamily="18" charset="0"/>
+            </a:endParaRPr>
+          </a:p>
+        </p:txBody>
+      </p:sp>
+      <p:sp>
+        <p:nvSpPr>
+          <p:cNvPr id="2117" name="Text Box 69"/>
+          <p:cNvSpPr txBox="1">
+            <a:spLocks noChangeArrowheads="1"/>
+          </p:cNvSpPr>
+          <p:nvPr/>
+        </p:nvSpPr>
+        <p:spPr bwMode="auto">
+          <a:xfrm>
+            <a:off x="10018713" y="5522913"/>
+            <a:ext cx="7177087" cy="2842216"/>
+          </a:xfrm>
+          <a:prstGeom prst="rect">
+            <a:avLst/>
+          </a:prstGeom>
+          <a:noFill/>
+          <a:ln>
+            <a:noFill/>
+          </a:ln>
+          <a:effectLst/>
+          <a:extLst>
+            <a:ext uri="{909E8E84-426E-40DD-AFC4-6F175D3DCCD1}">
+              <a14:hiddenFill xmlns="" xmlns:a14="http://schemas.microsoft.com/office/drawing/2010/main">
+                <a:solidFill>
+                  <a:schemeClr val="bg1"/>
+                </a:solidFill>
+              </a14:hiddenFill>
+            </a:ext>
+            <a:ext uri="{91240B29-F687-4F45-9708-019B960494DF}">
+              <a14:hiddenLine xmlns="" xmlns:a14="http://schemas.microsoft.com/office/drawing/2010/main" w="57150" cmpd="thinThick">
+                <a:solidFill>
+                  <a:schemeClr val="tx1"/>
+                </a:solidFill>
+                <a:miter lim="800000"/>
+                <a:headEnd/>
+                <a:tailEnd/>
+              </a14:hiddenLine>
+            </a:ext>
+            <a:ext uri="{AF507438-7753-43E0-B8FC-AC1667EBCBE1}">
+              <a14:hiddenEffects xmlns="" xmlns:a14="http://schemas.microsoft.com/office/drawing/2010/main">
                 <a:effectLst>
                   <a:outerShdw dist="35921" dir="2700000" algn="ctr" rotWithShape="0">
                     <a:schemeClr val="bg2"/>
@@ -5118,17 +5768,106 @@
             </a:lvl9pPr>
           </a:lstStyle>
           <a:p>
+            <a:pPr algn="just" eaLnBrk="0" hangingPunct="0">
+              <a:lnSpc>
+                <a:spcPct val="95000"/>
+              </a:lnSpc>
+            </a:pPr>
+            <a:r>
+              <a:rPr lang="en-US" sz="1600" dirty="0" smtClean="0">
+                <a:latin typeface="Times New Roman" pitchFamily="18" charset="0"/>
+                <a:cs typeface="Times New Roman" pitchFamily="18" charset="0"/>
+              </a:rPr>
+              <a:t>The following section shows the experimental results achieved by implementing the proposed model. Whenever the customer’s </a:t>
+            </a:r>
+            <a:r>
+              <a:rPr lang="en-US" sz="1600" dirty="0" err="1" smtClean="0">
+                <a:latin typeface="Times New Roman" pitchFamily="18" charset="0"/>
+                <a:cs typeface="Times New Roman" pitchFamily="18" charset="0"/>
+              </a:rPr>
+              <a:t>smartphone</a:t>
+            </a:r>
+            <a:r>
+              <a:rPr lang="en-US" sz="1600" dirty="0" smtClean="0">
+                <a:latin typeface="Times New Roman" pitchFamily="18" charset="0"/>
+                <a:cs typeface="Times New Roman" pitchFamily="18" charset="0"/>
+              </a:rPr>
+              <a:t> comes into the Wi-Fi range of the shop the customer gets a notification on his </a:t>
+            </a:r>
+            <a:r>
+              <a:rPr lang="en-US" sz="1600" dirty="0" err="1" smtClean="0">
+                <a:latin typeface="Times New Roman" pitchFamily="18" charset="0"/>
+                <a:cs typeface="Times New Roman" pitchFamily="18" charset="0"/>
+              </a:rPr>
+              <a:t>smartphone</a:t>
+            </a:r>
+            <a:r>
+              <a:rPr lang="en-US" sz="1600" dirty="0" smtClean="0">
+                <a:latin typeface="Times New Roman" pitchFamily="18" charset="0"/>
+                <a:cs typeface="Times New Roman" pitchFamily="18" charset="0"/>
+              </a:rPr>
+              <a:t> when the app is off. The following figure 2 shows the notification got on the customers </a:t>
+            </a:r>
+            <a:r>
+              <a:rPr lang="en-US" sz="1600" dirty="0" err="1" smtClean="0">
+                <a:latin typeface="Times New Roman" pitchFamily="18" charset="0"/>
+                <a:cs typeface="Times New Roman" pitchFamily="18" charset="0"/>
+              </a:rPr>
+              <a:t>smartphone</a:t>
+            </a:r>
+            <a:r>
+              <a:rPr lang="en-US" sz="1600" dirty="0" smtClean="0">
+                <a:latin typeface="Times New Roman" pitchFamily="18" charset="0"/>
+                <a:cs typeface="Times New Roman" pitchFamily="18" charset="0"/>
+              </a:rPr>
+              <a:t>.</a:t>
+            </a:r>
+          </a:p>
+          <a:p>
+            <a:pPr algn="just" eaLnBrk="0" hangingPunct="0">
+              <a:lnSpc>
+                <a:spcPct val="95000"/>
+              </a:lnSpc>
+            </a:pPr>
+            <a:endParaRPr lang="en-US" sz="1600" dirty="0" smtClean="0">
+              <a:latin typeface="Times New Roman" pitchFamily="18" charset="0"/>
+              <a:cs typeface="Times New Roman" pitchFamily="18" charset="0"/>
+            </a:endParaRPr>
+          </a:p>
+          <a:p>
+            <a:pPr algn="just" eaLnBrk="0" hangingPunct="0">
+              <a:lnSpc>
+                <a:spcPct val="95000"/>
+              </a:lnSpc>
+            </a:pPr>
+            <a:r>
+              <a:rPr lang="en-US" sz="1600" dirty="0" smtClean="0">
+                <a:latin typeface="Times New Roman" pitchFamily="18" charset="0"/>
+                <a:cs typeface="Times New Roman" pitchFamily="18" charset="0"/>
+              </a:rPr>
+              <a:t>When the notification is received by the customer, he can go into the app to check for the details about the offer. An image of the product can also be broadcasted along with the offers details. The following figure 3 shows the content present inside the app when the offers is got from the shop. </a:t>
+            </a:r>
+          </a:p>
+          <a:p>
+            <a:pPr algn="just" eaLnBrk="0" hangingPunct="0">
+              <a:lnSpc>
+                <a:spcPct val="95000"/>
+              </a:lnSpc>
+            </a:pPr>
+            <a:endParaRPr lang="en-US" sz="1600" dirty="0" smtClean="0">
+              <a:latin typeface="Times New Roman" pitchFamily="18" charset="0"/>
+              <a:cs typeface="Times New Roman" pitchFamily="18" charset="0"/>
+            </a:endParaRPr>
+          </a:p>
+          <a:p>
             <a:pPr eaLnBrk="0" hangingPunct="0">
               <a:lnSpc>
                 <a:spcPct val="95000"/>
               </a:lnSpc>
             </a:pPr>
-            <a:r>
-              <a:rPr lang="en-US" altLang="en-US" sz="1800" dirty="0">
-                <a:latin typeface="Times New Roman" pitchFamily="18" charset="0"/>
-              </a:rPr>
-              <a:t>XxxxxxxxxxxxxxxxxxxxxxxxxxxxxxxxxxxxxxxxxxxxxxxxxxxxxxxxxxxxxxxxxxxxxxxxxxxxxxxxxxxxxxxxxxxxxxxxxxxxxxxxxxxxxxxxxxxxxxxxxxxxxxxxxxxxxxxxxxxxxxxxxxxxxxxxxxxxxxxxxxxxxxxxxxxxxxxxxxxxxxxxxxxxxxxxxxxxxxxxxxxxxxxxxxxxxxxxxxxxxxxxxxxxxxxxxxxxxxxxxxxxxxxxxxxxxxxxxxxxxxxxxxxxxxxxxxxxxxxxxxxxxxxxxxxxxxxxxxxxxxxxxxxxxxxxxxxxxxxxxxxxxxxxxxxxxxxxxxxxxxxxxxxxxxxxxxxxxxxxxxxxxxxxxxxxxxxxxxxxxxxxxxxxxxxxxxxxxxxxxxxxxxxxxxxxxxxxxxxxxxxxxxxxxxxxxxxxxxxxxxxxxxxxxxxxxxxxxxxxxxxxxxxxxxXxxxxxxxxxxxxxxxxxxxxxxxxxxxxxxxxxxxxxxxxxxxxxxxxxxxxxxxxxxxxxx.</a:t>
-            </a:r>
+            <a:endParaRPr lang="en-US" altLang="en-US" sz="1800" b="1" dirty="0">
+              <a:latin typeface="Times New Roman" pitchFamily="18" charset="0"/>
+            </a:endParaRPr>
           </a:p>
           <a:p>
             <a:pPr eaLnBrk="0" hangingPunct="0">
@@ -5136,28 +5875,6 @@
                 <a:spcPct val="95000"/>
               </a:lnSpc>
             </a:pPr>
-            <a:endParaRPr lang="en-US" altLang="en-US" sz="1800" dirty="0">
-              <a:latin typeface="Times New Roman" pitchFamily="18" charset="0"/>
-            </a:endParaRPr>
-          </a:p>
-          <a:p>
-            <a:pPr eaLnBrk="0" hangingPunct="0">
-              <a:lnSpc>
-                <a:spcPct val="95000"/>
-              </a:lnSpc>
-            </a:pPr>
-            <a:r>
-              <a:rPr lang="en-US" altLang="en-US" sz="1800" dirty="0">
-                <a:latin typeface="Times New Roman" pitchFamily="18" charset="0"/>
-              </a:rPr>
-              <a:t>YyyyyyyyyyyyyyyyyyyyyyyyyyyyyyyyyyyyyyyyyyyyyyyyyyyyyyyyyyyyyyyyyyyyyyyyyyyyyyyyyyyyyyyyyyyyyyyyyyyyyyyyyyyyyyyyyyyyyyyyyyyyyyyyyyyyyyyyyyyyyyyyyyyyyyyyyyyyyyyYyyyyyyyyyyyyyyyyyyyyyyyyyyyyyyyyyyyyyyyyyyyyyyyyyyyyyyyyyyyyyyxxxxxxxxxxxxxxxxxxxxxxxxxxxxxxxxxxxxxxxxxxxxxxxxxxxxxxxxxxxxxxxxxxxxxxxxxxxxxxxxxxxxxxxxxxxxxxxxxxxxxxxxxxxxxxxxxxxxxxxxxxxxxxxxxxxxxxxxxxxxxxxxxxxxxxxxxxxxxxxxxxxxxxxxxxxxxxxxxxxxxxxxxxxxxxxxxxxxxxxxxxxxxxxxxxxxxxxxxxxxxxxxxxxxxxxxxxxxxxxxxxxxxxxxxxxxxxxxxxxxxxxxxxxxxxxxxxxxxxxxxxxxxxxxxxxxxxxxxxxxxxxxxxxxxxxxxxxxxxxxxx.</a:t>
-            </a:r>
-            <a:endParaRPr lang="en-US" altLang="en-US" sz="1800" b="1" dirty="0">
-              <a:latin typeface="Times New Roman" pitchFamily="18" charset="0"/>
-            </a:endParaRPr>
-          </a:p>
-          <a:p>
-            <a:pPr eaLnBrk="0" hangingPunct="0"/>
             <a:endParaRPr lang="en-US" altLang="en-US" sz="1400" dirty="0">
               <a:latin typeface="Times New Roman" pitchFamily="18" charset="0"/>
             </a:endParaRPr>
@@ -5166,7 +5883,7 @@
       </p:sp>
       <p:sp>
         <p:nvSpPr>
-          <p:cNvPr id="2116" name="Text Box 68"/>
+          <p:cNvPr id="2118" name="Text Box 70"/>
           <p:cNvSpPr txBox="1">
             <a:spLocks noChangeArrowheads="1"/>
           </p:cNvSpPr>
@@ -5174,8 +5891,8 @@
         </p:nvSpPr>
         <p:spPr bwMode="auto">
           <a:xfrm>
-            <a:off x="10093325" y="23796625"/>
-            <a:ext cx="6931025" cy="2352675"/>
+            <a:off x="10004425" y="18019713"/>
+            <a:ext cx="7262813" cy="2165877"/>
           </a:xfrm>
           <a:prstGeom prst="rect">
             <a:avLst/>
@@ -5187,14 +5904,14 @@
           <a:effectLst/>
           <a:extLst>
             <a:ext uri="{909E8E84-426E-40DD-AFC4-6F175D3DCCD1}">
-              <a14:hiddenFill xmlns:a14="http://schemas.microsoft.com/office/drawing/2010/main">
+              <a14:hiddenFill xmlns="" xmlns:a14="http://schemas.microsoft.com/office/drawing/2010/main">
                 <a:solidFill>
                   <a:schemeClr val="bg1"/>
                 </a:solidFill>
               </a14:hiddenFill>
             </a:ext>
             <a:ext uri="{91240B29-F687-4F45-9708-019B960494DF}">
-              <a14:hiddenLine xmlns:a14="http://schemas.microsoft.com/office/drawing/2010/main" w="57150" cmpd="thinThick">
+              <a14:hiddenLine xmlns="" xmlns:a14="http://schemas.microsoft.com/office/drawing/2010/main" w="57150" cmpd="thinThick">
                 <a:solidFill>
                   <a:schemeClr val="tx1"/>
                 </a:solidFill>
@@ -5204,246 +5921,7 @@
               </a14:hiddenLine>
             </a:ext>
             <a:ext uri="{AF507438-7753-43E0-B8FC-AC1667EBCBE1}">
-              <a14:hiddenEffects xmlns:a14="http://schemas.microsoft.com/office/drawing/2010/main">
-                <a:effectLst>
-                  <a:outerShdw dist="35921" dir="2700000" algn="ctr" rotWithShape="0">
-                    <a:schemeClr val="bg2"/>
-                  </a:outerShdw>
-                </a:effectLst>
-              </a14:hiddenEffects>
-            </a:ext>
-          </a:extLst>
-        </p:spPr>
-        <p:txBody>
-          <a:bodyPr lIns="34953" tIns="17476" rIns="34953" bIns="17476">
-            <a:spAutoFit/>
-          </a:bodyPr>
-          <a:lstStyle>
-            <a:lvl1pPr marL="195263" indent="-195263" algn="l" defTabSz="350838">
-              <a:defRPr>
-                <a:solidFill>
-                  <a:schemeClr val="tx1"/>
-                </a:solidFill>
-                <a:latin typeface="Arial" charset="0"/>
-              </a:defRPr>
-            </a:lvl1pPr>
-            <a:lvl2pPr marL="371475" indent="-196850" algn="l" defTabSz="350838">
-              <a:defRPr>
-                <a:solidFill>
-                  <a:schemeClr val="tx1"/>
-                </a:solidFill>
-                <a:latin typeface="Arial" charset="0"/>
-              </a:defRPr>
-            </a:lvl2pPr>
-            <a:lvl3pPr marL="546100" indent="-195263" algn="l" defTabSz="350838">
-              <a:defRPr>
-                <a:solidFill>
-                  <a:schemeClr val="tx1"/>
-                </a:solidFill>
-                <a:latin typeface="Arial" charset="0"/>
-              </a:defRPr>
-            </a:lvl3pPr>
-            <a:lvl4pPr marL="719138" indent="-195263" algn="l" defTabSz="350838">
-              <a:defRPr>
-                <a:solidFill>
-                  <a:schemeClr val="tx1"/>
-                </a:solidFill>
-                <a:latin typeface="Arial" charset="0"/>
-              </a:defRPr>
-            </a:lvl4pPr>
-            <a:lvl5pPr marL="893763" indent="-195263" algn="l" defTabSz="350838">
-              <a:defRPr>
-                <a:solidFill>
-                  <a:schemeClr val="tx1"/>
-                </a:solidFill>
-                <a:latin typeface="Arial" charset="0"/>
-              </a:defRPr>
-            </a:lvl5pPr>
-            <a:lvl6pPr marL="1350963" indent="-195263" defTabSz="350838" fontAlgn="base">
-              <a:spcBef>
-                <a:spcPct val="0"/>
-              </a:spcBef>
-              <a:spcAft>
-                <a:spcPct val="0"/>
-              </a:spcAft>
-              <a:defRPr>
-                <a:solidFill>
-                  <a:schemeClr val="tx1"/>
-                </a:solidFill>
-                <a:latin typeface="Arial" charset="0"/>
-              </a:defRPr>
-            </a:lvl6pPr>
-            <a:lvl7pPr marL="1808163" indent="-195263" defTabSz="350838" fontAlgn="base">
-              <a:spcBef>
-                <a:spcPct val="0"/>
-              </a:spcBef>
-              <a:spcAft>
-                <a:spcPct val="0"/>
-              </a:spcAft>
-              <a:defRPr>
-                <a:solidFill>
-                  <a:schemeClr val="tx1"/>
-                </a:solidFill>
-                <a:latin typeface="Arial" charset="0"/>
-              </a:defRPr>
-            </a:lvl7pPr>
-            <a:lvl8pPr marL="2265363" indent="-195263" defTabSz="350838" fontAlgn="base">
-              <a:spcBef>
-                <a:spcPct val="0"/>
-              </a:spcBef>
-              <a:spcAft>
-                <a:spcPct val="0"/>
-              </a:spcAft>
-              <a:defRPr>
-                <a:solidFill>
-                  <a:schemeClr val="tx1"/>
-                </a:solidFill>
-                <a:latin typeface="Arial" charset="0"/>
-              </a:defRPr>
-            </a:lvl8pPr>
-            <a:lvl9pPr marL="2722563" indent="-195263" defTabSz="350838" fontAlgn="base">
-              <a:spcBef>
-                <a:spcPct val="0"/>
-              </a:spcBef>
-              <a:spcAft>
-                <a:spcPct val="0"/>
-              </a:spcAft>
-              <a:defRPr>
-                <a:solidFill>
-                  <a:schemeClr val="tx1"/>
-                </a:solidFill>
-                <a:latin typeface="Arial" charset="0"/>
-              </a:defRPr>
-            </a:lvl9pPr>
-          </a:lstStyle>
-          <a:p>
-            <a:pPr eaLnBrk="0" hangingPunct="0">
-              <a:lnSpc>
-                <a:spcPct val="95000"/>
-              </a:lnSpc>
-            </a:pPr>
-            <a:endParaRPr lang="en-US" altLang="en-US" sz="1600" b="1" u="sng" dirty="0">
-              <a:latin typeface="Times New Roman" pitchFamily="18" charset="0"/>
-            </a:endParaRPr>
-          </a:p>
-          <a:p>
-            <a:pPr eaLnBrk="0" hangingPunct="0">
-              <a:lnSpc>
-                <a:spcPct val="95000"/>
-              </a:lnSpc>
-              <a:buFontTx/>
-              <a:buAutoNum type="arabicPeriod"/>
-            </a:pPr>
-            <a:r>
-              <a:rPr lang="en-US" altLang="en-US" sz="1600" b="1" dirty="0" smtClean="0">
-                <a:latin typeface="Times New Roman" pitchFamily="18" charset="0"/>
-              </a:rPr>
-              <a:t>Xxxxxxxxxxxxxxxxxxxxxxxxxxxxxxxxxxxxxxxxxxxxxxxxxxxxxxxxxxxxxxxxxxxxxxxxxxxxxxxxxxxxxxxxxxx</a:t>
-            </a:r>
-          </a:p>
-          <a:p>
-            <a:pPr eaLnBrk="0" hangingPunct="0">
-              <a:lnSpc>
-                <a:spcPct val="95000"/>
-              </a:lnSpc>
-              <a:buFontTx/>
-              <a:buAutoNum type="arabicPeriod"/>
-            </a:pPr>
-            <a:r>
-              <a:rPr lang="en-US" altLang="en-US" sz="1600" b="1" dirty="0" smtClean="0">
-                <a:latin typeface="Times New Roman" pitchFamily="18" charset="0"/>
-              </a:rPr>
-              <a:t>Xxxxxxxxxxxxxxxxxxxxxxxxxxxxxxxxxxxxxxxxxxxxxxxxxxxxxxxxxxxxxxxxxxxxxxxxxxxxxxxxxxxxxxxxxxxx</a:t>
-            </a:r>
-            <a:endParaRPr lang="en-US" altLang="en-US" sz="1600" b="1" dirty="0">
-              <a:latin typeface="Times New Roman" pitchFamily="18" charset="0"/>
-            </a:endParaRPr>
-          </a:p>
-          <a:p>
-            <a:pPr eaLnBrk="0" hangingPunct="0">
-              <a:lnSpc>
-                <a:spcPct val="95000"/>
-              </a:lnSpc>
-              <a:buFont typeface="Symbol" pitchFamily="18" charset="2"/>
-              <a:buAutoNum type="arabicPeriod"/>
-            </a:pPr>
-            <a:r>
-              <a:rPr lang="en-US" altLang="en-US" sz="1600" b="1" dirty="0">
-                <a:latin typeface="Times New Roman" pitchFamily="18" charset="0"/>
-              </a:rPr>
-              <a:t>Xxxxxxxxxxxxxxxxxxxxxxxxxxxxxxxxxxxxxxxxxxxxxxxxxxxxxxxxxxxxxxxxxxxxxxxxxxxxxxxxxxxxxxxxxxxxxxxxxxxxxxxxxxxxxxxxxxxxxxx</a:t>
-            </a:r>
-          </a:p>
-          <a:p>
-            <a:pPr eaLnBrk="0" hangingPunct="0">
-              <a:lnSpc>
-                <a:spcPct val="95000"/>
-              </a:lnSpc>
-              <a:buFont typeface="Symbol" pitchFamily="18" charset="2"/>
-              <a:buAutoNum type="arabicPeriod"/>
-            </a:pPr>
-            <a:r>
-              <a:rPr lang="en-US" altLang="en-US" sz="1600" b="1" dirty="0">
-                <a:latin typeface="Times New Roman" pitchFamily="18" charset="0"/>
-              </a:rPr>
-              <a:t>Xxxxxxxxxxxxxxxxxxxxxxxxxxxxxxxxxxxxxxxxxxxxxxxxxxxxxxxxxxxxxxxxxxxxxxxxxxxxxxxxxxx</a:t>
-            </a:r>
-          </a:p>
-          <a:p>
-            <a:pPr eaLnBrk="0" hangingPunct="0">
-              <a:lnSpc>
-                <a:spcPct val="95000"/>
-              </a:lnSpc>
-              <a:buFont typeface="Symbol" pitchFamily="18" charset="2"/>
-              <a:buAutoNum type="arabicPeriod"/>
-            </a:pPr>
-            <a:endParaRPr lang="en-US" altLang="en-US" sz="1600" b="1" dirty="0">
-              <a:latin typeface="Times New Roman" pitchFamily="18" charset="0"/>
-            </a:endParaRPr>
-          </a:p>
-        </p:txBody>
-      </p:sp>
-      <p:sp>
-        <p:nvSpPr>
-          <p:cNvPr id="2117" name="Text Box 69"/>
-          <p:cNvSpPr txBox="1">
-            <a:spLocks noChangeArrowheads="1"/>
-          </p:cNvSpPr>
-          <p:nvPr/>
-        </p:nvSpPr>
-        <p:spPr bwMode="auto">
-          <a:xfrm>
-            <a:off x="10018713" y="5522913"/>
-            <a:ext cx="7177087" cy="5183187"/>
-          </a:xfrm>
-          <a:prstGeom prst="rect">
-            <a:avLst/>
-          </a:prstGeom>
-          <a:noFill/>
-          <a:ln>
-            <a:noFill/>
-          </a:ln>
-          <a:effectLst/>
-          <a:extLst>
-            <a:ext uri="{909E8E84-426E-40DD-AFC4-6F175D3DCCD1}">
-              <a14:hiddenFill xmlns:a14="http://schemas.microsoft.com/office/drawing/2010/main">
-                <a:solidFill>
-                  <a:schemeClr val="bg1"/>
-                </a:solidFill>
-              </a14:hiddenFill>
-            </a:ext>
-            <a:ext uri="{91240B29-F687-4F45-9708-019B960494DF}">
-              <a14:hiddenLine xmlns:a14="http://schemas.microsoft.com/office/drawing/2010/main" w="57150" cmpd="thinThick">
-                <a:solidFill>
-                  <a:schemeClr val="tx1"/>
-                </a:solidFill>
-                <a:miter lim="800000"/>
-                <a:headEnd/>
-                <a:tailEnd/>
-              </a14:hiddenLine>
-            </a:ext>
-            <a:ext uri="{AF507438-7753-43E0-B8FC-AC1667EBCBE1}">
-              <a14:hiddenEffects xmlns:a14="http://schemas.microsoft.com/office/drawing/2010/main">
+              <a14:hiddenEffects xmlns="" xmlns:a14="http://schemas.microsoft.com/office/drawing/2010/main">
                 <a:effectLst>
                   <a:outerShdw dist="35921" dir="2700000" algn="ctr" rotWithShape="0">
                     <a:schemeClr val="bg2"/>
@@ -5556,246 +6034,31 @@
             </a:lvl9pPr>
           </a:lstStyle>
           <a:p>
-            <a:pPr eaLnBrk="0" hangingPunct="0">
-              <a:lnSpc>
-                <a:spcPct val="95000"/>
-              </a:lnSpc>
-            </a:pPr>
-            <a:r>
-              <a:rPr lang="en-US" altLang="en-US" sz="1800">
+            <a:r>
+              <a:rPr lang="en-US" sz="1600" dirty="0" smtClean="0">
                 <a:latin typeface="Times New Roman" pitchFamily="18" charset="0"/>
+                <a:cs typeface="Times New Roman" pitchFamily="18" charset="0"/>
               </a:rPr>
-              <a:t>Xxxxxxxxxxxxxxxxxxxxxxxxxxxxxxxxxxxxxxxxxxxxxxxxxxxxxxxxxxxxxxxxxxxxxxxxxxxxxxxxxxxxxxxxxxxxxxxxxxxxxxxxxxxxxxxxxxxxxxxxxxxxxxxxxxxxxxxxxxxxxxxxxxxxxxxxxxxxxxxxxxxxxxxxxxxxxxxxxxxxxxxxxxxxxxxxxxxxxxxxxxxxxxxxxxxxxxxxxxxxxxxxxxxxxxxxxxxxxxxxxxxxxxxxxxxxxxxxxxxxxxxxxxxxxxxxxxxxxxxxxxxxxxxxxxxxxxxxxxxxxxxxxxxxxxxxxxxxxxxxxxxxxxxxxxxxxxxxxxxxxxxxxxxxxxxxxxxxxxxxxxxxxxxxxxxxxxxxxxxxxxxxxxxxxxxxxxxxxxxxxxxxxxxxxxxxxxxxxxxxxxxxxxxxxxxxxxxxxxxxxxxxxxxxxxxxxxxxxxxxxxxxxxxxxxxxxxxxxxxxxxxxxxxxxxxxxxxxxxxxxxxxxxxxxxxxxxxxxxxxxxxxxxxxxxxx</a:t>
-            </a:r>
-          </a:p>
-          <a:p>
-            <a:pPr eaLnBrk="0" hangingPunct="0">
-              <a:lnSpc>
-                <a:spcPct val="95000"/>
-              </a:lnSpc>
-            </a:pPr>
-            <a:endParaRPr lang="en-US" altLang="en-US" sz="1800">
-              <a:latin typeface="Times New Roman" pitchFamily="18" charset="0"/>
-            </a:endParaRPr>
-          </a:p>
-          <a:p>
-            <a:pPr eaLnBrk="0" hangingPunct="0">
-              <a:lnSpc>
-                <a:spcPct val="95000"/>
-              </a:lnSpc>
-            </a:pPr>
-            <a:r>
-              <a:rPr lang="en-US" altLang="en-US" sz="1800">
+              <a:t>The proposed advertising model has been designed for immediate notification of offers to the customers through   Wi-Fi connection. This model helps in providing a very efficient and effective advertising platform. It overcomes disadvantages of the traditional advertising platform.</a:t>
+            </a:r>
+          </a:p>
+          <a:p>
+            <a:r>
+              <a:rPr lang="en-US" sz="1600" dirty="0" smtClean="0">
                 <a:latin typeface="Times New Roman" pitchFamily="18" charset="0"/>
+                <a:cs typeface="Times New Roman" pitchFamily="18" charset="0"/>
               </a:rPr>
-              <a:t>xxxxxxxxxxxxxxxxxxxxxxxxxxxxxxxxxxxxxxxxxxxxxxxxxxxxxxxxxxxxxxxxxxxxxxxxxxxxxxxxxxxxxxxxxxxxxxxxxxxxxxxxxxxxxxxxxxxxxxxxxxxxxxxxxxxxxxxxxxxxxxxxxxxxxxxxxxxxxxxxxxxxxxxxxxxxxxxxxxxxxxxxxxxxxxxxxxxxxxxxxxxxxxxxxxxxxxxxxxxxxxxxxxxxxxxxxxxxxxxxxxxxxxxxxxxxxxxxxxxxxxxxxxxxxxxxxxxxxxxxxxxxxxxxxxxxxxxxxxxxxxxxxxxxxxxxxxxxxxxxxxxxxxxxxxxxxxxxxxxxxxxxxxxxxxxxxxxxxxxxxxxxxxxxxxxxxxxxxxxxxxxxxxxxxxxxxxxxxxxxxxxxxxxxxxxxxxxxxxxxxxxxxxxxxxxxxxxxxxxxxxxxxxxxxxxxxxxxxxxxxxxxxxxxxxxxxxxxxxxxxxxxxxxxxxxxxxxxxxxxxxxxxxxxxxxxxxxxxxxxxxxxxxxxxx</a:t>
-            </a:r>
-            <a:endParaRPr lang="en-US" altLang="en-US" sz="1800" b="1">
-              <a:latin typeface="Times New Roman" pitchFamily="18" charset="0"/>
-            </a:endParaRPr>
-          </a:p>
-          <a:p>
-            <a:pPr eaLnBrk="0" hangingPunct="0">
-              <a:lnSpc>
-                <a:spcPct val="95000"/>
-              </a:lnSpc>
-            </a:pPr>
-            <a:endParaRPr lang="en-US" altLang="en-US" sz="1400">
-              <a:latin typeface="Times New Roman" pitchFamily="18" charset="0"/>
-            </a:endParaRPr>
-          </a:p>
-        </p:txBody>
-      </p:sp>
-      <p:sp>
-        <p:nvSpPr>
-          <p:cNvPr id="2118" name="Text Box 70"/>
-          <p:cNvSpPr txBox="1">
-            <a:spLocks noChangeArrowheads="1"/>
-          </p:cNvSpPr>
-          <p:nvPr/>
-        </p:nvSpPr>
-        <p:spPr bwMode="auto">
-          <a:xfrm>
-            <a:off x="10004425" y="18019713"/>
-            <a:ext cx="7262813" cy="4135437"/>
-          </a:xfrm>
-          <a:prstGeom prst="rect">
-            <a:avLst/>
-          </a:prstGeom>
-          <a:noFill/>
-          <a:ln>
-            <a:noFill/>
-          </a:ln>
-          <a:effectLst/>
-          <a:extLst>
-            <a:ext uri="{909E8E84-426E-40DD-AFC4-6F175D3DCCD1}">
-              <a14:hiddenFill xmlns:a14="http://schemas.microsoft.com/office/drawing/2010/main">
-                <a:solidFill>
-                  <a:schemeClr val="bg1"/>
-                </a:solidFill>
-              </a14:hiddenFill>
-            </a:ext>
-            <a:ext uri="{91240B29-F687-4F45-9708-019B960494DF}">
-              <a14:hiddenLine xmlns:a14="http://schemas.microsoft.com/office/drawing/2010/main" w="57150" cmpd="thinThick">
-                <a:solidFill>
-                  <a:schemeClr val="tx1"/>
-                </a:solidFill>
-                <a:miter lim="800000"/>
-                <a:headEnd/>
-                <a:tailEnd/>
-              </a14:hiddenLine>
-            </a:ext>
-            <a:ext uri="{AF507438-7753-43E0-B8FC-AC1667EBCBE1}">
-              <a14:hiddenEffects xmlns:a14="http://schemas.microsoft.com/office/drawing/2010/main">
-                <a:effectLst>
-                  <a:outerShdw dist="35921" dir="2700000" algn="ctr" rotWithShape="0">
-                    <a:schemeClr val="bg2"/>
-                  </a:outerShdw>
-                </a:effectLst>
-              </a14:hiddenEffects>
-            </a:ext>
-          </a:extLst>
-        </p:spPr>
-        <p:txBody>
-          <a:bodyPr lIns="34953" tIns="17476" rIns="34953" bIns="17476">
-            <a:spAutoFit/>
-          </a:bodyPr>
-          <a:lstStyle>
-            <a:lvl1pPr algn="l" defTabSz="350838">
-              <a:defRPr>
-                <a:solidFill>
-                  <a:schemeClr val="tx1"/>
-                </a:solidFill>
-                <a:latin typeface="Arial" charset="0"/>
-              </a:defRPr>
-            </a:lvl1pPr>
-            <a:lvl2pPr marL="174625" algn="l" defTabSz="350838">
-              <a:defRPr>
-                <a:solidFill>
-                  <a:schemeClr val="tx1"/>
-                </a:solidFill>
-                <a:latin typeface="Arial" charset="0"/>
-              </a:defRPr>
-            </a:lvl2pPr>
-            <a:lvl3pPr marL="350838" algn="l" defTabSz="350838">
-              <a:defRPr>
-                <a:solidFill>
-                  <a:schemeClr val="tx1"/>
-                </a:solidFill>
-                <a:latin typeface="Arial" charset="0"/>
-              </a:defRPr>
-            </a:lvl3pPr>
-            <a:lvl4pPr marL="523875" algn="l" defTabSz="350838">
-              <a:defRPr>
-                <a:solidFill>
-                  <a:schemeClr val="tx1"/>
-                </a:solidFill>
-                <a:latin typeface="Arial" charset="0"/>
-              </a:defRPr>
-            </a:lvl4pPr>
-            <a:lvl5pPr marL="698500" algn="l" defTabSz="350838">
-              <a:defRPr>
-                <a:solidFill>
-                  <a:schemeClr val="tx1"/>
-                </a:solidFill>
-                <a:latin typeface="Arial" charset="0"/>
-              </a:defRPr>
-            </a:lvl5pPr>
-            <a:lvl6pPr marL="1155700" defTabSz="350838" fontAlgn="base">
-              <a:spcBef>
-                <a:spcPct val="0"/>
-              </a:spcBef>
-              <a:spcAft>
-                <a:spcPct val="0"/>
-              </a:spcAft>
-              <a:defRPr>
-                <a:solidFill>
-                  <a:schemeClr val="tx1"/>
-                </a:solidFill>
-                <a:latin typeface="Arial" charset="0"/>
-              </a:defRPr>
-            </a:lvl6pPr>
-            <a:lvl7pPr marL="1612900" defTabSz="350838" fontAlgn="base">
-              <a:spcBef>
-                <a:spcPct val="0"/>
-              </a:spcBef>
-              <a:spcAft>
-                <a:spcPct val="0"/>
-              </a:spcAft>
-              <a:defRPr>
-                <a:solidFill>
-                  <a:schemeClr val="tx1"/>
-                </a:solidFill>
-                <a:latin typeface="Arial" charset="0"/>
-              </a:defRPr>
-            </a:lvl7pPr>
-            <a:lvl8pPr marL="2070100" defTabSz="350838" fontAlgn="base">
-              <a:spcBef>
-                <a:spcPct val="0"/>
-              </a:spcBef>
-              <a:spcAft>
-                <a:spcPct val="0"/>
-              </a:spcAft>
-              <a:defRPr>
-                <a:solidFill>
-                  <a:schemeClr val="tx1"/>
-                </a:solidFill>
-                <a:latin typeface="Arial" charset="0"/>
-              </a:defRPr>
-            </a:lvl8pPr>
-            <a:lvl9pPr marL="2527300" defTabSz="350838" fontAlgn="base">
-              <a:spcBef>
-                <a:spcPct val="0"/>
-              </a:spcBef>
-              <a:spcAft>
-                <a:spcPct val="0"/>
-              </a:spcAft>
-              <a:defRPr>
-                <a:solidFill>
-                  <a:schemeClr val="tx1"/>
-                </a:solidFill>
-                <a:latin typeface="Arial" charset="0"/>
-              </a:defRPr>
-            </a:lvl9pPr>
-          </a:lstStyle>
-          <a:p>
-            <a:pPr eaLnBrk="0" hangingPunct="0">
-              <a:lnSpc>
-                <a:spcPct val="95000"/>
-              </a:lnSpc>
-            </a:pPr>
-            <a:r>
-              <a:rPr lang="en-US" altLang="en-US" sz="1600" dirty="0">
+              <a:t> </a:t>
+            </a:r>
+          </a:p>
+          <a:p>
+            <a:r>
+              <a:rPr lang="en-US" sz="1600" dirty="0" smtClean="0">
                 <a:latin typeface="Times New Roman" pitchFamily="18" charset="0"/>
+                <a:cs typeface="Times New Roman" pitchFamily="18" charset="0"/>
               </a:rPr>
-              <a:t>Xxxxxxxxxxxxxxxxxxxxxxxxxxxxxxxxxxxxxxxxxxxxxxxxxxxxxxxxxxxxxxxxxxxxxxxxxxxxxxxxxxxxxxxxxxxxxxxxxxxxxxxxxxxxxxxxxxxxxxxxxxxxxxxxxxxxxxxxxxxxxxxxxxxxxxxxxxxxxxxxxxxxxxxxxxxxxxxxxxxxxxxxxxxxxxxxxxxxxxxxxxxxxxxxxxxxxxxxxxxxxxxxxxxxxxxxxxxxxxxxxxxxxxxxxxxxxxxxxxxxxxxxxxxxxxxxxxxxxxxxxxxxxxxxxxxxxxxxxxxxxxxxxxxxxxxxxxxxxxxxxxxxxxxxxxxxxxxxxxxxxxxxxxxxxxxxxxxxxxxxxxxxxxxxxxxxxxxxxxxxxxxxxxxxxxxxxxxxxxxxxxxxxxxxxxxxxxxxxxxxxxxxxxxxxxxxxxxxxxxxxxxxxxxxxxxxxxxxxxxxxxxxxxxxxxxxxxxxxxxxxxxxxxxxxxxxxxxxxxxxxxxxxxxxxxxxxxxxxxxxxxxxxxxxxxxxx</a:t>
-            </a:r>
-          </a:p>
-          <a:p>
-            <a:pPr eaLnBrk="0" hangingPunct="0">
-              <a:lnSpc>
-                <a:spcPct val="95000"/>
-              </a:lnSpc>
-            </a:pPr>
-            <a:endParaRPr lang="en-US" altLang="en-US" sz="1600" dirty="0">
-              <a:latin typeface="Times New Roman" pitchFamily="18" charset="0"/>
-            </a:endParaRPr>
-          </a:p>
-          <a:p>
-            <a:pPr eaLnBrk="0" hangingPunct="0">
-              <a:lnSpc>
-                <a:spcPct val="95000"/>
-              </a:lnSpc>
-            </a:pPr>
-            <a:r>
-              <a:rPr lang="en-US" altLang="en-US" sz="1600" dirty="0">
-                <a:latin typeface="Times New Roman" pitchFamily="18" charset="0"/>
-              </a:rPr>
-              <a:t>xxxxxxxxxxxxxxxxxxxxxxxxxxxxxxxxxxxxxxxxxxxxxxxxxxxxxxxxxxxxxxxxxxxxxxxxxxxxxxxxxxxxxxxxxxxxxxxxxxxxxxxxxxxxxxxxxxxxxxxxxxxxxxxxxxxxxxxxxxxxxxxxxxxxxxxxxxxxxxxxxxxxxxxxxxxxxxxxxxxxxxxxxxxxxxxxxxxxxxxxxxxxxxxxxxxxxxxxxxxxxxxxxxxxxxxxxxxxxxxxxxxxxxxxxxxxxxxxxxxxxxxxxxxxxxxxxxxxxxxxxxxxxxxxxxxxxxxxxxxxxxxxxxxxxxxxxxxxxxxxxxxxxxxxxxxxxxxxxxxxxxxxxxxxxxxxxxxxxxxxxxxxxxxxxxxxxxxxxxxxxxxxxxxxxxxxxxxxxxxxxxxxxxxxxxxxxxxxxxxxxxxxxxxxxxxxxxxxxxxxxxxxxxxxxxxxxxxxxxxxxxxxxxxxxxxxxxxxxxxxxxxxxxxxxxxxxxxxxxxxxxxxxxxxxxxxxxxxx</a:t>
-            </a:r>
-            <a:endParaRPr lang="en-US" altLang="en-US" sz="1600" b="1" dirty="0">
-              <a:latin typeface="Times New Roman" pitchFamily="18" charset="0"/>
-            </a:endParaRPr>
+              <a:t>One of the biggest concerns of advertising is the cost, this proposed model is very cost effective and also the usage of the neither internet nor GPS is not necessary. Only the Wi-Fi connectivity is sufficient.</a:t>
+            </a:r>
           </a:p>
           <a:p>
             <a:pPr eaLnBrk="0" hangingPunct="0">
@@ -5832,14 +6095,14 @@
           <a:effectLst/>
           <a:extLst>
             <a:ext uri="{909E8E84-426E-40DD-AFC4-6F175D3DCCD1}">
-              <a14:hiddenFill xmlns:a14="http://schemas.microsoft.com/office/drawing/2010/main">
+              <a14:hiddenFill xmlns="" xmlns:a14="http://schemas.microsoft.com/office/drawing/2010/main">
                 <a:solidFill>
                   <a:schemeClr val="accent1"/>
                 </a:solidFill>
               </a14:hiddenFill>
             </a:ext>
             <a:ext uri="{91240B29-F687-4F45-9708-019B960494DF}">
-              <a14:hiddenLine xmlns:a14="http://schemas.microsoft.com/office/drawing/2010/main" w="9525">
+              <a14:hiddenLine xmlns="" xmlns:a14="http://schemas.microsoft.com/office/drawing/2010/main" w="9525">
                 <a:solidFill>
                   <a:schemeClr val="tx1"/>
                 </a:solidFill>
@@ -5849,7 +6112,7 @@
               </a14:hiddenLine>
             </a:ext>
             <a:ext uri="{AF507438-7753-43E0-B8FC-AC1667EBCBE1}">
-              <a14:hiddenEffects xmlns:a14="http://schemas.microsoft.com/office/drawing/2010/main">
+              <a14:hiddenEffects xmlns="" xmlns:a14="http://schemas.microsoft.com/office/drawing/2010/main">
                 <a:effectLst>
                   <a:outerShdw dist="35921" dir="2700000" algn="ctr" rotWithShape="0">
                     <a:schemeClr val="bg2"/>
@@ -5998,14 +6261,14 @@
           <a:effectLst/>
           <a:extLst>
             <a:ext uri="{909E8E84-426E-40DD-AFC4-6F175D3DCCD1}">
-              <a14:hiddenFill xmlns:a14="http://schemas.microsoft.com/office/drawing/2010/main">
+              <a14:hiddenFill xmlns="" xmlns:a14="http://schemas.microsoft.com/office/drawing/2010/main">
                 <a:solidFill>
                   <a:schemeClr val="accent1"/>
                 </a:solidFill>
               </a14:hiddenFill>
             </a:ext>
             <a:ext uri="{91240B29-F687-4F45-9708-019B960494DF}">
-              <a14:hiddenLine xmlns:a14="http://schemas.microsoft.com/office/drawing/2010/main" w="9525">
+              <a14:hiddenLine xmlns="" xmlns:a14="http://schemas.microsoft.com/office/drawing/2010/main" w="9525">
                 <a:solidFill>
                   <a:schemeClr val="tx1"/>
                 </a:solidFill>
@@ -6015,7 +6278,7 @@
               </a14:hiddenLine>
             </a:ext>
             <a:ext uri="{AF507438-7753-43E0-B8FC-AC1667EBCBE1}">
-              <a14:hiddenEffects xmlns:a14="http://schemas.microsoft.com/office/drawing/2010/main">
+              <a14:hiddenEffects xmlns="" xmlns:a14="http://schemas.microsoft.com/office/drawing/2010/main">
                 <a:effectLst>
                   <a:outerShdw dist="35921" dir="2700000" algn="ctr" rotWithShape="0">
                     <a:schemeClr val="bg2"/>
@@ -6163,14 +6426,14 @@
           <a:effectLst/>
           <a:extLst>
             <a:ext uri="{909E8E84-426E-40DD-AFC4-6F175D3DCCD1}">
-              <a14:hiddenFill xmlns:a14="http://schemas.microsoft.com/office/drawing/2010/main">
+              <a14:hiddenFill xmlns="" xmlns:a14="http://schemas.microsoft.com/office/drawing/2010/main">
                 <a:solidFill>
                   <a:schemeClr val="accent1"/>
                 </a:solidFill>
               </a14:hiddenFill>
             </a:ext>
             <a:ext uri="{91240B29-F687-4F45-9708-019B960494DF}">
-              <a14:hiddenLine xmlns:a14="http://schemas.microsoft.com/office/drawing/2010/main" w="9525">
+              <a14:hiddenLine xmlns="" xmlns:a14="http://schemas.microsoft.com/office/drawing/2010/main" w="9525">
                 <a:solidFill>
                   <a:schemeClr val="tx1"/>
                 </a:solidFill>
@@ -6180,7 +6443,7 @@
               </a14:hiddenLine>
             </a:ext>
             <a:ext uri="{AF507438-7753-43E0-B8FC-AC1667EBCBE1}">
-              <a14:hiddenEffects xmlns:a14="http://schemas.microsoft.com/office/drawing/2010/main">
+              <a14:hiddenEffects xmlns="" xmlns:a14="http://schemas.microsoft.com/office/drawing/2010/main">
                 <a:effectLst>
                   <a:outerShdw dist="35921" dir="2700000" algn="ctr" rotWithShape="0">
                     <a:schemeClr val="bg2"/>
@@ -6432,6 +6695,94 @@
           </a:p>
         </p:txBody>
       </p:sp>
+      <p:pic>
+        <p:nvPicPr>
+          <p:cNvPr id="25" name="Picture 24" descr="SA.jpg"/>
+          <p:cNvPicPr>
+            <a:picLocks noChangeAspect="1"/>
+          </p:cNvPicPr>
+          <p:nvPr/>
+        </p:nvPicPr>
+        <p:blipFill>
+          <a:blip r:embed="rId3"/>
+          <a:stretch>
+            <a:fillRect/>
+          </a:stretch>
+        </p:blipFill>
+        <p:spPr>
+          <a:xfrm>
+            <a:off x="1418897" y="16450661"/>
+            <a:ext cx="6416565" cy="3382360"/>
+          </a:xfrm>
+          <a:prstGeom prst="rect">
+            <a:avLst/>
+          </a:prstGeom>
+        </p:spPr>
+      </p:pic>
+      <p:pic>
+        <p:nvPicPr>
+          <p:cNvPr id="2051" name="Picture 3" descr="D:\Users\USER\Desktop\IMG-20160427-WA0000.jpg"/>
+          <p:cNvPicPr>
+            <a:picLocks noChangeAspect="1" noChangeArrowheads="1"/>
+          </p:cNvPicPr>
+          <p:nvPr/>
+        </p:nvPicPr>
+        <p:blipFill>
+          <a:blip r:embed="rId4"/>
+          <a:srcRect/>
+          <a:stretch>
+            <a:fillRect/>
+          </a:stretch>
+        </p:blipFill>
+        <p:spPr bwMode="auto">
+          <a:xfrm>
+            <a:off x="10515598" y="8087711"/>
+            <a:ext cx="3026981" cy="4114799"/>
+          </a:xfrm>
+          <a:prstGeom prst="rect">
+            <a:avLst/>
+          </a:prstGeom>
+          <a:noFill/>
+          <a:ln w="9525">
+            <a:noFill/>
+            <a:miter lim="800000"/>
+            <a:headEnd/>
+            <a:tailEnd/>
+          </a:ln>
+        </p:spPr>
+      </p:pic>
+      <p:pic>
+        <p:nvPicPr>
+          <p:cNvPr id="2052" name="Picture 1" descr="D:\Users\USER\Desktop\IMG-20160427-WA0001.jpg"/>
+          <p:cNvPicPr>
+            <a:picLocks noChangeAspect="1" noChangeArrowheads="1"/>
+          </p:cNvPicPr>
+          <p:nvPr/>
+        </p:nvPicPr>
+        <p:blipFill>
+          <a:blip r:embed="rId5"/>
+          <a:srcRect/>
+          <a:stretch>
+            <a:fillRect/>
+          </a:stretch>
+        </p:blipFill>
+        <p:spPr bwMode="auto">
+          <a:xfrm>
+            <a:off x="14425447" y="8052849"/>
+            <a:ext cx="2837793" cy="4102364"/>
+          </a:xfrm>
+          <a:prstGeom prst="rect">
+            <a:avLst/>
+          </a:prstGeom>
+          <a:noFill/>
+          <a:ln w="9525">
+            <a:noFill/>
+            <a:miter lim="800000"/>
+            <a:headEnd/>
+            <a:tailEnd/>
+          </a:ln>
+        </p:spPr>
+      </p:pic>
     </p:spTree>
   </p:cSld>
   <p:clrMapOvr>
@@ -6690,7 +7041,7 @@
         <a:effectLst/>
         <a:extLst>
           <a:ext uri="{AF507438-7753-43E0-B8FC-AC1667EBCBE1}">
-            <a14:hiddenEffects xmlns:a14="http://schemas.microsoft.com/office/drawing/2010/main">
+            <a14:hiddenEffects xmlns="" xmlns:a14="http://schemas.microsoft.com/office/drawing/2010/main">
               <a:effectLst>
                 <a:outerShdw dist="35921" dir="2700000" algn="ctr" rotWithShape="0">
                   <a:schemeClr val="bg2"/>
@@ -6763,7 +7114,7 @@
         <a:effectLst/>
         <a:extLst>
           <a:ext uri="{AF507438-7753-43E0-B8FC-AC1667EBCBE1}">
-            <a14:hiddenEffects xmlns:a14="http://schemas.microsoft.com/office/drawing/2010/main">
+            <a14:hiddenEffects xmlns="" xmlns:a14="http://schemas.microsoft.com/office/drawing/2010/main">
               <a:effectLst>
                 <a:outerShdw dist="35921" dir="2700000" algn="ctr" rotWithShape="0">
                   <a:schemeClr val="bg2"/>

--- a/24x36_Vertical_Template2.pptx
+++ b/24x36_Vertical_Template2.pptx
@@ -139,7 +139,7 @@
   </p:defaultTextStyle>
   <p:extLst>
     <p:ext uri="{EFAFB233-063F-42B5-8137-9DF3F51BA10A}">
-      <p15:sldGuideLst xmlns="" xmlns:p15="http://schemas.microsoft.com/office/powerpoint/2012/main">
+      <p15:sldGuideLst xmlns:p15="http://schemas.microsoft.com/office/powerpoint/2012/main">
         <p15:guide id="1" orient="horz" pos="2718">
           <p15:clr>
             <a:srgbClr val="A4A3A4"/>
@@ -216,14 +216,14 @@
           <a:effectLst/>
           <a:extLst>
             <a:ext uri="{909E8E84-426E-40DD-AFC4-6F175D3DCCD1}">
-              <a14:hiddenFill xmlns="" xmlns:a14="http://schemas.microsoft.com/office/drawing/2010/main">
+              <a14:hiddenFill xmlns:a14="http://schemas.microsoft.com/office/drawing/2010/main">
                 <a:solidFill>
                   <a:schemeClr val="accent1"/>
                 </a:solidFill>
               </a14:hiddenFill>
             </a:ext>
             <a:ext uri="{91240B29-F687-4F45-9708-019B960494DF}">
-              <a14:hiddenLine xmlns="" xmlns:a14="http://schemas.microsoft.com/office/drawing/2010/main" w="9525">
+              <a14:hiddenLine xmlns:a14="http://schemas.microsoft.com/office/drawing/2010/main" w="9525">
                 <a:solidFill>
                   <a:schemeClr val="tx1"/>
                 </a:solidFill>
@@ -233,7 +233,7 @@
               </a14:hiddenLine>
             </a:ext>
             <a:ext uri="{AF507438-7753-43E0-B8FC-AC1667EBCBE1}">
-              <a14:hiddenEffects xmlns="" xmlns:a14="http://schemas.microsoft.com/office/drawing/2010/main">
+              <a14:hiddenEffects xmlns:a14="http://schemas.microsoft.com/office/drawing/2010/main">
                 <a:effectLst>
                   <a:outerShdw dist="35921" dir="2700000" algn="ctr" rotWithShape="0">
                     <a:schemeClr val="bg2"/>
@@ -284,14 +284,14 @@
           <a:effectLst/>
           <a:extLst>
             <a:ext uri="{909E8E84-426E-40DD-AFC4-6F175D3DCCD1}">
-              <a14:hiddenFill xmlns="" xmlns:a14="http://schemas.microsoft.com/office/drawing/2010/main">
+              <a14:hiddenFill xmlns:a14="http://schemas.microsoft.com/office/drawing/2010/main">
                 <a:solidFill>
                   <a:schemeClr val="accent1"/>
                 </a:solidFill>
               </a14:hiddenFill>
             </a:ext>
             <a:ext uri="{91240B29-F687-4F45-9708-019B960494DF}">
-              <a14:hiddenLine xmlns="" xmlns:a14="http://schemas.microsoft.com/office/drawing/2010/main" w="9525">
+              <a14:hiddenLine xmlns:a14="http://schemas.microsoft.com/office/drawing/2010/main" w="9525">
                 <a:solidFill>
                   <a:schemeClr val="tx1"/>
                 </a:solidFill>
@@ -301,7 +301,7 @@
               </a14:hiddenLine>
             </a:ext>
             <a:ext uri="{AF507438-7753-43E0-B8FC-AC1667EBCBE1}">
-              <a14:hiddenEffects xmlns="" xmlns:a14="http://schemas.microsoft.com/office/drawing/2010/main">
+              <a14:hiddenEffects xmlns:a14="http://schemas.microsoft.com/office/drawing/2010/main">
                 <a:effectLst>
                   <a:outerShdw dist="35921" dir="2700000" algn="ctr" rotWithShape="0">
                     <a:schemeClr val="bg2"/>
@@ -357,7 +357,7 @@
           <a:effectLst/>
           <a:extLst>
             <a:ext uri="{AF507438-7753-43E0-B8FC-AC1667EBCBE1}">
-              <a14:hiddenEffects xmlns="" xmlns:a14="http://schemas.microsoft.com/office/drawing/2010/main">
+              <a14:hiddenEffects xmlns:a14="http://schemas.microsoft.com/office/drawing/2010/main">
                 <a:effectLst>
                   <a:outerShdw dist="35921" dir="2700000" algn="ctr" rotWithShape="0">
                     <a:srgbClr val="808080"/>
@@ -366,7 +366,7 @@
               </a14:hiddenEffects>
             </a:ext>
             <a:ext uri="{53640926-AAD7-44D8-BBD7-CCE9431645EC}">
-              <a14:shadowObscured xmlns="" xmlns:a14="http://schemas.microsoft.com/office/drawing/2010/main" val="1"/>
+              <a14:shadowObscured xmlns:a14="http://schemas.microsoft.com/office/drawing/2010/main" val="1"/>
             </a:ext>
           </a:extLst>
         </p:spPr>
@@ -396,14 +396,14 @@
           <a:effectLst/>
           <a:extLst>
             <a:ext uri="{909E8E84-426E-40DD-AFC4-6F175D3DCCD1}">
-              <a14:hiddenFill xmlns="" xmlns:a14="http://schemas.microsoft.com/office/drawing/2010/main">
+              <a14:hiddenFill xmlns:a14="http://schemas.microsoft.com/office/drawing/2010/main">
                 <a:solidFill>
                   <a:schemeClr val="accent1"/>
                 </a:solidFill>
               </a14:hiddenFill>
             </a:ext>
             <a:ext uri="{91240B29-F687-4F45-9708-019B960494DF}">
-              <a14:hiddenLine xmlns="" xmlns:a14="http://schemas.microsoft.com/office/drawing/2010/main" w="9525">
+              <a14:hiddenLine xmlns:a14="http://schemas.microsoft.com/office/drawing/2010/main" w="9525">
                 <a:solidFill>
                   <a:schemeClr val="tx1"/>
                 </a:solidFill>
@@ -413,7 +413,7 @@
               </a14:hiddenLine>
             </a:ext>
             <a:ext uri="{AF507438-7753-43E0-B8FC-AC1667EBCBE1}">
-              <a14:hiddenEffects xmlns="" xmlns:a14="http://schemas.microsoft.com/office/drawing/2010/main">
+              <a14:hiddenEffects xmlns:a14="http://schemas.microsoft.com/office/drawing/2010/main">
                 <a:effectLst>
                   <a:outerShdw dist="35921" dir="2700000" algn="ctr" rotWithShape="0">
                     <a:schemeClr val="bg2"/>
@@ -492,14 +492,14 @@
           <a:effectLst/>
           <a:extLst>
             <a:ext uri="{909E8E84-426E-40DD-AFC4-6F175D3DCCD1}">
-              <a14:hiddenFill xmlns="" xmlns:a14="http://schemas.microsoft.com/office/drawing/2010/main">
+              <a14:hiddenFill xmlns:a14="http://schemas.microsoft.com/office/drawing/2010/main">
                 <a:solidFill>
                   <a:schemeClr val="accent1"/>
                 </a:solidFill>
               </a14:hiddenFill>
             </a:ext>
             <a:ext uri="{91240B29-F687-4F45-9708-019B960494DF}">
-              <a14:hiddenLine xmlns="" xmlns:a14="http://schemas.microsoft.com/office/drawing/2010/main" w="9525">
+              <a14:hiddenLine xmlns:a14="http://schemas.microsoft.com/office/drawing/2010/main" w="9525">
                 <a:solidFill>
                   <a:schemeClr val="tx1"/>
                 </a:solidFill>
@@ -509,7 +509,7 @@
               </a14:hiddenLine>
             </a:ext>
             <a:ext uri="{AF507438-7753-43E0-B8FC-AC1667EBCBE1}">
-              <a14:hiddenEffects xmlns="" xmlns:a14="http://schemas.microsoft.com/office/drawing/2010/main">
+              <a14:hiddenEffects xmlns:a14="http://schemas.microsoft.com/office/drawing/2010/main">
                 <a:effectLst>
                   <a:outerShdw dist="35921" dir="2700000" algn="ctr" rotWithShape="0">
                     <a:schemeClr val="bg2"/>
@@ -560,14 +560,14 @@
           <a:effectLst/>
           <a:extLst>
             <a:ext uri="{909E8E84-426E-40DD-AFC4-6F175D3DCCD1}">
-              <a14:hiddenFill xmlns="" xmlns:a14="http://schemas.microsoft.com/office/drawing/2010/main">
+              <a14:hiddenFill xmlns:a14="http://schemas.microsoft.com/office/drawing/2010/main">
                 <a:solidFill>
                   <a:schemeClr val="accent1"/>
                 </a:solidFill>
               </a14:hiddenFill>
             </a:ext>
             <a:ext uri="{91240B29-F687-4F45-9708-019B960494DF}">
-              <a14:hiddenLine xmlns="" xmlns:a14="http://schemas.microsoft.com/office/drawing/2010/main" w="9525">
+              <a14:hiddenLine xmlns:a14="http://schemas.microsoft.com/office/drawing/2010/main" w="9525">
                 <a:solidFill>
                   <a:schemeClr val="tx1"/>
                 </a:solidFill>
@@ -577,7 +577,7 @@
               </a14:hiddenLine>
             </a:ext>
             <a:ext uri="{AF507438-7753-43E0-B8FC-AC1667EBCBE1}">
-              <a14:hiddenEffects xmlns="" xmlns:a14="http://schemas.microsoft.com/office/drawing/2010/main">
+              <a14:hiddenEffects xmlns:a14="http://schemas.microsoft.com/office/drawing/2010/main">
                 <a:effectLst>
                   <a:outerShdw dist="35921" dir="2700000" algn="ctr" rotWithShape="0">
                     <a:schemeClr val="bg2"/>
@@ -611,7 +611,7 @@
     </p:spTree>
     <p:extLst>
       <p:ext uri="{BB962C8B-B14F-4D97-AF65-F5344CB8AC3E}">
-        <p14:creationId xmlns="" xmlns:p14="http://schemas.microsoft.com/office/powerpoint/2010/main" val="2472556186"/>
+        <p14:creationId xmlns:p14="http://schemas.microsoft.com/office/powerpoint/2010/main" val="2472556186"/>
       </p:ext>
     </p:extLst>
   </p:cSld>
@@ -820,7 +820,7 @@
     </p:spTree>
     <p:extLst>
       <p:ext uri="{BB962C8B-B14F-4D97-AF65-F5344CB8AC3E}">
-        <p14:creationId xmlns="" xmlns:p14="http://schemas.microsoft.com/office/powerpoint/2010/main" val="2422250507"/>
+        <p14:creationId xmlns:p14="http://schemas.microsoft.com/office/powerpoint/2010/main" val="2422250507"/>
       </p:ext>
     </p:extLst>
   </p:cSld>
@@ -949,7 +949,7 @@
     </p:spTree>
     <p:extLst>
       <p:ext uri="{BB962C8B-B14F-4D97-AF65-F5344CB8AC3E}">
-        <p14:creationId xmlns="" xmlns:p14="http://schemas.microsoft.com/office/powerpoint/2010/main" val="1180238387"/>
+        <p14:creationId xmlns:p14="http://schemas.microsoft.com/office/powerpoint/2010/main" val="1180238387"/>
       </p:ext>
     </p:extLst>
   </p:cSld>
@@ -1070,7 +1070,7 @@
     </p:spTree>
     <p:extLst>
       <p:ext uri="{BB962C8B-B14F-4D97-AF65-F5344CB8AC3E}">
-        <p14:creationId xmlns="" xmlns:p14="http://schemas.microsoft.com/office/powerpoint/2010/main" val="2996527887"/>
+        <p14:creationId xmlns:p14="http://schemas.microsoft.com/office/powerpoint/2010/main" val="2996527887"/>
       </p:ext>
     </p:extLst>
   </p:cSld>
@@ -1191,7 +1191,7 @@
     </p:spTree>
     <p:extLst>
       <p:ext uri="{BB962C8B-B14F-4D97-AF65-F5344CB8AC3E}">
-        <p14:creationId xmlns="" xmlns:p14="http://schemas.microsoft.com/office/powerpoint/2010/main" val="1133491609"/>
+        <p14:creationId xmlns:p14="http://schemas.microsoft.com/office/powerpoint/2010/main" val="1133491609"/>
       </p:ext>
     </p:extLst>
   </p:cSld>
@@ -1312,7 +1312,7 @@
     </p:spTree>
     <p:extLst>
       <p:ext uri="{BB962C8B-B14F-4D97-AF65-F5344CB8AC3E}">
-        <p14:creationId xmlns="" xmlns:p14="http://schemas.microsoft.com/office/powerpoint/2010/main" val="1146965026"/>
+        <p14:creationId xmlns:p14="http://schemas.microsoft.com/office/powerpoint/2010/main" val="1146965026"/>
       </p:ext>
     </p:extLst>
   </p:cSld>
@@ -1445,7 +1445,7 @@
     </p:spTree>
     <p:extLst>
       <p:ext uri="{BB962C8B-B14F-4D97-AF65-F5344CB8AC3E}">
-        <p14:creationId xmlns="" xmlns:p14="http://schemas.microsoft.com/office/powerpoint/2010/main" val="4201949750"/>
+        <p14:creationId xmlns:p14="http://schemas.microsoft.com/office/powerpoint/2010/main" val="4201949750"/>
       </p:ext>
     </p:extLst>
   </p:cSld>
@@ -1682,7 +1682,7 @@
     </p:spTree>
     <p:extLst>
       <p:ext uri="{BB962C8B-B14F-4D97-AF65-F5344CB8AC3E}">
-        <p14:creationId xmlns="" xmlns:p14="http://schemas.microsoft.com/office/powerpoint/2010/main" val="1744558675"/>
+        <p14:creationId xmlns:p14="http://schemas.microsoft.com/office/powerpoint/2010/main" val="1744558675"/>
       </p:ext>
     </p:extLst>
   </p:cSld>
@@ -2059,7 +2059,7 @@
     </p:spTree>
     <p:extLst>
       <p:ext uri="{BB962C8B-B14F-4D97-AF65-F5344CB8AC3E}">
-        <p14:creationId xmlns="" xmlns:p14="http://schemas.microsoft.com/office/powerpoint/2010/main" val="2905456779"/>
+        <p14:creationId xmlns:p14="http://schemas.microsoft.com/office/powerpoint/2010/main" val="2905456779"/>
       </p:ext>
     </p:extLst>
   </p:cSld>
@@ -2120,7 +2120,7 @@
     </p:spTree>
     <p:extLst>
       <p:ext uri="{BB962C8B-B14F-4D97-AF65-F5344CB8AC3E}">
-        <p14:creationId xmlns="" xmlns:p14="http://schemas.microsoft.com/office/powerpoint/2010/main" val="3335061072"/>
+        <p14:creationId xmlns:p14="http://schemas.microsoft.com/office/powerpoint/2010/main" val="3335061072"/>
       </p:ext>
     </p:extLst>
   </p:cSld>
@@ -2150,7 +2150,7 @@
     </p:spTree>
     <p:extLst>
       <p:ext uri="{BB962C8B-B14F-4D97-AF65-F5344CB8AC3E}">
-        <p14:creationId xmlns="" xmlns:p14="http://schemas.microsoft.com/office/powerpoint/2010/main" val="546136628"/>
+        <p14:creationId xmlns:p14="http://schemas.microsoft.com/office/powerpoint/2010/main" val="546136628"/>
       </p:ext>
     </p:extLst>
   </p:cSld>
@@ -2371,7 +2371,7 @@
     </p:spTree>
     <p:extLst>
       <p:ext uri="{BB962C8B-B14F-4D97-AF65-F5344CB8AC3E}">
-        <p14:creationId xmlns="" xmlns:p14="http://schemas.microsoft.com/office/powerpoint/2010/main" val="1150273608"/>
+        <p14:creationId xmlns:p14="http://schemas.microsoft.com/office/powerpoint/2010/main" val="1150273608"/>
       </p:ext>
     </p:extLst>
   </p:cSld>
@@ -2568,7 +2568,7 @@
     </p:spTree>
     <p:extLst>
       <p:ext uri="{BB962C8B-B14F-4D97-AF65-F5344CB8AC3E}">
-        <p14:creationId xmlns="" xmlns:p14="http://schemas.microsoft.com/office/powerpoint/2010/main" val="953693820"/>
+        <p14:creationId xmlns:p14="http://schemas.microsoft.com/office/powerpoint/2010/main" val="953693820"/>
       </p:ext>
     </p:extLst>
   </p:cSld>
@@ -2617,9 +2617,72 @@
         </p:xfrm>
         <a:graphic>
           <a:graphicData uri="http://schemas.openxmlformats.org/presentationml/2006/ole">
-            <p:oleObj spid="_x0000_s1041" name="CorelDRAW" r:id="rId14" imgW="8833104" imgH="310896" progId="">
-              <p:embed/>
-            </p:oleObj>
+            <mc:AlternateContent xmlns:mc="http://schemas.openxmlformats.org/markup-compatibility/2006">
+              <mc:Choice xmlns:v="urn:schemas-microsoft-com:vml" Requires="v">
+                <p:oleObj spid="_x0000_s1051" name="CorelDRAW" r:id="rId14" imgW="8833104" imgH="310896" progId="">
+                  <p:embed/>
+                </p:oleObj>
+              </mc:Choice>
+              <mc:Fallback>
+                <p:oleObj name="CorelDRAW" r:id="rId14" imgW="8833104" imgH="310896" progId="">
+                  <p:embed/>
+                  <p:pic>
+                    <p:nvPicPr>
+                      <p:cNvPr id="0" name="Picture 17"/>
+                      <p:cNvPicPr>
+                        <a:picLocks noChangeAspect="1" noChangeArrowheads="1"/>
+                      </p:cNvPicPr>
+                      <p:nvPr/>
+                    </p:nvPicPr>
+                    <p:blipFill>
+                      <a:blip r:embed="rId15">
+                        <a:extLst>
+                          <a:ext uri="{28A0092B-C50C-407E-A947-70E740481C1C}">
+                            <a14:useLocalDpi xmlns:a14="http://schemas.microsoft.com/office/drawing/2010/main" val="0"/>
+                          </a:ext>
+                        </a:extLst>
+                      </a:blip>
+                      <a:srcRect/>
+                      <a:stretch>
+                        <a:fillRect/>
+                      </a:stretch>
+                    </p:blipFill>
+                    <p:spPr bwMode="auto">
+                      <a:xfrm>
+                        <a:off x="12230100" y="27044650"/>
+                        <a:ext cx="5484813" cy="155575"/>
+                      </a:xfrm>
+                      <a:prstGeom prst="rect">
+                        <a:avLst/>
+                      </a:prstGeom>
+                      <a:noFill/>
+                      <a:ln>
+                        <a:noFill/>
+                      </a:ln>
+                      <a:extLst>
+                        <a:ext uri="{909E8E84-426E-40DD-AFC4-6F175D3DCCD1}">
+                          <a14:hiddenFill xmlns:a14="http://schemas.microsoft.com/office/drawing/2010/main">
+                            <a:solidFill>
+                              <a:schemeClr val="bg1"/>
+                            </a:solidFill>
+                          </a14:hiddenFill>
+                        </a:ext>
+                        <a:ext uri="{91240B29-F687-4F45-9708-019B960494DF}">
+                          <a14:hiddenLine xmlns:a14="http://schemas.microsoft.com/office/drawing/2010/main" w="9525">
+                            <a:solidFill>
+                              <a:schemeClr val="tx1"/>
+                            </a:solidFill>
+                            <a:miter lim="800000"/>
+                            <a:headEnd/>
+                            <a:tailEnd/>
+                          </a14:hiddenLine>
+                        </a:ext>
+                      </a:extLst>
+                    </p:spPr>
+                  </p:pic>
+                </p:oleObj>
+              </mc:Fallback>
+            </mc:AlternateContent>
           </a:graphicData>
         </a:graphic>
       </p:graphicFrame>
@@ -3054,8 +3117,8 @@
         </p:nvSpPr>
         <p:spPr bwMode="auto">
           <a:xfrm>
-            <a:off x="9550400" y="4314825"/>
-            <a:ext cx="8210550" cy="22512338"/>
+            <a:off x="9505225" y="4114025"/>
+            <a:ext cx="8210550" cy="23992765"/>
           </a:xfrm>
           <a:prstGeom prst="roundRect">
             <a:avLst>
@@ -3076,7 +3139,7 @@
           <a:effectLst/>
           <a:extLst>
             <a:ext uri="{AF507438-7753-43E0-B8FC-AC1667EBCBE1}">
-              <a14:hiddenEffects xmlns="" xmlns:a14="http://schemas.microsoft.com/office/drawing/2010/main">
+              <a14:hiddenEffects xmlns:a14="http://schemas.microsoft.com/office/drawing/2010/main">
                 <a:effectLst>
                   <a:outerShdw dist="35921" dir="2700000" algn="ctr" rotWithShape="0">
                     <a:schemeClr val="bg2"/>
@@ -3104,8 +3167,8 @@
         </p:nvSpPr>
         <p:spPr bwMode="auto">
           <a:xfrm>
-            <a:off x="571500" y="4260849"/>
-            <a:ext cx="8147050" cy="22635123"/>
+            <a:off x="571500" y="4119563"/>
+            <a:ext cx="8147050" cy="23065302"/>
           </a:xfrm>
           <a:prstGeom prst="roundRect">
             <a:avLst>
@@ -3126,7 +3189,7 @@
           <a:effectLst/>
           <a:extLst>
             <a:ext uri="{AF507438-7753-43E0-B8FC-AC1667EBCBE1}">
-              <a14:hiddenEffects xmlns="" xmlns:a14="http://schemas.microsoft.com/office/drawing/2010/main">
+              <a14:hiddenEffects xmlns:a14="http://schemas.microsoft.com/office/drawing/2010/main">
                 <a:effectLst>
                   <a:outerShdw dist="35921" dir="2700000" algn="ctr" rotWithShape="0">
                     <a:schemeClr val="bg2"/>
@@ -3154,8 +3217,8 @@
         </p:nvSpPr>
         <p:spPr bwMode="auto">
           <a:xfrm>
-            <a:off x="1004888" y="5489575"/>
-            <a:ext cx="6858000" cy="3007413"/>
+            <a:off x="1017993" y="5248387"/>
+            <a:ext cx="6858000" cy="3253634"/>
           </a:xfrm>
           <a:prstGeom prst="rect">
             <a:avLst/>
@@ -3167,14 +3230,14 @@
           <a:effectLst/>
           <a:extLst>
             <a:ext uri="{909E8E84-426E-40DD-AFC4-6F175D3DCCD1}">
-              <a14:hiddenFill xmlns="" xmlns:a14="http://schemas.microsoft.com/office/drawing/2010/main">
+              <a14:hiddenFill xmlns:a14="http://schemas.microsoft.com/office/drawing/2010/main">
                 <a:solidFill>
                   <a:schemeClr val="accent1"/>
                 </a:solidFill>
               </a14:hiddenFill>
             </a:ext>
             <a:ext uri="{91240B29-F687-4F45-9708-019B960494DF}">
-              <a14:hiddenLine xmlns="" xmlns:a14="http://schemas.microsoft.com/office/drawing/2010/main" w="9525">
+              <a14:hiddenLine xmlns:a14="http://schemas.microsoft.com/office/drawing/2010/main" w="9525">
                 <a:solidFill>
                   <a:schemeClr val="tx1"/>
                 </a:solidFill>
@@ -3184,7 +3247,7 @@
               </a14:hiddenLine>
             </a:ext>
             <a:ext uri="{AF507438-7753-43E0-B8FC-AC1667EBCBE1}">
-              <a14:hiddenEffects xmlns="" xmlns:a14="http://schemas.microsoft.com/office/drawing/2010/main">
+              <a14:hiddenEffects xmlns:a14="http://schemas.microsoft.com/office/drawing/2010/main">
                 <a:effectLst>
                   <a:outerShdw dist="35921" dir="2700000" algn="ctr" rotWithShape="0">
                     <a:schemeClr val="bg2"/>
@@ -3297,12 +3360,47 @@
             </a:lvl9pPr>
           </a:lstStyle>
           <a:p>
+            <a:pPr marL="285750" indent="-285750" algn="just">
+              <a:buFont typeface="Wingdings" panose="05000000000000000000" pitchFamily="2" charset="2"/>
+              <a:buChar char="Ø"/>
+            </a:pPr>
             <a:r>
               <a:rPr lang="en-US" sz="1600" b="1" dirty="0">
                 <a:latin typeface="Times New Roman" panose="02020603050405020304" pitchFamily="18" charset="0"/>
                 <a:cs typeface="Times New Roman" panose="02020603050405020304" pitchFamily="18" charset="0"/>
               </a:rPr>
-              <a:t>This paper is based on an advertising platform. Our proposed idea digitizes the advertisements of products. A </a:t>
+              <a:t>This </a:t>
+            </a:r>
+            <a:r>
+              <a:rPr lang="en-US" sz="1600" b="1" dirty="0" smtClean="0">
+                <a:latin typeface="Times New Roman" panose="02020603050405020304" pitchFamily="18" charset="0"/>
+                <a:cs typeface="Times New Roman" panose="02020603050405020304" pitchFamily="18" charset="0"/>
+              </a:rPr>
+              <a:t>proposed model </a:t>
+            </a:r>
+            <a:r>
+              <a:rPr lang="en-US" sz="1600" b="1" dirty="0">
+                <a:latin typeface="Times New Roman" panose="02020603050405020304" pitchFamily="18" charset="0"/>
+                <a:cs typeface="Times New Roman" panose="02020603050405020304" pitchFamily="18" charset="0"/>
+              </a:rPr>
+              <a:t>is based on an advertising platform. Our proposed idea digitizes the advertisements of products. </a:t>
+            </a:r>
+            <a:endParaRPr lang="en-US" sz="1600" b="1" dirty="0" smtClean="0">
+              <a:latin typeface="Times New Roman" panose="02020603050405020304" pitchFamily="18" charset="0"/>
+              <a:cs typeface="Times New Roman" panose="02020603050405020304" pitchFamily="18" charset="0"/>
+            </a:endParaRPr>
+          </a:p>
+          <a:p>
+            <a:pPr marL="285750" indent="-285750" algn="just">
+              <a:buFont typeface="Wingdings" panose="05000000000000000000" pitchFamily="2" charset="2"/>
+              <a:buChar char="Ø"/>
+            </a:pPr>
+            <a:r>
+              <a:rPr lang="en-US" sz="1600" b="1" dirty="0" smtClean="0">
+                <a:latin typeface="Times New Roman" panose="02020603050405020304" pitchFamily="18" charset="0"/>
+                <a:cs typeface="Times New Roman" panose="02020603050405020304" pitchFamily="18" charset="0"/>
+              </a:rPr>
+              <a:t>A </a:t>
             </a:r>
             <a:r>
               <a:rPr lang="en-US" sz="1600" b="1" dirty="0" err="1">
@@ -3324,12 +3422,43 @@
             </a:endParaRPr>
           </a:p>
           <a:p>
+            <a:pPr marL="285750" indent="-285750" algn="just">
+              <a:buFont typeface="Wingdings" panose="05000000000000000000" pitchFamily="2" charset="2"/>
+              <a:buChar char="Ø"/>
+            </a:pPr>
             <a:r>
               <a:rPr lang="en-US" sz="1600" b="1" dirty="0">
                 <a:latin typeface="Times New Roman" panose="02020603050405020304" pitchFamily="18" charset="0"/>
                 <a:cs typeface="Times New Roman" panose="02020603050405020304" pitchFamily="18" charset="0"/>
               </a:rPr>
-              <a:t> A Wi-Fi module connected to the raspberry pi is used to broadcast the offers to the customer’s Smartphone. Whenever the customers come into the Wi-Fi range of the shop, the customer’s smartphone gets the notification of the offers. An android application is installed in the customer’s Smartphone to get offers broadcasted through the Wi-Fi. This application does not use the internet nor is GPS, only the Wi-Fi connection sufficient.</a:t>
+              <a:t> A Wi-Fi module connected to the raspberry pi is used to broadcast the offers to the customer’s Smartphone. Whenever the customers come into the Wi-Fi range of the shop, the customer’s smartphone gets the notification of the offers</a:t>
+            </a:r>
+            <a:r>
+              <a:rPr lang="en-US" sz="1600" b="1" dirty="0" smtClean="0">
+                <a:latin typeface="Times New Roman" panose="02020603050405020304" pitchFamily="18" charset="0"/>
+                <a:cs typeface="Times New Roman" panose="02020603050405020304" pitchFamily="18" charset="0"/>
+              </a:rPr>
+              <a:t>.</a:t>
+            </a:r>
+          </a:p>
+          <a:p>
+            <a:pPr marL="285750" indent="-285750" algn="just">
+              <a:buFont typeface="Wingdings" panose="05000000000000000000" pitchFamily="2" charset="2"/>
+              <a:buChar char="Ø"/>
+            </a:pPr>
+            <a:r>
+              <a:rPr lang="en-US" sz="1600" b="1" dirty="0" smtClean="0">
+                <a:latin typeface="Times New Roman" panose="02020603050405020304" pitchFamily="18" charset="0"/>
+                <a:cs typeface="Times New Roman" panose="02020603050405020304" pitchFamily="18" charset="0"/>
+              </a:rPr>
+              <a:t> </a:t>
+            </a:r>
+            <a:r>
+              <a:rPr lang="en-US" sz="1600" b="1" dirty="0">
+                <a:latin typeface="Times New Roman" panose="02020603050405020304" pitchFamily="18" charset="0"/>
+                <a:cs typeface="Times New Roman" panose="02020603050405020304" pitchFamily="18" charset="0"/>
+              </a:rPr>
+              <a:t>An android application is installed in the customer’s Smartphone to get offers broadcasted through the Wi-Fi. This application does not use the internet nor is GPS, only the Wi-Fi connection sufficient.</a:t>
             </a:r>
             <a:endParaRPr lang="en-IN" sz="1600" b="1" dirty="0">
               <a:latin typeface="Times New Roman" panose="02020603050405020304" pitchFamily="18" charset="0"/>
@@ -3348,7 +3477,7 @@
         </p:nvSpPr>
         <p:spPr bwMode="auto">
           <a:xfrm>
-            <a:off x="961696" y="14042915"/>
+            <a:off x="961694" y="12839982"/>
             <a:ext cx="7709337" cy="1653196"/>
           </a:xfrm>
           <a:prstGeom prst="rect">
@@ -3361,14 +3490,14 @@
           <a:effectLst/>
           <a:extLst>
             <a:ext uri="{909E8E84-426E-40DD-AFC4-6F175D3DCCD1}">
-              <a14:hiddenFill xmlns="" xmlns:a14="http://schemas.microsoft.com/office/drawing/2010/main">
+              <a14:hiddenFill xmlns:a14="http://schemas.microsoft.com/office/drawing/2010/main">
                 <a:solidFill>
                   <a:schemeClr val="accent1"/>
                 </a:solidFill>
               </a14:hiddenFill>
             </a:ext>
             <a:ext uri="{91240B29-F687-4F45-9708-019B960494DF}">
-              <a14:hiddenLine xmlns="" xmlns:a14="http://schemas.microsoft.com/office/drawing/2010/main" w="9525">
+              <a14:hiddenLine xmlns:a14="http://schemas.microsoft.com/office/drawing/2010/main" w="9525">
                 <a:solidFill>
                   <a:schemeClr val="tx1"/>
                 </a:solidFill>
@@ -3378,7 +3507,7 @@
               </a14:hiddenLine>
             </a:ext>
             <a:ext uri="{AF507438-7753-43E0-B8FC-AC1667EBCBE1}">
-              <a14:hiddenEffects xmlns="" xmlns:a14="http://schemas.microsoft.com/office/drawing/2010/main">
+              <a14:hiddenEffects xmlns:a14="http://schemas.microsoft.com/office/drawing/2010/main">
                 <a:effectLst>
                   <a:outerShdw dist="35921" dir="2700000" algn="ctr" rotWithShape="0">
                     <a:schemeClr val="bg2"/>
@@ -3498,7 +3627,14 @@
             </a:pPr>
             <a:r>
               <a:rPr lang="en-US" sz="3200" b="1" dirty="0" smtClean="0"/>
-              <a:t>SYSTEM DESIGN AND DESCRIPTION</a:t>
+              <a:t>SYSTEM DESIGN AND </a:t>
+            </a:r>
+            <a:r>
+              <a:rPr lang="en-US" sz="3200" b="1" dirty="0" smtClean="0">
+                <a:latin typeface="Times New Roman" panose="02020603050405020304" pitchFamily="18" charset="0"/>
+                <a:cs typeface="Times New Roman" panose="02020603050405020304" pitchFamily="18" charset="0"/>
+              </a:rPr>
+              <a:t>DESCRIPTION</a:t>
             </a:r>
           </a:p>
           <a:p>
@@ -3521,7 +3657,7 @@
         </p:nvSpPr>
         <p:spPr bwMode="auto">
           <a:xfrm>
-            <a:off x="11506200" y="16948150"/>
+            <a:off x="11587322" y="18548147"/>
             <a:ext cx="4354513" cy="796925"/>
           </a:xfrm>
           <a:prstGeom prst="rect">
@@ -3534,14 +3670,14 @@
           <a:effectLst/>
           <a:extLst>
             <a:ext uri="{909E8E84-426E-40DD-AFC4-6F175D3DCCD1}">
-              <a14:hiddenFill xmlns="" xmlns:a14="http://schemas.microsoft.com/office/drawing/2010/main">
+              <a14:hiddenFill xmlns:a14="http://schemas.microsoft.com/office/drawing/2010/main">
                 <a:solidFill>
                   <a:schemeClr val="accent1"/>
                 </a:solidFill>
               </a14:hiddenFill>
             </a:ext>
             <a:ext uri="{91240B29-F687-4F45-9708-019B960494DF}">
-              <a14:hiddenLine xmlns="" xmlns:a14="http://schemas.microsoft.com/office/drawing/2010/main" w="9525">
+              <a14:hiddenLine xmlns:a14="http://schemas.microsoft.com/office/drawing/2010/main" w="9525">
                 <a:solidFill>
                   <a:schemeClr val="tx1"/>
                 </a:solidFill>
@@ -3551,7 +3687,7 @@
               </a14:hiddenLine>
             </a:ext>
             <a:ext uri="{AF507438-7753-43E0-B8FC-AC1667EBCBE1}">
-              <a14:hiddenEffects xmlns="" xmlns:a14="http://schemas.microsoft.com/office/drawing/2010/main">
+              <a14:hiddenEffects xmlns:a14="http://schemas.microsoft.com/office/drawing/2010/main">
                 <a:effectLst>
                   <a:outerShdw dist="35921" dir="2700000" algn="ctr" rotWithShape="0">
                     <a:schemeClr val="bg2"/>
@@ -3716,7 +3852,7 @@
           <a:effectLst/>
           <a:extLst>
             <a:ext uri="{AF507438-7753-43E0-B8FC-AC1667EBCBE1}">
-              <a14:hiddenEffects xmlns="" xmlns:a14="http://schemas.microsoft.com/office/drawing/2010/main">
+              <a14:hiddenEffects xmlns:a14="http://schemas.microsoft.com/office/drawing/2010/main">
                 <a:effectLst>
                   <a:outerShdw dist="35921" dir="2700000" algn="ctr" rotWithShape="0">
                     <a:schemeClr val="bg2"/>
@@ -3846,8 +3982,8 @@
         </p:nvSpPr>
         <p:spPr bwMode="auto">
           <a:xfrm>
-            <a:off x="2032000" y="552450"/>
-            <a:ext cx="14077950" cy="2184400"/>
+            <a:off x="2743200" y="552450"/>
+            <a:ext cx="13198635" cy="2576526"/>
           </a:xfrm>
           <a:prstGeom prst="rect">
             <a:avLst/>
@@ -3859,14 +3995,14 @@
           <a:effectLst/>
           <a:extLst>
             <a:ext uri="{909E8E84-426E-40DD-AFC4-6F175D3DCCD1}">
-              <a14:hiddenFill xmlns="" xmlns:a14="http://schemas.microsoft.com/office/drawing/2010/main">
+              <a14:hiddenFill xmlns:a14="http://schemas.microsoft.com/office/drawing/2010/main">
                 <a:solidFill>
                   <a:schemeClr val="accent1"/>
                 </a:solidFill>
               </a14:hiddenFill>
             </a:ext>
             <a:ext uri="{91240B29-F687-4F45-9708-019B960494DF}">
-              <a14:hiddenLine xmlns="" xmlns:a14="http://schemas.microsoft.com/office/drawing/2010/main" w="9525">
+              <a14:hiddenLine xmlns:a14="http://schemas.microsoft.com/office/drawing/2010/main" w="9525">
                 <a:solidFill>
                   <a:schemeClr val="tx1"/>
                 </a:solidFill>
@@ -3876,7 +4012,7 @@
               </a14:hiddenLine>
             </a:ext>
             <a:ext uri="{AF507438-7753-43E0-B8FC-AC1667EBCBE1}">
-              <a14:hiddenEffects xmlns="" xmlns:a14="http://schemas.microsoft.com/office/drawing/2010/main">
+              <a14:hiddenEffects xmlns:a14="http://schemas.microsoft.com/office/drawing/2010/main">
                 <a:effectLst>
                   <a:outerShdw dist="35921" dir="2700000" algn="ctr" rotWithShape="0">
                     <a:schemeClr val="bg2"/>
@@ -3887,7 +4023,7 @@
           </a:extLst>
         </p:spPr>
         <p:txBody>
-          <a:bodyPr lIns="52249" tIns="26124" rIns="52249" bIns="26124">
+          <a:bodyPr wrap="square" lIns="52249" tIns="26124" rIns="52249" bIns="26124">
             <a:spAutoFit/>
           </a:bodyPr>
           <a:lstStyle>
@@ -3989,34 +4125,37 @@
             </a:lvl9pPr>
           </a:lstStyle>
           <a:p>
-            <a:pPr algn="ctr">
-              <a:spcBef>
-                <a:spcPct val="50000"/>
-              </a:spcBef>
-            </a:pPr>
-            <a:r>
-              <a:rPr lang="en-US" altLang="en-US" sz="7200" b="1" dirty="0" smtClean="0"/>
-              <a:t>Title of the Research Study</a:t>
-            </a:r>
-          </a:p>
-          <a:p>
             <a:pPr algn="ctr"/>
             <a:r>
-              <a:rPr lang="en-US" altLang="en-US" sz="4500" b="1" dirty="0" smtClean="0"/>
-              <a:t>PEOPLE </a:t>
-            </a:r>
-            <a:r>
-              <a:rPr lang="en-US" altLang="en-US" sz="4500" b="1" dirty="0"/>
-              <a:t>WHO DID THE STUDY</a:t>
+              <a:rPr lang="en-IN" sz="4800" b="1" dirty="0" smtClean="0"/>
+              <a:t>JSS ACADEMY OF TECHNICAL EDUCATION</a:t>
             </a:r>
           </a:p>
           <a:p>
             <a:pPr algn="ctr"/>
             <a:r>
-              <a:rPr lang="en-US" altLang="en-US" sz="2300" b="1" i="1" dirty="0"/>
-              <a:t>UNIVERSITIES AND/OR  HOSPITALS THEY ARE AFFILIATED WITH</a:t>
-            </a:r>
-            <a:endParaRPr lang="en-US" altLang="en-US" sz="4500" dirty="0"/>
+              <a:rPr lang="en-IN" sz="4400" b="1" i="1" dirty="0" smtClean="0"/>
+              <a:t>Smart </a:t>
+            </a:r>
+            <a:r>
+              <a:rPr lang="en-IN" sz="4400" b="1" i="1" dirty="0"/>
+              <a:t>advertising platform using Raspberry pi and push </a:t>
+            </a:r>
+            <a:r>
+              <a:rPr lang="en-IN" sz="4400" b="1" i="1" dirty="0" smtClean="0"/>
+              <a:t>notifications</a:t>
+            </a:r>
+          </a:p>
+          <a:p>
+            <a:r>
+              <a:rPr lang="en-IN" sz="2800" dirty="0" smtClean="0"/>
+              <a:t>PAVAN V</a:t>
+            </a:r>
+            <a:r>
+              <a:rPr lang="en-IN" sz="2800" smtClean="0"/>
+              <a:t>	AKASH N G	PUNITH B M	</a:t>
+            </a:r>
+            <a:endParaRPr lang="en-IN" sz="4400" dirty="0"/>
           </a:p>
         </p:txBody>
       </p:sp>
@@ -4043,14 +4182,14 @@
           <a:effectLst/>
           <a:extLst>
             <a:ext uri="{909E8E84-426E-40DD-AFC4-6F175D3DCCD1}">
-              <a14:hiddenFill xmlns="" xmlns:a14="http://schemas.microsoft.com/office/drawing/2010/main">
+              <a14:hiddenFill xmlns:a14="http://schemas.microsoft.com/office/drawing/2010/main">
                 <a:solidFill>
                   <a:schemeClr val="accent1"/>
                 </a:solidFill>
               </a14:hiddenFill>
             </a:ext>
             <a:ext uri="{91240B29-F687-4F45-9708-019B960494DF}">
-              <a14:hiddenLine xmlns="" xmlns:a14="http://schemas.microsoft.com/office/drawing/2010/main" w="9525">
+              <a14:hiddenLine xmlns:a14="http://schemas.microsoft.com/office/drawing/2010/main" w="9525">
                 <a:solidFill>
                   <a:schemeClr val="tx1"/>
                 </a:solidFill>
@@ -4060,7 +4199,7 @@
               </a14:hiddenLine>
             </a:ext>
             <a:ext uri="{AF507438-7753-43E0-B8FC-AC1667EBCBE1}">
-              <a14:hiddenEffects xmlns="" xmlns:a14="http://schemas.microsoft.com/office/drawing/2010/main">
+              <a14:hiddenEffects xmlns:a14="http://schemas.microsoft.com/office/drawing/2010/main">
                 <a:effectLst>
                   <a:outerShdw dist="35921" dir="2700000" algn="ctr" rotWithShape="0">
                     <a:schemeClr val="bg2"/>
@@ -4207,7 +4346,7 @@
         </p:nvSpPr>
         <p:spPr bwMode="auto">
           <a:xfrm>
-            <a:off x="10524249" y="12521105"/>
+            <a:off x="10649904" y="18158914"/>
             <a:ext cx="3114675" cy="298979"/>
           </a:xfrm>
           <a:prstGeom prst="rect">
@@ -4220,14 +4359,14 @@
           <a:effectLst/>
           <a:extLst>
             <a:ext uri="{909E8E84-426E-40DD-AFC4-6F175D3DCCD1}">
-              <a14:hiddenFill xmlns="" xmlns:a14="http://schemas.microsoft.com/office/drawing/2010/main">
+              <a14:hiddenFill xmlns:a14="http://schemas.microsoft.com/office/drawing/2010/main">
                 <a:solidFill>
                   <a:schemeClr val="accent1"/>
                 </a:solidFill>
               </a14:hiddenFill>
             </a:ext>
             <a:ext uri="{91240B29-F687-4F45-9708-019B960494DF}">
-              <a14:hiddenLine xmlns="" xmlns:a14="http://schemas.microsoft.com/office/drawing/2010/main" w="9525">
+              <a14:hiddenLine xmlns:a14="http://schemas.microsoft.com/office/drawing/2010/main" w="9525">
                 <a:solidFill>
                   <a:schemeClr val="tx1"/>
                 </a:solidFill>
@@ -4237,7 +4376,7 @@
               </a14:hiddenLine>
             </a:ext>
             <a:ext uri="{AF507438-7753-43E0-B8FC-AC1667EBCBE1}">
-              <a14:hiddenEffects xmlns="" xmlns:a14="http://schemas.microsoft.com/office/drawing/2010/main">
+              <a14:hiddenEffects xmlns:a14="http://schemas.microsoft.com/office/drawing/2010/main">
                 <a:effectLst>
                   <a:outerShdw dist="35921" dir="2700000" algn="ctr" rotWithShape="0">
                     <a:schemeClr val="bg2"/>
@@ -4374,7 +4513,7 @@
         </p:nvSpPr>
         <p:spPr bwMode="auto">
           <a:xfrm>
-            <a:off x="14384500" y="12483114"/>
+            <a:off x="14552612" y="18158914"/>
             <a:ext cx="3114675" cy="298979"/>
           </a:xfrm>
           <a:prstGeom prst="rect">
@@ -4387,14 +4526,14 @@
           <a:effectLst/>
           <a:extLst>
             <a:ext uri="{909E8E84-426E-40DD-AFC4-6F175D3DCCD1}">
-              <a14:hiddenFill xmlns="" xmlns:a14="http://schemas.microsoft.com/office/drawing/2010/main">
+              <a14:hiddenFill xmlns:a14="http://schemas.microsoft.com/office/drawing/2010/main">
                 <a:solidFill>
                   <a:schemeClr val="accent1"/>
                 </a:solidFill>
               </a14:hiddenFill>
             </a:ext>
             <a:ext uri="{91240B29-F687-4F45-9708-019B960494DF}">
-              <a14:hiddenLine xmlns="" xmlns:a14="http://schemas.microsoft.com/office/drawing/2010/main" w="9525">
+              <a14:hiddenLine xmlns:a14="http://schemas.microsoft.com/office/drawing/2010/main" w="9525">
                 <a:solidFill>
                   <a:schemeClr val="tx1"/>
                 </a:solidFill>
@@ -4404,7 +4543,7 @@
               </a14:hiddenLine>
             </a:ext>
             <a:ext uri="{AF507438-7753-43E0-B8FC-AC1667EBCBE1}">
-              <a14:hiddenEffects xmlns="" xmlns:a14="http://schemas.microsoft.com/office/drawing/2010/main">
+              <a14:hiddenEffects xmlns:a14="http://schemas.microsoft.com/office/drawing/2010/main">
                 <a:effectLst>
                   <a:outerShdw dist="35921" dir="2700000" algn="ctr" rotWithShape="0">
                     <a:schemeClr val="bg2"/>
@@ -4541,7 +4680,7 @@
         </p:nvSpPr>
         <p:spPr bwMode="auto">
           <a:xfrm>
-            <a:off x="12078357" y="20424775"/>
+            <a:off x="12207242" y="21443692"/>
             <a:ext cx="3114675" cy="1522391"/>
           </a:xfrm>
           <a:prstGeom prst="rect">
@@ -4554,14 +4693,14 @@
           <a:effectLst/>
           <a:extLst>
             <a:ext uri="{909E8E84-426E-40DD-AFC4-6F175D3DCCD1}">
-              <a14:hiddenFill xmlns="" xmlns:a14="http://schemas.microsoft.com/office/drawing/2010/main">
+              <a14:hiddenFill xmlns:a14="http://schemas.microsoft.com/office/drawing/2010/main">
                 <a:solidFill>
                   <a:schemeClr val="accent1"/>
                 </a:solidFill>
               </a14:hiddenFill>
             </a:ext>
             <a:ext uri="{91240B29-F687-4F45-9708-019B960494DF}">
-              <a14:hiddenLine xmlns="" xmlns:a14="http://schemas.microsoft.com/office/drawing/2010/main" w="9525">
+              <a14:hiddenLine xmlns:a14="http://schemas.microsoft.com/office/drawing/2010/main" w="9525">
                 <a:solidFill>
                   <a:schemeClr val="tx1"/>
                 </a:solidFill>
@@ -4571,7 +4710,7 @@
               </a14:hiddenLine>
             </a:ext>
             <a:ext uri="{AF507438-7753-43E0-B8FC-AC1667EBCBE1}">
-              <a14:hiddenEffects xmlns="" xmlns:a14="http://schemas.microsoft.com/office/drawing/2010/main">
+              <a14:hiddenEffects xmlns:a14="http://schemas.microsoft.com/office/drawing/2010/main">
                 <a:effectLst>
                   <a:outerShdw dist="35921" dir="2700000" algn="ctr" rotWithShape="0">
                     <a:schemeClr val="bg2"/>
@@ -4715,8 +4854,8 @@
         </p:nvSpPr>
         <p:spPr bwMode="auto">
           <a:xfrm>
-            <a:off x="1069264" y="15227877"/>
-            <a:ext cx="7191375" cy="10099587"/>
+            <a:off x="997154" y="13510373"/>
+            <a:ext cx="7191375" cy="10130365"/>
           </a:xfrm>
           <a:prstGeom prst="rect">
             <a:avLst/>
@@ -4728,14 +4867,14 @@
           <a:effectLst/>
           <a:extLst>
             <a:ext uri="{909E8E84-426E-40DD-AFC4-6F175D3DCCD1}">
-              <a14:hiddenFill xmlns="" xmlns:a14="http://schemas.microsoft.com/office/drawing/2010/main">
+              <a14:hiddenFill xmlns:a14="http://schemas.microsoft.com/office/drawing/2010/main">
                 <a:solidFill>
                   <a:schemeClr val="bg1"/>
                 </a:solidFill>
               </a14:hiddenFill>
             </a:ext>
             <a:ext uri="{91240B29-F687-4F45-9708-019B960494DF}">
-              <a14:hiddenLine xmlns="" xmlns:a14="http://schemas.microsoft.com/office/drawing/2010/main" w="57150" cmpd="thinThick">
+              <a14:hiddenLine xmlns:a14="http://schemas.microsoft.com/office/drawing/2010/main" w="57150" cmpd="thinThick">
                 <a:solidFill>
                   <a:schemeClr val="tx1"/>
                 </a:solidFill>
@@ -4745,7 +4884,7 @@
               </a14:hiddenLine>
             </a:ext>
             <a:ext uri="{AF507438-7753-43E0-B8FC-AC1667EBCBE1}">
-              <a14:hiddenEffects xmlns="" xmlns:a14="http://schemas.microsoft.com/office/drawing/2010/main">
+              <a14:hiddenEffects xmlns:a14="http://schemas.microsoft.com/office/drawing/2010/main">
                 <a:effectLst>
                   <a:outerShdw dist="35921" dir="2700000" algn="ctr" rotWithShape="0">
                     <a:schemeClr val="bg2"/>
@@ -4858,7 +4997,10 @@
             </a:lvl9pPr>
           </a:lstStyle>
           <a:p>
-            <a:pPr algn="just" eaLnBrk="0" hangingPunct="0"/>
+            <a:pPr marL="285750" indent="-285750" algn="just" eaLnBrk="0" hangingPunct="0">
+              <a:buFont typeface="Wingdings" panose="05000000000000000000" pitchFamily="2" charset="2"/>
+              <a:buChar char="Ø"/>
+            </a:pPr>
             <a:r>
               <a:rPr lang="en-US" sz="1600" dirty="0" smtClean="0">
                 <a:latin typeface="Times New Roman" pitchFamily="18" charset="0"/>
@@ -4974,198 +5116,10 @@
           </a:p>
           <a:p>
             <a:pPr algn="just" eaLnBrk="0" hangingPunct="0"/>
-            <a:endParaRPr lang="en-US" sz="1600" dirty="0" smtClean="0">
+            <a:endParaRPr lang="en-US" sz="1600" dirty="0">
               <a:latin typeface="Times New Roman" pitchFamily="18" charset="0"/>
               <a:cs typeface="Times New Roman" pitchFamily="18" charset="0"/>
             </a:endParaRPr>
-          </a:p>
-          <a:p>
-            <a:pPr algn="ctr" eaLnBrk="0" hangingPunct="0"/>
-            <a:r>
-              <a:rPr lang="en-US" sz="1600" b="1" dirty="0" smtClean="0">
-                <a:latin typeface="Times New Roman" pitchFamily="18" charset="0"/>
-                <a:cs typeface="Times New Roman" pitchFamily="18" charset="0"/>
-              </a:rPr>
-              <a:t>Fig.1 design of the proposed advertising platform.</a:t>
-            </a:r>
-          </a:p>
-          <a:p>
-            <a:pPr algn="ctr" eaLnBrk="0" hangingPunct="0"/>
-            <a:endParaRPr lang="en-US" sz="1600" dirty="0" smtClean="0">
-              <a:latin typeface="Times New Roman" pitchFamily="18" charset="0"/>
-              <a:cs typeface="Times New Roman" pitchFamily="18" charset="0"/>
-            </a:endParaRPr>
-          </a:p>
-          <a:p>
-            <a:r>
-              <a:rPr lang="en-US" sz="1600" dirty="0" smtClean="0">
-                <a:latin typeface="Times New Roman" pitchFamily="18" charset="0"/>
-                <a:cs typeface="Times New Roman" pitchFamily="18" charset="0"/>
-              </a:rPr>
-              <a:t>In the design phase the software requirements for the proposed model is as follows: </a:t>
-            </a:r>
-          </a:p>
-          <a:p>
-            <a:r>
-              <a:rPr lang="en-US" sz="1600" dirty="0" smtClean="0">
-                <a:latin typeface="Times New Roman" pitchFamily="18" charset="0"/>
-                <a:cs typeface="Times New Roman" pitchFamily="18" charset="0"/>
-              </a:rPr>
-              <a:t> </a:t>
-            </a:r>
-          </a:p>
-          <a:p>
-            <a:r>
-              <a:rPr lang="en-US" sz="1600" dirty="0" smtClean="0">
-                <a:latin typeface="Times New Roman" pitchFamily="18" charset="0"/>
-                <a:cs typeface="Times New Roman" pitchFamily="18" charset="0"/>
-              </a:rPr>
-              <a:t>The android studio is used for the development of the app for the customer’s </a:t>
-            </a:r>
-            <a:r>
-              <a:rPr lang="en-US" sz="1600" dirty="0" err="1" smtClean="0">
-                <a:latin typeface="Times New Roman" pitchFamily="18" charset="0"/>
-                <a:cs typeface="Times New Roman" pitchFamily="18" charset="0"/>
-              </a:rPr>
-              <a:t>smartphone</a:t>
-            </a:r>
-            <a:r>
-              <a:rPr lang="en-US" sz="1600" dirty="0" smtClean="0">
-                <a:latin typeface="Times New Roman" pitchFamily="18" charset="0"/>
-                <a:cs typeface="Times New Roman" pitchFamily="18" charset="0"/>
-              </a:rPr>
-              <a:t>. The </a:t>
-            </a:r>
-            <a:r>
-              <a:rPr lang="en-US" sz="1600" dirty="0" err="1" smtClean="0">
-                <a:latin typeface="Times New Roman" pitchFamily="18" charset="0"/>
-                <a:cs typeface="Times New Roman" pitchFamily="18" charset="0"/>
-              </a:rPr>
-              <a:t>raspbian</a:t>
-            </a:r>
-            <a:r>
-              <a:rPr lang="en-US" sz="1600" dirty="0" smtClean="0">
-                <a:latin typeface="Times New Roman" pitchFamily="18" charset="0"/>
-                <a:cs typeface="Times New Roman" pitchFamily="18" charset="0"/>
-              </a:rPr>
-              <a:t> OS is uploaded onto the raspberry pi. </a:t>
-            </a:r>
-            <a:r>
-              <a:rPr lang="en-US" sz="1600" dirty="0" err="1" smtClean="0">
-                <a:latin typeface="Times New Roman" pitchFamily="18" charset="0"/>
-                <a:cs typeface="Times New Roman" pitchFamily="18" charset="0"/>
-              </a:rPr>
-              <a:t>Php</a:t>
-            </a:r>
-            <a:r>
-              <a:rPr lang="en-US" sz="1600" dirty="0" smtClean="0">
-                <a:latin typeface="Times New Roman" pitchFamily="18" charset="0"/>
-                <a:cs typeface="Times New Roman" pitchFamily="18" charset="0"/>
-              </a:rPr>
-              <a:t> and </a:t>
-            </a:r>
-            <a:r>
-              <a:rPr lang="en-US" sz="1600" dirty="0" err="1" smtClean="0">
-                <a:latin typeface="Times New Roman" pitchFamily="18" charset="0"/>
-                <a:cs typeface="Times New Roman" pitchFamily="18" charset="0"/>
-              </a:rPr>
-              <a:t>mysql</a:t>
-            </a:r>
-            <a:r>
-              <a:rPr lang="en-US" sz="1600" dirty="0" smtClean="0">
-                <a:latin typeface="Times New Roman" pitchFamily="18" charset="0"/>
-                <a:cs typeface="Times New Roman" pitchFamily="18" charset="0"/>
-              </a:rPr>
-              <a:t> is used for designing the backend. The database which is used to store the information about offers is placed in the raspberry pi and </a:t>
-            </a:r>
-            <a:r>
-              <a:rPr lang="en-US" sz="1600" dirty="0" err="1" smtClean="0">
-                <a:latin typeface="Times New Roman" pitchFamily="18" charset="0"/>
-                <a:cs typeface="Times New Roman" pitchFamily="18" charset="0"/>
-              </a:rPr>
-              <a:t>php</a:t>
-            </a:r>
-            <a:r>
-              <a:rPr lang="en-US" sz="1600" dirty="0" smtClean="0">
-                <a:latin typeface="Times New Roman" pitchFamily="18" charset="0"/>
-                <a:cs typeface="Times New Roman" pitchFamily="18" charset="0"/>
-              </a:rPr>
-              <a:t> is used to upload and retrieve the data from it.HTML, CSS, bootstrap is used for designing the front end of the model. An admin page is used to upload the data.</a:t>
-            </a:r>
-          </a:p>
-          <a:p>
-            <a:r>
-              <a:rPr lang="en-US" sz="1600" dirty="0" smtClean="0">
-                <a:latin typeface="Times New Roman" pitchFamily="18" charset="0"/>
-                <a:cs typeface="Times New Roman" pitchFamily="18" charset="0"/>
-              </a:rPr>
-              <a:t> </a:t>
-            </a:r>
-          </a:p>
-          <a:p>
-            <a:r>
-              <a:rPr lang="en-US" sz="1600" dirty="0" smtClean="0">
-                <a:latin typeface="Times New Roman" pitchFamily="18" charset="0"/>
-                <a:cs typeface="Times New Roman" pitchFamily="18" charset="0"/>
-              </a:rPr>
-              <a:t>The raspberry pi is used as a medium for storage and sending of the offer details. A </a:t>
-            </a:r>
-            <a:r>
-              <a:rPr lang="en-US" sz="1600" dirty="0" err="1" smtClean="0">
-                <a:latin typeface="Times New Roman" pitchFamily="18" charset="0"/>
-                <a:cs typeface="Times New Roman" pitchFamily="18" charset="0"/>
-              </a:rPr>
-              <a:t>mysql</a:t>
-            </a:r>
-            <a:r>
-              <a:rPr lang="en-US" sz="1600" dirty="0" smtClean="0">
-                <a:latin typeface="Times New Roman" pitchFamily="18" charset="0"/>
-                <a:cs typeface="Times New Roman" pitchFamily="18" charset="0"/>
-              </a:rPr>
-              <a:t> database is created on the raspberry pi to store the offer’s list. An admin web page or dashboard is used by the shop keeper to upload the data to the database. A Wi-Fi module is present in the raspberry pi which is used to broadcast the offers to the customer’s </a:t>
-            </a:r>
-            <a:r>
-              <a:rPr lang="en-US" sz="1600" dirty="0" err="1" smtClean="0">
-                <a:latin typeface="Times New Roman" pitchFamily="18" charset="0"/>
-                <a:cs typeface="Times New Roman" pitchFamily="18" charset="0"/>
-              </a:rPr>
-              <a:t>smatphone</a:t>
-            </a:r>
-            <a:r>
-              <a:rPr lang="en-US" sz="1600" dirty="0" smtClean="0">
-                <a:latin typeface="Times New Roman" pitchFamily="18" charset="0"/>
-                <a:cs typeface="Times New Roman" pitchFamily="18" charset="0"/>
-              </a:rPr>
-              <a:t>. An android app is installed in the customer’s </a:t>
-            </a:r>
-            <a:r>
-              <a:rPr lang="en-US" sz="1600" dirty="0" err="1" smtClean="0">
-                <a:latin typeface="Times New Roman" pitchFamily="18" charset="0"/>
-                <a:cs typeface="Times New Roman" pitchFamily="18" charset="0"/>
-              </a:rPr>
-              <a:t>smartphone</a:t>
-            </a:r>
-            <a:r>
-              <a:rPr lang="en-US" sz="1600" dirty="0" smtClean="0">
-                <a:latin typeface="Times New Roman" pitchFamily="18" charset="0"/>
-                <a:cs typeface="Times New Roman" pitchFamily="18" charset="0"/>
-              </a:rPr>
-              <a:t> and whenever the </a:t>
-            </a:r>
-            <a:r>
-              <a:rPr lang="en-US" sz="1600" dirty="0" err="1" smtClean="0">
-                <a:latin typeface="Times New Roman" pitchFamily="18" charset="0"/>
-                <a:cs typeface="Times New Roman" pitchFamily="18" charset="0"/>
-              </a:rPr>
-              <a:t>smartphone</a:t>
-            </a:r>
-            <a:r>
-              <a:rPr lang="en-US" sz="1600" dirty="0" smtClean="0">
-                <a:latin typeface="Times New Roman" pitchFamily="18" charset="0"/>
-                <a:cs typeface="Times New Roman" pitchFamily="18" charset="0"/>
-              </a:rPr>
-              <a:t> comes into the range of the shop keeper’s Wi-Fi, he gets a notification about the offers present.</a:t>
-            </a:r>
           </a:p>
           <a:p>
             <a:pPr algn="just" eaLnBrk="0" hangingPunct="0"/>
@@ -5182,10 +5136,205 @@
             </a:endParaRPr>
           </a:p>
           <a:p>
-            <a:pPr eaLnBrk="0" hangingPunct="0"/>
-            <a:endParaRPr lang="en-US" altLang="en-US" sz="1400" dirty="0">
+            <a:pPr algn="just" eaLnBrk="0" hangingPunct="0"/>
+            <a:endParaRPr lang="en-US" sz="1600" dirty="0" smtClean="0">
               <a:latin typeface="Times New Roman" pitchFamily="18" charset="0"/>
+              <a:cs typeface="Times New Roman" pitchFamily="18" charset="0"/>
             </a:endParaRPr>
+          </a:p>
+          <a:p>
+            <a:pPr algn="ctr" eaLnBrk="0" hangingPunct="0"/>
+            <a:r>
+              <a:rPr lang="en-US" sz="1600" b="1" dirty="0" smtClean="0">
+                <a:latin typeface="Times New Roman" pitchFamily="18" charset="0"/>
+                <a:cs typeface="Times New Roman" pitchFamily="18" charset="0"/>
+              </a:rPr>
+              <a:t>Fig.1 design of the proposed advertising platform.</a:t>
+            </a:r>
+          </a:p>
+          <a:p>
+            <a:r>
+              <a:rPr lang="en-US" sz="1600" dirty="0" smtClean="0">
+                <a:latin typeface="Times New Roman" pitchFamily="18" charset="0"/>
+                <a:cs typeface="Times New Roman" pitchFamily="18" charset="0"/>
+              </a:rPr>
+              <a:t> </a:t>
+            </a:r>
+          </a:p>
+          <a:p>
+            <a:pPr marL="285750" indent="-285750" algn="just">
+              <a:buFont typeface="Wingdings" panose="05000000000000000000" pitchFamily="2" charset="2"/>
+              <a:buChar char="Ø"/>
+            </a:pPr>
+            <a:r>
+              <a:rPr lang="en-US" sz="1600" dirty="0" smtClean="0">
+                <a:latin typeface="Times New Roman" pitchFamily="18" charset="0"/>
+                <a:cs typeface="Times New Roman" pitchFamily="18" charset="0"/>
+              </a:rPr>
+              <a:t>The android studio is used for the development of the app for the customer’s smartphone. The </a:t>
+            </a:r>
+            <a:r>
+              <a:rPr lang="en-US" sz="1600" dirty="0" err="1" smtClean="0">
+                <a:latin typeface="Times New Roman" pitchFamily="18" charset="0"/>
+                <a:cs typeface="Times New Roman" pitchFamily="18" charset="0"/>
+              </a:rPr>
+              <a:t>raspbian</a:t>
+            </a:r>
+            <a:r>
+              <a:rPr lang="en-US" sz="1600" dirty="0" smtClean="0">
+                <a:latin typeface="Times New Roman" pitchFamily="18" charset="0"/>
+                <a:cs typeface="Times New Roman" pitchFamily="18" charset="0"/>
+              </a:rPr>
+              <a:t> OS is uploaded onto the raspberry pi.</a:t>
+            </a:r>
+          </a:p>
+          <a:p>
+            <a:pPr marL="285750" indent="-285750" algn="just">
+              <a:buFont typeface="Wingdings" panose="05000000000000000000" pitchFamily="2" charset="2"/>
+              <a:buChar char="Ø"/>
+            </a:pPr>
+            <a:r>
+              <a:rPr lang="en-US" sz="1600" dirty="0" smtClean="0">
+                <a:latin typeface="Times New Roman" pitchFamily="18" charset="0"/>
+                <a:cs typeface="Times New Roman" pitchFamily="18" charset="0"/>
+              </a:rPr>
+              <a:t> </a:t>
+            </a:r>
+            <a:r>
+              <a:rPr lang="en-US" sz="1600" dirty="0" err="1" smtClean="0">
+                <a:latin typeface="Times New Roman" pitchFamily="18" charset="0"/>
+                <a:cs typeface="Times New Roman" pitchFamily="18" charset="0"/>
+              </a:rPr>
+              <a:t>Php</a:t>
+            </a:r>
+            <a:r>
+              <a:rPr lang="en-US" sz="1600" dirty="0" smtClean="0">
+                <a:latin typeface="Times New Roman" pitchFamily="18" charset="0"/>
+                <a:cs typeface="Times New Roman" pitchFamily="18" charset="0"/>
+              </a:rPr>
+              <a:t> and </a:t>
+            </a:r>
+            <a:r>
+              <a:rPr lang="en-US" sz="1600" dirty="0" err="1" smtClean="0">
+                <a:latin typeface="Times New Roman" pitchFamily="18" charset="0"/>
+                <a:cs typeface="Times New Roman" pitchFamily="18" charset="0"/>
+              </a:rPr>
+              <a:t>mysql</a:t>
+            </a:r>
+            <a:r>
+              <a:rPr lang="en-US" sz="1600" dirty="0" smtClean="0">
+                <a:latin typeface="Times New Roman" pitchFamily="18" charset="0"/>
+                <a:cs typeface="Times New Roman" pitchFamily="18" charset="0"/>
+              </a:rPr>
+              <a:t> is used for designing the backend. The database which is used to store the information about offers is placed in the raspberry pi and </a:t>
+            </a:r>
+            <a:r>
+              <a:rPr lang="en-US" sz="1600" dirty="0" err="1" smtClean="0">
+                <a:latin typeface="Times New Roman" pitchFamily="18" charset="0"/>
+                <a:cs typeface="Times New Roman" pitchFamily="18" charset="0"/>
+              </a:rPr>
+              <a:t>php</a:t>
+            </a:r>
+            <a:r>
+              <a:rPr lang="en-US" sz="1600" dirty="0" smtClean="0">
+                <a:latin typeface="Times New Roman" pitchFamily="18" charset="0"/>
+                <a:cs typeface="Times New Roman" pitchFamily="18" charset="0"/>
+              </a:rPr>
+              <a:t> is used to upload and retrieve the data from it.</a:t>
+            </a:r>
+          </a:p>
+          <a:p>
+            <a:pPr marL="285750" indent="-285750" algn="just">
+              <a:buFont typeface="Wingdings" panose="05000000000000000000" pitchFamily="2" charset="2"/>
+              <a:buChar char="Ø"/>
+            </a:pPr>
+            <a:r>
+              <a:rPr lang="en-US" sz="1600" dirty="0" smtClean="0">
+                <a:latin typeface="Times New Roman" pitchFamily="18" charset="0"/>
+                <a:cs typeface="Times New Roman" pitchFamily="18" charset="0"/>
+              </a:rPr>
+              <a:t>HTML, CSS, bootstrap is used for designing the front end of the model. An admin page is used to upload the data.</a:t>
+            </a:r>
+          </a:p>
+          <a:p>
+            <a:pPr marL="285750" indent="-285750" algn="just">
+              <a:buFont typeface="Wingdings" panose="05000000000000000000" pitchFamily="2" charset="2"/>
+              <a:buChar char="Ø"/>
+            </a:pPr>
+            <a:r>
+              <a:rPr lang="en-US" sz="1600" dirty="0" smtClean="0">
+                <a:latin typeface="Times New Roman" pitchFamily="18" charset="0"/>
+                <a:cs typeface="Times New Roman" pitchFamily="18" charset="0"/>
+              </a:rPr>
+              <a:t> The raspberry pi is used as a medium for storage and sending of the offer details. A </a:t>
+            </a:r>
+            <a:r>
+              <a:rPr lang="en-US" sz="1600" dirty="0" err="1" smtClean="0">
+                <a:latin typeface="Times New Roman" pitchFamily="18" charset="0"/>
+                <a:cs typeface="Times New Roman" pitchFamily="18" charset="0"/>
+              </a:rPr>
+              <a:t>mysql</a:t>
+            </a:r>
+            <a:r>
+              <a:rPr lang="en-US" sz="1600" dirty="0" smtClean="0">
+                <a:latin typeface="Times New Roman" pitchFamily="18" charset="0"/>
+                <a:cs typeface="Times New Roman" pitchFamily="18" charset="0"/>
+              </a:rPr>
+              <a:t> database is created on the raspberry pi to store the offer’s list.</a:t>
+            </a:r>
+          </a:p>
+          <a:p>
+            <a:pPr marL="285750" indent="-285750" algn="just">
+              <a:buFont typeface="Wingdings" panose="05000000000000000000" pitchFamily="2" charset="2"/>
+              <a:buChar char="Ø"/>
+            </a:pPr>
+            <a:r>
+              <a:rPr lang="en-US" sz="1600" dirty="0" smtClean="0">
+                <a:latin typeface="Times New Roman" pitchFamily="18" charset="0"/>
+                <a:cs typeface="Times New Roman" pitchFamily="18" charset="0"/>
+              </a:rPr>
+              <a:t> An admin web page or dashboard is used by the shop keeper to upload the data to the database. </a:t>
+            </a:r>
+          </a:p>
+          <a:p>
+            <a:pPr marL="285750" indent="-285750" algn="just">
+              <a:buFont typeface="Wingdings" panose="05000000000000000000" pitchFamily="2" charset="2"/>
+              <a:buChar char="Ø"/>
+            </a:pPr>
+            <a:r>
+              <a:rPr lang="en-US" sz="1600" dirty="0" smtClean="0">
+                <a:latin typeface="Times New Roman" pitchFamily="18" charset="0"/>
+                <a:cs typeface="Times New Roman" pitchFamily="18" charset="0"/>
+              </a:rPr>
+              <a:t>A Wi-Fi module is present in the raspberry pi which is used to broadcast the offers to the customer’s </a:t>
+            </a:r>
+            <a:r>
+              <a:rPr lang="en-US" sz="1600" dirty="0" err="1" smtClean="0">
+                <a:latin typeface="Times New Roman" pitchFamily="18" charset="0"/>
+                <a:cs typeface="Times New Roman" pitchFamily="18" charset="0"/>
+              </a:rPr>
+              <a:t>smatphone</a:t>
+            </a:r>
+            <a:r>
+              <a:rPr lang="en-US" sz="1600" dirty="0" smtClean="0">
+                <a:latin typeface="Times New Roman" pitchFamily="18" charset="0"/>
+                <a:cs typeface="Times New Roman" pitchFamily="18" charset="0"/>
+              </a:rPr>
+              <a:t>. </a:t>
+            </a:r>
+          </a:p>
+          <a:p>
+            <a:pPr marL="285750" indent="-285750" algn="just">
+              <a:buFont typeface="Wingdings" panose="05000000000000000000" pitchFamily="2" charset="2"/>
+              <a:buChar char="Ø"/>
+            </a:pPr>
+            <a:r>
+              <a:rPr lang="en-US" sz="1600" dirty="0" smtClean="0">
+                <a:latin typeface="Times New Roman" pitchFamily="18" charset="0"/>
+                <a:cs typeface="Times New Roman" pitchFamily="18" charset="0"/>
+              </a:rPr>
+              <a:t>An android app is installed in the customer’s smartphone and whenever the smartphone comes into the range of the shop keeper’s Wi-Fi, he gets a notification about the offers present.</a:t>
+            </a:r>
           </a:p>
         </p:txBody>
       </p:sp>
@@ -5199,7 +5348,7 @@
         </p:nvSpPr>
         <p:spPr bwMode="auto">
           <a:xfrm>
-            <a:off x="9916510" y="21031202"/>
+            <a:off x="9848302" y="21916084"/>
             <a:ext cx="7614745" cy="5241847"/>
           </a:xfrm>
           <a:prstGeom prst="rect">
@@ -5212,14 +5361,14 @@
           <a:effectLst/>
           <a:extLst>
             <a:ext uri="{909E8E84-426E-40DD-AFC4-6F175D3DCCD1}">
-              <a14:hiddenFill xmlns="" xmlns:a14="http://schemas.microsoft.com/office/drawing/2010/main">
+              <a14:hiddenFill xmlns:a14="http://schemas.microsoft.com/office/drawing/2010/main">
                 <a:solidFill>
                   <a:schemeClr val="bg1"/>
                 </a:solidFill>
               </a14:hiddenFill>
             </a:ext>
             <a:ext uri="{91240B29-F687-4F45-9708-019B960494DF}">
-              <a14:hiddenLine xmlns="" xmlns:a14="http://schemas.microsoft.com/office/drawing/2010/main" w="57150" cmpd="thinThick">
+              <a14:hiddenLine xmlns:a14="http://schemas.microsoft.com/office/drawing/2010/main" w="57150" cmpd="thinThick">
                 <a:solidFill>
                   <a:schemeClr val="tx1"/>
                 </a:solidFill>
@@ -5229,7 +5378,7 @@
               </a14:hiddenLine>
             </a:ext>
             <a:ext uri="{AF507438-7753-43E0-B8FC-AC1667EBCBE1}">
-              <a14:hiddenEffects xmlns="" xmlns:a14="http://schemas.microsoft.com/office/drawing/2010/main">
+              <a14:hiddenEffects xmlns:a14="http://schemas.microsoft.com/office/drawing/2010/main">
                 <a:effectLst>
                   <a:outerShdw dist="35921" dir="2700000" algn="ctr" rotWithShape="0">
                     <a:schemeClr val="bg2"/>
@@ -5539,11 +5688,7 @@
             </a:pPr>
             <a:r>
               <a:rPr lang="en-US" sz="1600" dirty="0" smtClean="0"/>
-              <a:t>http://www.raspbian.org-- OS for raspberry pi</a:t>
-            </a:r>
-            <a:r>
-              <a:rPr lang="en-US" sz="1600" dirty="0" smtClean="0"/>
-              <a:t>.</a:t>
+              <a:t>http://www.raspbian.org-- OS for raspberry pi.</a:t>
             </a:r>
           </a:p>
           <a:p>
@@ -5559,11 +5704,7 @@
             </a:pPr>
             <a:r>
               <a:rPr lang="en-US" sz="1600" dirty="0" smtClean="0"/>
-              <a:t>http://</a:t>
-            </a:r>
-            <a:r>
-              <a:rPr lang="en-US" sz="1600" dirty="0" smtClean="0"/>
-              <a:t>developer.android.com/reference/android/content/BroadcastReceiver.html</a:t>
+              <a:t>http://developer.android.com/reference/android/content/BroadcastReceiver.html</a:t>
             </a:r>
           </a:p>
           <a:p>
@@ -5625,8 +5766,8 @@
         </p:nvSpPr>
         <p:spPr bwMode="auto">
           <a:xfrm>
-            <a:off x="10018713" y="5522913"/>
-            <a:ext cx="7177087" cy="2842216"/>
+            <a:off x="10200234" y="11986626"/>
+            <a:ext cx="7177087" cy="2374395"/>
           </a:xfrm>
           <a:prstGeom prst="rect">
             <a:avLst/>
@@ -5638,14 +5779,14 @@
           <a:effectLst/>
           <a:extLst>
             <a:ext uri="{909E8E84-426E-40DD-AFC4-6F175D3DCCD1}">
-              <a14:hiddenFill xmlns="" xmlns:a14="http://schemas.microsoft.com/office/drawing/2010/main">
+              <a14:hiddenFill xmlns:a14="http://schemas.microsoft.com/office/drawing/2010/main">
                 <a:solidFill>
                   <a:schemeClr val="bg1"/>
                 </a:solidFill>
               </a14:hiddenFill>
             </a:ext>
             <a:ext uri="{91240B29-F687-4F45-9708-019B960494DF}">
-              <a14:hiddenLine xmlns="" xmlns:a14="http://schemas.microsoft.com/office/drawing/2010/main" w="57150" cmpd="thinThick">
+              <a14:hiddenLine xmlns:a14="http://schemas.microsoft.com/office/drawing/2010/main" w="57150" cmpd="thinThick">
                 <a:solidFill>
                   <a:schemeClr val="tx1"/>
                 </a:solidFill>
@@ -5655,7 +5796,7 @@
               </a14:hiddenLine>
             </a:ext>
             <a:ext uri="{AF507438-7753-43E0-B8FC-AC1667EBCBE1}">
-              <a14:hiddenEffects xmlns="" xmlns:a14="http://schemas.microsoft.com/office/drawing/2010/main">
+              <a14:hiddenEffects xmlns:a14="http://schemas.microsoft.com/office/drawing/2010/main">
                 <a:effectLst>
                   <a:outerShdw dist="35921" dir="2700000" algn="ctr" rotWithShape="0">
                     <a:schemeClr val="bg2"/>
@@ -5768,77 +5909,28 @@
             </a:lvl9pPr>
           </a:lstStyle>
           <a:p>
-            <a:pPr algn="just" eaLnBrk="0" hangingPunct="0">
+            <a:pPr marL="285750" indent="-285750" algn="just" eaLnBrk="0" hangingPunct="0">
               <a:lnSpc>
                 <a:spcPct val="95000"/>
               </a:lnSpc>
+              <a:buFont typeface="Wingdings" panose="05000000000000000000" pitchFamily="2" charset="2"/>
+              <a:buChar char="Ø"/>
             </a:pPr>
             <a:r>
               <a:rPr lang="en-US" sz="1600" dirty="0" smtClean="0">
                 <a:latin typeface="Times New Roman" pitchFamily="18" charset="0"/>
                 <a:cs typeface="Times New Roman" pitchFamily="18" charset="0"/>
               </a:rPr>
-              <a:t>The following section shows the experimental results achieved by implementing the proposed model. Whenever the customer’s </a:t>
-            </a:r>
-            <a:r>
-              <a:rPr lang="en-US" sz="1600" dirty="0" err="1" smtClean="0">
-                <a:latin typeface="Times New Roman" pitchFamily="18" charset="0"/>
-                <a:cs typeface="Times New Roman" pitchFamily="18" charset="0"/>
-              </a:rPr>
-              <a:t>smartphone</a:t>
-            </a:r>
-            <a:r>
-              <a:rPr lang="en-US" sz="1600" dirty="0" smtClean="0">
-                <a:latin typeface="Times New Roman" pitchFamily="18" charset="0"/>
-                <a:cs typeface="Times New Roman" pitchFamily="18" charset="0"/>
-              </a:rPr>
-              <a:t> comes into the Wi-Fi range of the shop the customer gets a notification on his </a:t>
-            </a:r>
-            <a:r>
-              <a:rPr lang="en-US" sz="1600" dirty="0" err="1" smtClean="0">
-                <a:latin typeface="Times New Roman" pitchFamily="18" charset="0"/>
-                <a:cs typeface="Times New Roman" pitchFamily="18" charset="0"/>
-              </a:rPr>
-              <a:t>smartphone</a:t>
-            </a:r>
-            <a:r>
-              <a:rPr lang="en-US" sz="1600" dirty="0" smtClean="0">
-                <a:latin typeface="Times New Roman" pitchFamily="18" charset="0"/>
-                <a:cs typeface="Times New Roman" pitchFamily="18" charset="0"/>
-              </a:rPr>
-              <a:t> when the app is off. The following figure 2 shows the notification got on the customers </a:t>
-            </a:r>
-            <a:r>
-              <a:rPr lang="en-US" sz="1600" dirty="0" err="1" smtClean="0">
-                <a:latin typeface="Times New Roman" pitchFamily="18" charset="0"/>
-                <a:cs typeface="Times New Roman" pitchFamily="18" charset="0"/>
-              </a:rPr>
-              <a:t>smartphone</a:t>
-            </a:r>
-            <a:r>
-              <a:rPr lang="en-US" sz="1600" dirty="0" smtClean="0">
-                <a:latin typeface="Times New Roman" pitchFamily="18" charset="0"/>
-                <a:cs typeface="Times New Roman" pitchFamily="18" charset="0"/>
-              </a:rPr>
-              <a:t>.</a:t>
-            </a:r>
-          </a:p>
-          <a:p>
-            <a:pPr algn="just" eaLnBrk="0" hangingPunct="0">
+              <a:t> Whenever the customer’s smartphone comes into the Wi-Fi range of the shop the customer gets a notification on his smartphone when the app is off. The following figure 2 shows the notification got on the customers smartphone.</a:t>
+            </a:r>
+          </a:p>
+          <a:p>
+            <a:pPr marL="285750" indent="-285750" algn="just" eaLnBrk="0" hangingPunct="0">
               <a:lnSpc>
                 <a:spcPct val="95000"/>
               </a:lnSpc>
-            </a:pPr>
-            <a:endParaRPr lang="en-US" sz="1600" dirty="0" smtClean="0">
-              <a:latin typeface="Times New Roman" pitchFamily="18" charset="0"/>
-              <a:cs typeface="Times New Roman" pitchFamily="18" charset="0"/>
-            </a:endParaRPr>
-          </a:p>
-          <a:p>
-            <a:pPr algn="just" eaLnBrk="0" hangingPunct="0">
-              <a:lnSpc>
-                <a:spcPct val="95000"/>
-              </a:lnSpc>
+              <a:buFont typeface="Wingdings" panose="05000000000000000000" pitchFamily="2" charset="2"/>
+              <a:buChar char="Ø"/>
             </a:pPr>
             <a:r>
               <a:rPr lang="en-US" sz="1600" dirty="0" smtClean="0">
@@ -5891,8 +5983,8 @@
         </p:nvSpPr>
         <p:spPr bwMode="auto">
           <a:xfrm>
-            <a:off x="10004425" y="18019713"/>
-            <a:ext cx="7262813" cy="2165877"/>
+            <a:off x="10200234" y="19457158"/>
+            <a:ext cx="7262813" cy="1919655"/>
           </a:xfrm>
           <a:prstGeom prst="rect">
             <a:avLst/>
@@ -5904,14 +5996,14 @@
           <a:effectLst/>
           <a:extLst>
             <a:ext uri="{909E8E84-426E-40DD-AFC4-6F175D3DCCD1}">
-              <a14:hiddenFill xmlns="" xmlns:a14="http://schemas.microsoft.com/office/drawing/2010/main">
+              <a14:hiddenFill xmlns:a14="http://schemas.microsoft.com/office/drawing/2010/main">
                 <a:solidFill>
                   <a:schemeClr val="bg1"/>
                 </a:solidFill>
               </a14:hiddenFill>
             </a:ext>
             <a:ext uri="{91240B29-F687-4F45-9708-019B960494DF}">
-              <a14:hiddenLine xmlns="" xmlns:a14="http://schemas.microsoft.com/office/drawing/2010/main" w="57150" cmpd="thinThick">
+              <a14:hiddenLine xmlns:a14="http://schemas.microsoft.com/office/drawing/2010/main" w="57150" cmpd="thinThick">
                 <a:solidFill>
                   <a:schemeClr val="tx1"/>
                 </a:solidFill>
@@ -5921,7 +6013,7 @@
               </a14:hiddenLine>
             </a:ext>
             <a:ext uri="{AF507438-7753-43E0-B8FC-AC1667EBCBE1}">
-              <a14:hiddenEffects xmlns="" xmlns:a14="http://schemas.microsoft.com/office/drawing/2010/main">
+              <a14:hiddenEffects xmlns:a14="http://schemas.microsoft.com/office/drawing/2010/main">
                 <a:effectLst>
                   <a:outerShdw dist="35921" dir="2700000" algn="ctr" rotWithShape="0">
                     <a:schemeClr val="bg2"/>
@@ -6034,34 +6126,46 @@
             </a:lvl9pPr>
           </a:lstStyle>
           <a:p>
+            <a:pPr marL="285750" indent="-285750" algn="just">
+              <a:buFont typeface="Wingdings" panose="05000000000000000000" pitchFamily="2" charset="2"/>
+              <a:buChar char="Ø"/>
+            </a:pPr>
             <a:r>
               <a:rPr lang="en-US" sz="1600" dirty="0" smtClean="0">
                 <a:latin typeface="Times New Roman" pitchFamily="18" charset="0"/>
                 <a:cs typeface="Times New Roman" pitchFamily="18" charset="0"/>
               </a:rPr>
-              <a:t>The proposed advertising model has been designed for immediate notification of offers to the customers through   Wi-Fi connection. This model helps in providing a very efficient and effective advertising platform. It overcomes disadvantages of the traditional advertising platform.</a:t>
-            </a:r>
-          </a:p>
-          <a:p>
+              <a:t>The proposed advertising model has been designed for immediate notification of offers to the customers through   Wi-Fi connection.</a:t>
+            </a:r>
+          </a:p>
+          <a:p>
+            <a:pPr marL="285750" indent="-285750" algn="just">
+              <a:buFont typeface="Wingdings" panose="05000000000000000000" pitchFamily="2" charset="2"/>
+              <a:buChar char="Ø"/>
+            </a:pPr>
             <a:r>
               <a:rPr lang="en-US" sz="1600" dirty="0" smtClean="0">
                 <a:latin typeface="Times New Roman" pitchFamily="18" charset="0"/>
                 <a:cs typeface="Times New Roman" pitchFamily="18" charset="0"/>
               </a:rPr>
-              <a:t> </a:t>
-            </a:r>
-          </a:p>
-          <a:p>
+              <a:t> This model helps in providing a very efficient and effective advertising platform. It overcomes disadvantages of the traditional advertising platform.</a:t>
+            </a:r>
+          </a:p>
+          <a:p>
+            <a:pPr marL="285750" indent="-285750" algn="just">
+              <a:buFont typeface="Wingdings" panose="05000000000000000000" pitchFamily="2" charset="2"/>
+              <a:buChar char="Ø"/>
+            </a:pPr>
             <a:r>
               <a:rPr lang="en-US" sz="1600" dirty="0" smtClean="0">
                 <a:latin typeface="Times New Roman" pitchFamily="18" charset="0"/>
                 <a:cs typeface="Times New Roman" pitchFamily="18" charset="0"/>
               </a:rPr>
-              <a:t>One of the biggest concerns of advertising is the cost, this proposed model is very cost effective and also the usage of the neither internet nor GPS is not necessary. Only the Wi-Fi connectivity is sufficient.</a:t>
-            </a:r>
-          </a:p>
-          <a:p>
-            <a:pPr eaLnBrk="0" hangingPunct="0">
+              <a:t> One of the biggest concerns of advertising is the cost, this proposed model is very cost effective and also the usage of the neither internet nor GPS is not necessary. Only the Wi-Fi connectivity is sufficient.</a:t>
+            </a:r>
+          </a:p>
+          <a:p>
+            <a:pPr algn="just" eaLnBrk="0" hangingPunct="0">
               <a:lnSpc>
                 <a:spcPct val="95000"/>
               </a:lnSpc>
@@ -6095,14 +6199,14 @@
           <a:effectLst/>
           <a:extLst>
             <a:ext uri="{909E8E84-426E-40DD-AFC4-6F175D3DCCD1}">
-              <a14:hiddenFill xmlns="" xmlns:a14="http://schemas.microsoft.com/office/drawing/2010/main">
+              <a14:hiddenFill xmlns:a14="http://schemas.microsoft.com/office/drawing/2010/main">
                 <a:solidFill>
                   <a:schemeClr val="accent1"/>
                 </a:solidFill>
               </a14:hiddenFill>
             </a:ext>
             <a:ext uri="{91240B29-F687-4F45-9708-019B960494DF}">
-              <a14:hiddenLine xmlns="" xmlns:a14="http://schemas.microsoft.com/office/drawing/2010/main" w="9525">
+              <a14:hiddenLine xmlns:a14="http://schemas.microsoft.com/office/drawing/2010/main" w="9525">
                 <a:solidFill>
                   <a:schemeClr val="tx1"/>
                 </a:solidFill>
@@ -6112,7 +6216,7 @@
               </a14:hiddenLine>
             </a:ext>
             <a:ext uri="{AF507438-7753-43E0-B8FC-AC1667EBCBE1}">
-              <a14:hiddenEffects xmlns="" xmlns:a14="http://schemas.microsoft.com/office/drawing/2010/main">
+              <a14:hiddenEffects xmlns:a14="http://schemas.microsoft.com/office/drawing/2010/main">
                 <a:effectLst>
                   <a:outerShdw dist="35921" dir="2700000" algn="ctr" rotWithShape="0">
                     <a:schemeClr val="bg2"/>
@@ -6248,8 +6352,8 @@
         </p:nvSpPr>
         <p:spPr bwMode="auto">
           <a:xfrm>
-            <a:off x="11890375" y="4492625"/>
-            <a:ext cx="3686175" cy="796925"/>
+            <a:off x="12045239" y="11093080"/>
+            <a:ext cx="3686175" cy="668311"/>
           </a:xfrm>
           <a:prstGeom prst="rect">
             <a:avLst/>
@@ -6261,14 +6365,14 @@
           <a:effectLst/>
           <a:extLst>
             <a:ext uri="{909E8E84-426E-40DD-AFC4-6F175D3DCCD1}">
-              <a14:hiddenFill xmlns="" xmlns:a14="http://schemas.microsoft.com/office/drawing/2010/main">
+              <a14:hiddenFill xmlns:a14="http://schemas.microsoft.com/office/drawing/2010/main">
                 <a:solidFill>
                   <a:schemeClr val="accent1"/>
                 </a:solidFill>
               </a14:hiddenFill>
             </a:ext>
             <a:ext uri="{91240B29-F687-4F45-9708-019B960494DF}">
-              <a14:hiddenLine xmlns="" xmlns:a14="http://schemas.microsoft.com/office/drawing/2010/main" w="9525">
+              <a14:hiddenLine xmlns:a14="http://schemas.microsoft.com/office/drawing/2010/main" w="9525">
                 <a:solidFill>
                   <a:schemeClr val="tx1"/>
                 </a:solidFill>
@@ -6278,7 +6382,7 @@
               </a14:hiddenLine>
             </a:ext>
             <a:ext uri="{AF507438-7753-43E0-B8FC-AC1667EBCBE1}">
-              <a14:hiddenEffects xmlns="" xmlns:a14="http://schemas.microsoft.com/office/drawing/2010/main">
+              <a14:hiddenEffects xmlns:a14="http://schemas.microsoft.com/office/drawing/2010/main">
                 <a:effectLst>
                   <a:outerShdw dist="35921" dir="2700000" algn="ctr" rotWithShape="0">
                     <a:schemeClr val="bg2"/>
@@ -6397,7 +6501,10 @@
               </a:spcBef>
             </a:pPr>
             <a:r>
-              <a:rPr lang="en-US" altLang="en-US" b="1"/>
+              <a:rPr lang="en-US" altLang="en-US" sz="4000" b="1" dirty="0">
+                <a:latin typeface="Times New Roman" panose="02020603050405020304" pitchFamily="18" charset="0"/>
+                <a:cs typeface="Times New Roman" panose="02020603050405020304" pitchFamily="18" charset="0"/>
+              </a:rPr>
               <a:t>Results</a:t>
             </a:r>
           </a:p>
@@ -6426,14 +6533,14 @@
           <a:effectLst/>
           <a:extLst>
             <a:ext uri="{909E8E84-426E-40DD-AFC4-6F175D3DCCD1}">
-              <a14:hiddenFill xmlns="" xmlns:a14="http://schemas.microsoft.com/office/drawing/2010/main">
+              <a14:hiddenFill xmlns:a14="http://schemas.microsoft.com/office/drawing/2010/main">
                 <a:solidFill>
                   <a:schemeClr val="accent1"/>
                 </a:solidFill>
               </a14:hiddenFill>
             </a:ext>
             <a:ext uri="{91240B29-F687-4F45-9708-019B960494DF}">
-              <a14:hiddenLine xmlns="" xmlns:a14="http://schemas.microsoft.com/office/drawing/2010/main" w="9525">
+              <a14:hiddenLine xmlns:a14="http://schemas.microsoft.com/office/drawing/2010/main" w="9525">
                 <a:solidFill>
                   <a:schemeClr val="tx1"/>
                 </a:solidFill>
@@ -6443,7 +6550,7 @@
               </a14:hiddenLine>
             </a:ext>
             <a:ext uri="{AF507438-7753-43E0-B8FC-AC1667EBCBE1}">
-              <a14:hiddenEffects xmlns="" xmlns:a14="http://schemas.microsoft.com/office/drawing/2010/main">
+              <a14:hiddenEffects xmlns:a14="http://schemas.microsoft.com/office/drawing/2010/main">
                 <a:effectLst>
                   <a:outerShdw dist="35921" dir="2700000" algn="ctr" rotWithShape="0">
                     <a:schemeClr val="bg2"/>
@@ -6588,7 +6695,7 @@
         </p:nvSpPr>
         <p:spPr>
           <a:xfrm flipH="1">
-            <a:off x="2327275" y="8742637"/>
+            <a:off x="2327275" y="8619120"/>
             <a:ext cx="3923966" cy="846386"/>
           </a:xfrm>
           <a:prstGeom prst="rect">
@@ -6618,8 +6725,8 @@
         </p:nvSpPr>
         <p:spPr>
           <a:xfrm>
-            <a:off x="967539" y="9806510"/>
-            <a:ext cx="7248525" cy="4031873"/>
+            <a:off x="1020762" y="9316585"/>
+            <a:ext cx="7248525" cy="3293209"/>
           </a:xfrm>
           <a:prstGeom prst="rect">
             <a:avLst/>
@@ -6632,13 +6739,54 @@
           </a:bodyPr>
           <a:lstStyle/>
           <a:p>
-            <a:pPr algn="just"/>
+            <a:pPr marL="285750" indent="-285750" algn="just">
+              <a:buFont typeface="Wingdings" panose="05000000000000000000" pitchFamily="2" charset="2"/>
+              <a:buChar char="Ø"/>
+            </a:pPr>
             <a:r>
               <a:rPr lang="en-US" sz="1600" dirty="0">
                 <a:latin typeface="Times New Roman" panose="02020603050405020304" pitchFamily="18" charset="0"/>
                 <a:cs typeface="Times New Roman" panose="02020603050405020304" pitchFamily="18" charset="0"/>
               </a:rPr>
-              <a:t>Advertising is a means by which communication with the users of a product or service occurs. Advertising is always present, though people may not be aware of it. In present world, using every possible media advertising get’s its message through. It may do this via television, print (newspapers, magazines, journals </a:t>
+              <a:t>Advertising is a means by which communication with the users of a product or service occurs. Advertising is always present</a:t>
+            </a:r>
+            <a:r>
+              <a:rPr lang="en-US" sz="1600" dirty="0" smtClean="0">
+                <a:latin typeface="Times New Roman" panose="02020603050405020304" pitchFamily="18" charset="0"/>
+                <a:cs typeface="Times New Roman" panose="02020603050405020304" pitchFamily="18" charset="0"/>
+              </a:rPr>
+              <a:t>, even </a:t>
+            </a:r>
+            <a:r>
+              <a:rPr lang="en-US" sz="1600" dirty="0">
+                <a:latin typeface="Times New Roman" panose="02020603050405020304" pitchFamily="18" charset="0"/>
+                <a:cs typeface="Times New Roman" panose="02020603050405020304" pitchFamily="18" charset="0"/>
+              </a:rPr>
+              <a:t>though people may not be aware of it. </a:t>
+            </a:r>
+            <a:endParaRPr lang="en-US" sz="1600" dirty="0" smtClean="0">
+              <a:latin typeface="Times New Roman" panose="02020603050405020304" pitchFamily="18" charset="0"/>
+              <a:cs typeface="Times New Roman" panose="02020603050405020304" pitchFamily="18" charset="0"/>
+            </a:endParaRPr>
+          </a:p>
+          <a:p>
+            <a:pPr marL="285750" indent="-285750" algn="just">
+              <a:buFont typeface="Wingdings" panose="05000000000000000000" pitchFamily="2" charset="2"/>
+              <a:buChar char="Ø"/>
+            </a:pPr>
+            <a:r>
+              <a:rPr lang="en-US" sz="1600" dirty="0" smtClean="0">
+                <a:latin typeface="Times New Roman" panose="02020603050405020304" pitchFamily="18" charset="0"/>
+                <a:cs typeface="Times New Roman" panose="02020603050405020304" pitchFamily="18" charset="0"/>
+              </a:rPr>
+              <a:t>In </a:t>
+            </a:r>
+            <a:r>
+              <a:rPr lang="en-US" sz="1600" dirty="0">
+                <a:latin typeface="Times New Roman" panose="02020603050405020304" pitchFamily="18" charset="0"/>
+                <a:cs typeface="Times New Roman" panose="02020603050405020304" pitchFamily="18" charset="0"/>
+              </a:rPr>
+              <a:t>present world, using every possible media advertising get’s its message through. It may do this via television, print (newspapers, magazines, journals </a:t>
             </a:r>
             <a:r>
               <a:rPr lang="en-US" sz="1600" dirty="0" err="1">
@@ -6652,7 +6800,61 @@
                 <a:latin typeface="Times New Roman" panose="02020603050405020304" pitchFamily="18" charset="0"/>
                 <a:cs typeface="Times New Roman" panose="02020603050405020304" pitchFamily="18" charset="0"/>
               </a:rPr>
-              <a:t>), radio, press, internet, events, direct selling, hoardings, posters, mailers, contests, clothes, sounds, visuals sponsorships, and even people (endorsements). However today’s advertising platforms are relatively expensive in terms of creative, production and airtime costs making it difficult for targeting your market. A professional has to be hired to design an efficient, well-crafted and effective script.</a:t>
+              <a:t>), radio, press, internet, events, direct selling, hoardings, posters, mailers, contests, clothes, sounds, visuals sponsorships, and even people (endorsements</a:t>
+            </a:r>
+            <a:r>
+              <a:rPr lang="en-US" sz="1600" dirty="0" smtClean="0">
+                <a:latin typeface="Times New Roman" panose="02020603050405020304" pitchFamily="18" charset="0"/>
+                <a:cs typeface="Times New Roman" panose="02020603050405020304" pitchFamily="18" charset="0"/>
+              </a:rPr>
+              <a:t>).</a:t>
+            </a:r>
+          </a:p>
+          <a:p>
+            <a:pPr marL="285750" indent="-285750" algn="just">
+              <a:buFont typeface="Wingdings" panose="05000000000000000000" pitchFamily="2" charset="2"/>
+              <a:buChar char="Ø"/>
+            </a:pPr>
+            <a:r>
+              <a:rPr lang="en-US" sz="1600" dirty="0" smtClean="0">
+                <a:latin typeface="Times New Roman" panose="02020603050405020304" pitchFamily="18" charset="0"/>
+                <a:cs typeface="Times New Roman" panose="02020603050405020304" pitchFamily="18" charset="0"/>
+              </a:rPr>
+              <a:t> </a:t>
+            </a:r>
+            <a:r>
+              <a:rPr lang="en-US" sz="1600" dirty="0">
+                <a:latin typeface="Times New Roman" panose="02020603050405020304" pitchFamily="18" charset="0"/>
+                <a:cs typeface="Times New Roman" panose="02020603050405020304" pitchFamily="18" charset="0"/>
+              </a:rPr>
+              <a:t>However today’s advertising platforms are relatively expensive in terms of creative, production and airtime costs making it difficult for targeting your market</a:t>
+            </a:r>
+            <a:r>
+              <a:rPr lang="en-US" sz="1600" dirty="0" smtClean="0">
+                <a:latin typeface="Times New Roman" panose="02020603050405020304" pitchFamily="18" charset="0"/>
+                <a:cs typeface="Times New Roman" panose="02020603050405020304" pitchFamily="18" charset="0"/>
+              </a:rPr>
+              <a:t>.</a:t>
+            </a:r>
+          </a:p>
+          <a:p>
+            <a:pPr marL="285750" indent="-285750" algn="just">
+              <a:buFont typeface="Wingdings" panose="05000000000000000000" pitchFamily="2" charset="2"/>
+              <a:buChar char="Ø"/>
+            </a:pPr>
+            <a:r>
+              <a:rPr lang="en-US" sz="1600" dirty="0" smtClean="0">
+                <a:latin typeface="Times New Roman" panose="02020603050405020304" pitchFamily="18" charset="0"/>
+                <a:cs typeface="Times New Roman" panose="02020603050405020304" pitchFamily="18" charset="0"/>
+              </a:rPr>
+              <a:t>Our </a:t>
+            </a:r>
+            <a:r>
+              <a:rPr lang="en-US" sz="1600" dirty="0">
+                <a:latin typeface="Times New Roman" panose="02020603050405020304" pitchFamily="18" charset="0"/>
+                <a:cs typeface="Times New Roman" panose="02020603050405020304" pitchFamily="18" charset="0"/>
+              </a:rPr>
+              <a:t>proposed idea helps in making the advertising more efficient and cost effective. This helps in the targeted marketing strategy.</a:t>
             </a:r>
             <a:endParaRPr lang="en-IN" sz="1600" dirty="0">
               <a:latin typeface="Times New Roman" panose="02020603050405020304" pitchFamily="18" charset="0"/>
@@ -6660,34 +6862,38 @@
             </a:endParaRPr>
           </a:p>
           <a:p>
-            <a:pPr algn="just"/>
+            <a:pPr marL="285750" indent="-285750" algn="just">
+              <a:buFont typeface="Wingdings" panose="05000000000000000000" pitchFamily="2" charset="2"/>
+              <a:buChar char="Ø"/>
+            </a:pPr>
             <a:r>
               <a:rPr lang="en-US" sz="1600" dirty="0">
                 <a:latin typeface="Times New Roman" panose="02020603050405020304" pitchFamily="18" charset="0"/>
                 <a:cs typeface="Times New Roman" panose="02020603050405020304" pitchFamily="18" charset="0"/>
               </a:rPr>
-              <a:t>Our proposed idea helps in making the advertising more efficient and cost effective. This helps in the targeted marketing strategy.</a:t>
-            </a:r>
-            <a:endParaRPr lang="en-IN" sz="1600" dirty="0">
-              <a:latin typeface="Times New Roman" panose="02020603050405020304" pitchFamily="18" charset="0"/>
-              <a:cs typeface="Times New Roman" panose="02020603050405020304" pitchFamily="18" charset="0"/>
-            </a:endParaRPr>
-          </a:p>
-          <a:p>
-            <a:pPr algn="just"/>
+              <a:t>This </a:t>
+            </a:r>
+            <a:r>
+              <a:rPr lang="en-US" sz="1600" dirty="0" smtClean="0">
+                <a:latin typeface="Times New Roman" panose="02020603050405020304" pitchFamily="18" charset="0"/>
+                <a:cs typeface="Times New Roman" panose="02020603050405020304" pitchFamily="18" charset="0"/>
+              </a:rPr>
+              <a:t>model </a:t>
+            </a:r>
             <a:r>
               <a:rPr lang="en-US" sz="1600" dirty="0">
                 <a:latin typeface="Times New Roman" panose="02020603050405020304" pitchFamily="18" charset="0"/>
                 <a:cs typeface="Times New Roman" panose="02020603050405020304" pitchFamily="18" charset="0"/>
               </a:rPr>
-              <a:t>This paper describes how this proposed idea is more effective than the traditional advertising methods. The following section describes the requirements needed for the proposed idea and design of the proposed model. This is followed by the implementation of the model and the experimental results of the model.</a:t>
-            </a:r>
-            <a:endParaRPr lang="en-IN" sz="1600" dirty="0">
-              <a:latin typeface="Times New Roman" panose="02020603050405020304" pitchFamily="18" charset="0"/>
-              <a:cs typeface="Times New Roman" panose="02020603050405020304" pitchFamily="18" charset="0"/>
-            </a:endParaRPr>
-          </a:p>
-          <a:p>
+              <a:t>describes how this proposed idea is more effective than the traditional advertising </a:t>
+            </a:r>
+            <a:r>
+              <a:rPr lang="en-US" sz="1600" dirty="0" smtClean="0">
+                <a:latin typeface="Times New Roman" panose="02020603050405020304" pitchFamily="18" charset="0"/>
+                <a:cs typeface="Times New Roman" panose="02020603050405020304" pitchFamily="18" charset="0"/>
+              </a:rPr>
+              <a:t>methods</a:t>
+            </a:r>
             <a:endParaRPr lang="en-IN" sz="1600" dirty="0">
               <a:latin typeface="Times New Roman" panose="02020603050405020304" pitchFamily="18" charset="0"/>
               <a:cs typeface="Times New Roman" panose="02020603050405020304" pitchFamily="18" charset="0"/>
@@ -6711,8 +6917,8 @@
         </p:blipFill>
         <p:spPr>
           <a:xfrm>
-            <a:off x="1418897" y="16450661"/>
-            <a:ext cx="6416565" cy="3382360"/>
+            <a:off x="1608079" y="14717312"/>
+            <a:ext cx="6416565" cy="4352380"/>
           </a:xfrm>
           <a:prstGeom prst="rect">
             <a:avLst/>
@@ -6736,7 +6942,7 @@
         </p:blipFill>
         <p:spPr bwMode="auto">
           <a:xfrm>
-            <a:off x="10515598" y="8087711"/>
+            <a:off x="10531749" y="13959929"/>
             <a:ext cx="3026981" cy="4114799"/>
           </a:xfrm>
           <a:prstGeom prst="rect">
@@ -6768,7 +6974,7 @@
         </p:blipFill>
         <p:spPr bwMode="auto">
           <a:xfrm>
-            <a:off x="14425447" y="8052849"/>
+            <a:off x="14452227" y="13959929"/>
             <a:ext cx="2837793" cy="4102364"/>
           </a:xfrm>
           <a:prstGeom prst="rect">
@@ -6783,6 +6989,783 @@
           </a:ln>
         </p:spPr>
       </p:pic>
+      <p:sp>
+        <p:nvSpPr>
+          <p:cNvPr id="4" name="TextBox 3"/>
+          <p:cNvSpPr txBox="1"/>
+          <p:nvPr/>
+        </p:nvSpPr>
+        <p:spPr>
+          <a:xfrm>
+            <a:off x="1358175" y="23640738"/>
+            <a:ext cx="5862165" cy="846386"/>
+          </a:xfrm>
+          <a:prstGeom prst="rect">
+            <a:avLst/>
+          </a:prstGeom>
+          <a:noFill/>
+        </p:spPr>
+        <p:txBody>
+          <a:bodyPr wrap="square" rtlCol="0">
+            <a:spAutoFit/>
+          </a:bodyPr>
+          <a:lstStyle/>
+          <a:p>
+            <a:r>
+              <a:rPr lang="en-IN" b="1" dirty="0" smtClean="0"/>
+              <a:t>Implementation</a:t>
+            </a:r>
+            <a:endParaRPr lang="en-IN" b="1" dirty="0"/>
+          </a:p>
+        </p:txBody>
+      </p:sp>
+      <p:sp>
+        <p:nvSpPr>
+          <p:cNvPr id="5" name="TextBox 4"/>
+          <p:cNvSpPr txBox="1"/>
+          <p:nvPr/>
+        </p:nvSpPr>
+        <p:spPr>
+          <a:xfrm>
+            <a:off x="917575" y="24740042"/>
+            <a:ext cx="7170535" cy="2062103"/>
+          </a:xfrm>
+          <a:prstGeom prst="rect">
+            <a:avLst/>
+          </a:prstGeom>
+          <a:noFill/>
+        </p:spPr>
+        <p:txBody>
+          <a:bodyPr wrap="square" rtlCol="0">
+            <a:spAutoFit/>
+          </a:bodyPr>
+          <a:lstStyle/>
+          <a:p>
+            <a:pPr marL="285750" indent="-285750" algn="just">
+              <a:buFont typeface="Wingdings" panose="05000000000000000000" pitchFamily="2" charset="2"/>
+              <a:buChar char="Ø"/>
+            </a:pPr>
+            <a:r>
+              <a:rPr lang="en-US" sz="1600" dirty="0"/>
+              <a:t>An android app is created and is to be installed by the customer in his smartphone to get the notification about the offers</a:t>
+            </a:r>
+            <a:r>
+              <a:rPr lang="en-US" sz="1600" dirty="0" smtClean="0"/>
+              <a:t>.</a:t>
+            </a:r>
+          </a:p>
+          <a:p>
+            <a:pPr marL="285750" indent="-285750" algn="just">
+              <a:buFont typeface="Wingdings" panose="05000000000000000000" pitchFamily="2" charset="2"/>
+              <a:buChar char="Ø"/>
+            </a:pPr>
+            <a:r>
+              <a:rPr lang="en-US" sz="1600" dirty="0"/>
+              <a:t>The data (offers) in the raspberry pi is broadcasted through the Wi-Fi module. In the android phone a </a:t>
+            </a:r>
+            <a:r>
+              <a:rPr lang="en-US" sz="1600" dirty="0" err="1"/>
+              <a:t>BroadcastReceiver</a:t>
+            </a:r>
+            <a:r>
+              <a:rPr lang="en-US" sz="1600" dirty="0"/>
+              <a:t>[8] is used to check the Wi-Fi state. </a:t>
+            </a:r>
+            <a:endParaRPr lang="en-US" sz="1600" dirty="0" smtClean="0"/>
+          </a:p>
+          <a:p>
+            <a:pPr marL="285750" indent="-285750" algn="just">
+              <a:buFont typeface="Wingdings" panose="05000000000000000000" pitchFamily="2" charset="2"/>
+              <a:buChar char="Ø"/>
+            </a:pPr>
+            <a:r>
+              <a:rPr lang="en-US" sz="1600" dirty="0"/>
+              <a:t> Whenever a Wi-Fi connection is detected, a service is made to run on the background to pick up the data from the raspberry pi. This data is in the form of JSONs.</a:t>
+            </a:r>
+            <a:endParaRPr lang="en-IN" sz="1600" dirty="0"/>
+          </a:p>
+        </p:txBody>
+      </p:sp>
+      <p:sp>
+        <p:nvSpPr>
+          <p:cNvPr id="6" name="TextBox 5"/>
+          <p:cNvSpPr txBox="1"/>
+          <p:nvPr/>
+        </p:nvSpPr>
+        <p:spPr>
+          <a:xfrm>
+            <a:off x="9807340" y="4828233"/>
+            <a:ext cx="7251935" cy="6740307"/>
+          </a:xfrm>
+          <a:prstGeom prst="rect">
+            <a:avLst/>
+          </a:prstGeom>
+          <a:noFill/>
+        </p:spPr>
+        <p:txBody>
+          <a:bodyPr wrap="square" rtlCol="0">
+            <a:spAutoFit/>
+          </a:bodyPr>
+          <a:lstStyle/>
+          <a:p>
+            <a:pPr marL="285750" indent="-285750" algn="just">
+              <a:buFont typeface="Wingdings" panose="05000000000000000000" pitchFamily="2" charset="2"/>
+              <a:buChar char="Ø"/>
+            </a:pPr>
+            <a:r>
+              <a:rPr lang="en-US" sz="1600" dirty="0">
+                <a:latin typeface="Times New Roman" panose="02020603050405020304" pitchFamily="18" charset="0"/>
+                <a:cs typeface="Times New Roman" panose="02020603050405020304" pitchFamily="18" charset="0"/>
+              </a:rPr>
+              <a:t> The data got is populated into Recycler Views [5] in android with custom adapters and getters and setters. </a:t>
+            </a:r>
+            <a:endParaRPr lang="en-US" sz="1600" dirty="0" smtClean="0">
+              <a:latin typeface="Times New Roman" panose="02020603050405020304" pitchFamily="18" charset="0"/>
+              <a:cs typeface="Times New Roman" panose="02020603050405020304" pitchFamily="18" charset="0"/>
+            </a:endParaRPr>
+          </a:p>
+          <a:p>
+            <a:pPr marL="285750" indent="-285750" algn="just">
+              <a:buFont typeface="Wingdings" panose="05000000000000000000" pitchFamily="2" charset="2"/>
+              <a:buChar char="Ø"/>
+            </a:pPr>
+            <a:r>
+              <a:rPr lang="en-US" sz="1600" dirty="0" smtClean="0">
+                <a:latin typeface="Times New Roman" panose="02020603050405020304" pitchFamily="18" charset="0"/>
+                <a:cs typeface="Times New Roman" panose="02020603050405020304" pitchFamily="18" charset="0"/>
+              </a:rPr>
+              <a:t> </a:t>
+            </a:r>
+            <a:r>
+              <a:rPr lang="en-US" sz="1600" dirty="0" err="1">
+                <a:latin typeface="Times New Roman" panose="02020603050405020304" pitchFamily="18" charset="0"/>
+                <a:cs typeface="Times New Roman" panose="02020603050405020304" pitchFamily="18" charset="0"/>
+              </a:rPr>
+              <a:t>RecyclerView</a:t>
+            </a:r>
+            <a:r>
+              <a:rPr lang="en-US" sz="1600" dirty="0">
+                <a:latin typeface="Times New Roman" panose="02020603050405020304" pitchFamily="18" charset="0"/>
+                <a:cs typeface="Times New Roman" panose="02020603050405020304" pitchFamily="18" charset="0"/>
+              </a:rPr>
+              <a:t> is an Android widget that displays a collection of items in a list or a grid, enabling the user to scroll through the collection</a:t>
+            </a:r>
+            <a:r>
+              <a:rPr lang="en-US" sz="1600" dirty="0" smtClean="0">
+                <a:latin typeface="Times New Roman" panose="02020603050405020304" pitchFamily="18" charset="0"/>
+                <a:cs typeface="Times New Roman" panose="02020603050405020304" pitchFamily="18" charset="0"/>
+              </a:rPr>
+              <a:t>.</a:t>
+            </a:r>
+          </a:p>
+          <a:p>
+            <a:pPr marL="285750" indent="-285750" algn="just">
+              <a:buFont typeface="Wingdings" panose="05000000000000000000" pitchFamily="2" charset="2"/>
+              <a:buChar char="Ø"/>
+            </a:pPr>
+            <a:r>
+              <a:rPr lang="en-US" sz="1600" dirty="0">
+                <a:latin typeface="Times New Roman" panose="02020603050405020304" pitchFamily="18" charset="0"/>
+                <a:cs typeface="Times New Roman" panose="02020603050405020304" pitchFamily="18" charset="0"/>
+              </a:rPr>
+              <a:t>The shopkeeper has to upload the offers using the admin page or the dashboard in the raspberry pi. The raspberry pi contains a </a:t>
+            </a:r>
+            <a:r>
+              <a:rPr lang="en-US" sz="1600" dirty="0" err="1">
+                <a:latin typeface="Times New Roman" panose="02020603050405020304" pitchFamily="18" charset="0"/>
+                <a:cs typeface="Times New Roman" panose="02020603050405020304" pitchFamily="18" charset="0"/>
+              </a:rPr>
+              <a:t>sql</a:t>
+            </a:r>
+            <a:r>
+              <a:rPr lang="en-US" sz="1600" dirty="0">
+                <a:latin typeface="Times New Roman" panose="02020603050405020304" pitchFamily="18" charset="0"/>
+                <a:cs typeface="Times New Roman" panose="02020603050405020304" pitchFamily="18" charset="0"/>
+              </a:rPr>
+              <a:t> database where all the offers are stored. </a:t>
+            </a:r>
+            <a:endParaRPr lang="en-US" sz="1600" dirty="0" smtClean="0">
+              <a:latin typeface="Times New Roman" panose="02020603050405020304" pitchFamily="18" charset="0"/>
+              <a:cs typeface="Times New Roman" panose="02020603050405020304" pitchFamily="18" charset="0"/>
+            </a:endParaRPr>
+          </a:p>
+          <a:p>
+            <a:pPr marL="285750" indent="-285750" algn="just">
+              <a:buFont typeface="Wingdings" panose="05000000000000000000" pitchFamily="2" charset="2"/>
+              <a:buChar char="Ø"/>
+            </a:pPr>
+            <a:r>
+              <a:rPr lang="en-US" sz="1600" dirty="0">
+                <a:latin typeface="Times New Roman" panose="02020603050405020304" pitchFamily="18" charset="0"/>
+                <a:cs typeface="Times New Roman" panose="02020603050405020304" pitchFamily="18" charset="0"/>
+              </a:rPr>
+              <a:t> A Wi-Fi module connected to the raspberry pi is used to broadcast the offers to the customer’s smartphones</a:t>
+            </a:r>
+            <a:r>
+              <a:rPr lang="en-US" sz="1600" dirty="0" smtClean="0">
+                <a:latin typeface="Times New Roman" panose="02020603050405020304" pitchFamily="18" charset="0"/>
+                <a:cs typeface="Times New Roman" panose="02020603050405020304" pitchFamily="18" charset="0"/>
+              </a:rPr>
+              <a:t>.</a:t>
+            </a:r>
+          </a:p>
+          <a:p>
+            <a:pPr marL="285750" indent="-285750" algn="just">
+              <a:buFont typeface="Wingdings" panose="05000000000000000000" pitchFamily="2" charset="2"/>
+              <a:buChar char="Ø"/>
+            </a:pPr>
+            <a:r>
+              <a:rPr lang="en-US" sz="1600" dirty="0">
+                <a:latin typeface="Times New Roman" panose="02020603050405020304" pitchFamily="18" charset="0"/>
+                <a:cs typeface="Times New Roman" panose="02020603050405020304" pitchFamily="18" charset="0"/>
+              </a:rPr>
+              <a:t>Whenever the customers come into the Wi-Fi range of the shop the customer’s smartphones gets the notification of the offers</a:t>
+            </a:r>
+            <a:r>
+              <a:rPr lang="en-US" sz="1600" dirty="0" smtClean="0">
+                <a:latin typeface="Times New Roman" panose="02020603050405020304" pitchFamily="18" charset="0"/>
+                <a:cs typeface="Times New Roman" panose="02020603050405020304" pitchFamily="18" charset="0"/>
+              </a:rPr>
+              <a:t>.</a:t>
+            </a:r>
+          </a:p>
+          <a:p>
+            <a:pPr marL="285750" indent="-285750" algn="just">
+              <a:buFont typeface="Wingdings" panose="05000000000000000000" pitchFamily="2" charset="2"/>
+              <a:buChar char="Ø"/>
+            </a:pPr>
+            <a:r>
+              <a:rPr lang="en-US" sz="1600" dirty="0" smtClean="0">
+                <a:latin typeface="Times New Roman" panose="02020603050405020304" pitchFamily="18" charset="0"/>
+                <a:cs typeface="Times New Roman" panose="02020603050405020304" pitchFamily="18" charset="0"/>
+              </a:rPr>
+              <a:t>The following code describes the insertion into the database on the raspberry pi.</a:t>
+            </a:r>
+            <a:endParaRPr lang="en-US" sz="1600" dirty="0">
+              <a:latin typeface="Times New Roman" panose="02020603050405020304" pitchFamily="18" charset="0"/>
+              <a:cs typeface="Times New Roman" panose="02020603050405020304" pitchFamily="18" charset="0"/>
+            </a:endParaRPr>
+          </a:p>
+          <a:p>
+            <a:pPr algn="l"/>
+            <a:r>
+              <a:rPr lang="en-US" sz="1600" dirty="0">
+                <a:latin typeface="Times New Roman" panose="02020603050405020304" pitchFamily="18" charset="0"/>
+                <a:cs typeface="Times New Roman" panose="02020603050405020304" pitchFamily="18" charset="0"/>
+              </a:rPr>
+              <a:t>&lt;?</a:t>
+            </a:r>
+            <a:r>
+              <a:rPr lang="en-US" sz="1600" dirty="0" err="1" smtClean="0">
+                <a:latin typeface="Times New Roman" panose="02020603050405020304" pitchFamily="18" charset="0"/>
+                <a:cs typeface="Times New Roman" panose="02020603050405020304" pitchFamily="18" charset="0"/>
+              </a:rPr>
+              <a:t>php</a:t>
+            </a:r>
+            <a:endParaRPr lang="en-US" sz="1600" dirty="0" smtClean="0">
+              <a:latin typeface="Times New Roman" panose="02020603050405020304" pitchFamily="18" charset="0"/>
+              <a:cs typeface="Times New Roman" panose="02020603050405020304" pitchFamily="18" charset="0"/>
+            </a:endParaRPr>
+          </a:p>
+          <a:p>
+            <a:pPr algn="l"/>
+            <a:r>
+              <a:rPr lang="en-US" sz="1600" dirty="0" smtClean="0">
+                <a:latin typeface="Times New Roman" panose="02020603050405020304" pitchFamily="18" charset="0"/>
+                <a:cs typeface="Times New Roman" panose="02020603050405020304" pitchFamily="18" charset="0"/>
+              </a:rPr>
+              <a:t>$</a:t>
+            </a:r>
+            <a:r>
+              <a:rPr lang="en-US" sz="1600" dirty="0" err="1">
+                <a:latin typeface="Times New Roman" panose="02020603050405020304" pitchFamily="18" charset="0"/>
+                <a:cs typeface="Times New Roman" panose="02020603050405020304" pitchFamily="18" charset="0"/>
+              </a:rPr>
+              <a:t>dateTime</a:t>
+            </a:r>
+            <a:r>
+              <a:rPr lang="en-US" sz="1600" dirty="0">
+                <a:latin typeface="Times New Roman" panose="02020603050405020304" pitchFamily="18" charset="0"/>
+                <a:cs typeface="Times New Roman" panose="02020603050405020304" pitchFamily="18" charset="0"/>
+              </a:rPr>
+              <a:t>=$_POST['</a:t>
+            </a:r>
+            <a:r>
+              <a:rPr lang="en-US" sz="1600" dirty="0" err="1">
+                <a:latin typeface="Times New Roman" panose="02020603050405020304" pitchFamily="18" charset="0"/>
+                <a:cs typeface="Times New Roman" panose="02020603050405020304" pitchFamily="18" charset="0"/>
+              </a:rPr>
+              <a:t>dateTime</a:t>
+            </a:r>
+            <a:r>
+              <a:rPr lang="en-US" sz="1600" dirty="0">
+                <a:latin typeface="Times New Roman" panose="02020603050405020304" pitchFamily="18" charset="0"/>
+                <a:cs typeface="Times New Roman" panose="02020603050405020304" pitchFamily="18" charset="0"/>
+              </a:rPr>
+              <a:t>'];$name=$_POST['name</a:t>
+            </a:r>
+            <a:r>
+              <a:rPr lang="en-US" sz="1600" dirty="0" smtClean="0">
+                <a:latin typeface="Times New Roman" panose="02020603050405020304" pitchFamily="18" charset="0"/>
+                <a:cs typeface="Times New Roman" panose="02020603050405020304" pitchFamily="18" charset="0"/>
+              </a:rPr>
+              <a:t>'];</a:t>
+            </a:r>
+          </a:p>
+          <a:p>
+            <a:pPr algn="l"/>
+            <a:r>
+              <a:rPr lang="en-US" sz="1600" dirty="0" smtClean="0">
+                <a:latin typeface="Times New Roman" panose="02020603050405020304" pitchFamily="18" charset="0"/>
+                <a:cs typeface="Times New Roman" panose="02020603050405020304" pitchFamily="18" charset="0"/>
+              </a:rPr>
+              <a:t>$description=$_</a:t>
+            </a:r>
+            <a:r>
+              <a:rPr lang="en-US" sz="1600" dirty="0">
+                <a:latin typeface="Times New Roman" panose="02020603050405020304" pitchFamily="18" charset="0"/>
+                <a:cs typeface="Times New Roman" panose="02020603050405020304" pitchFamily="18" charset="0"/>
+              </a:rPr>
+              <a:t>POST['description'];$header=$_POST['header</a:t>
+            </a:r>
+            <a:r>
+              <a:rPr lang="en-US" sz="1600" dirty="0" smtClean="0">
+                <a:latin typeface="Times New Roman" panose="02020603050405020304" pitchFamily="18" charset="0"/>
+                <a:cs typeface="Times New Roman" panose="02020603050405020304" pitchFamily="18" charset="0"/>
+              </a:rPr>
+              <a:t>'];</a:t>
+            </a:r>
+          </a:p>
+          <a:p>
+            <a:pPr algn="l"/>
+            <a:r>
+              <a:rPr lang="en-US" sz="1600" dirty="0" smtClean="0">
+                <a:latin typeface="Times New Roman" panose="02020603050405020304" pitchFamily="18" charset="0"/>
+                <a:cs typeface="Times New Roman" panose="02020603050405020304" pitchFamily="18" charset="0"/>
+              </a:rPr>
+              <a:t>$</a:t>
+            </a:r>
+            <a:r>
+              <a:rPr lang="en-US" sz="1600" dirty="0" err="1">
+                <a:latin typeface="Times New Roman" panose="02020603050405020304" pitchFamily="18" charset="0"/>
+                <a:cs typeface="Times New Roman" panose="02020603050405020304" pitchFamily="18" charset="0"/>
+              </a:rPr>
+              <a:t>oldprice</a:t>
+            </a:r>
+            <a:r>
+              <a:rPr lang="en-US" sz="1600" dirty="0">
+                <a:latin typeface="Times New Roman" panose="02020603050405020304" pitchFamily="18" charset="0"/>
+                <a:cs typeface="Times New Roman" panose="02020603050405020304" pitchFamily="18" charset="0"/>
+              </a:rPr>
+              <a:t>=$_POST['</a:t>
+            </a:r>
+            <a:r>
+              <a:rPr lang="en-US" sz="1600" dirty="0" err="1">
+                <a:latin typeface="Times New Roman" panose="02020603050405020304" pitchFamily="18" charset="0"/>
+                <a:cs typeface="Times New Roman" panose="02020603050405020304" pitchFamily="18" charset="0"/>
+              </a:rPr>
+              <a:t>oldprice</a:t>
+            </a:r>
+            <a:r>
+              <a:rPr lang="en-US" sz="1600" dirty="0">
+                <a:latin typeface="Times New Roman" panose="02020603050405020304" pitchFamily="18" charset="0"/>
+                <a:cs typeface="Times New Roman" panose="02020603050405020304" pitchFamily="18" charset="0"/>
+              </a:rPr>
+              <a:t>'];$</a:t>
+            </a:r>
+            <a:r>
+              <a:rPr lang="en-US" sz="1600" dirty="0" err="1">
+                <a:latin typeface="Times New Roman" panose="02020603050405020304" pitchFamily="18" charset="0"/>
+                <a:cs typeface="Times New Roman" panose="02020603050405020304" pitchFamily="18" charset="0"/>
+              </a:rPr>
+              <a:t>newprice</a:t>
+            </a:r>
+            <a:r>
+              <a:rPr lang="en-US" sz="1600" dirty="0">
+                <a:latin typeface="Times New Roman" panose="02020603050405020304" pitchFamily="18" charset="0"/>
+                <a:cs typeface="Times New Roman" panose="02020603050405020304" pitchFamily="18" charset="0"/>
+              </a:rPr>
+              <a:t>=$_POST['</a:t>
+            </a:r>
+            <a:r>
+              <a:rPr lang="en-US" sz="1600" dirty="0" err="1">
+                <a:latin typeface="Times New Roman" panose="02020603050405020304" pitchFamily="18" charset="0"/>
+                <a:cs typeface="Times New Roman" panose="02020603050405020304" pitchFamily="18" charset="0"/>
+              </a:rPr>
+              <a:t>newprice</a:t>
+            </a:r>
+            <a:r>
+              <a:rPr lang="en-US" sz="1600" dirty="0" smtClean="0">
+                <a:latin typeface="Times New Roman" panose="02020603050405020304" pitchFamily="18" charset="0"/>
+                <a:cs typeface="Times New Roman" panose="02020603050405020304" pitchFamily="18" charset="0"/>
+              </a:rPr>
+              <a:t>'];</a:t>
+            </a:r>
+          </a:p>
+          <a:p>
+            <a:pPr algn="l"/>
+            <a:r>
+              <a:rPr lang="en-US" sz="1600" dirty="0" smtClean="0">
+                <a:latin typeface="Times New Roman" panose="02020603050405020304" pitchFamily="18" charset="0"/>
+                <a:cs typeface="Times New Roman" panose="02020603050405020304" pitchFamily="18" charset="0"/>
+              </a:rPr>
+              <a:t>$</a:t>
+            </a:r>
+            <a:r>
+              <a:rPr lang="en-US" sz="1600" dirty="0" err="1">
+                <a:latin typeface="Times New Roman" panose="02020603050405020304" pitchFamily="18" charset="0"/>
+                <a:cs typeface="Times New Roman" panose="02020603050405020304" pitchFamily="18" charset="0"/>
+              </a:rPr>
+              <a:t>url</a:t>
+            </a:r>
+            <a:r>
+              <a:rPr lang="en-US" sz="1600" dirty="0">
+                <a:latin typeface="Times New Roman" panose="02020603050405020304" pitchFamily="18" charset="0"/>
+                <a:cs typeface="Times New Roman" panose="02020603050405020304" pitchFamily="18" charset="0"/>
+              </a:rPr>
+              <a:t>=$_POST['</a:t>
+            </a:r>
+            <a:r>
+              <a:rPr lang="en-US" sz="1600" dirty="0" err="1">
+                <a:latin typeface="Times New Roman" panose="02020603050405020304" pitchFamily="18" charset="0"/>
+                <a:cs typeface="Times New Roman" panose="02020603050405020304" pitchFamily="18" charset="0"/>
+              </a:rPr>
+              <a:t>url</a:t>
+            </a:r>
+            <a:r>
+              <a:rPr lang="en-US" sz="1600" dirty="0" smtClean="0">
+                <a:latin typeface="Times New Roman" panose="02020603050405020304" pitchFamily="18" charset="0"/>
+                <a:cs typeface="Times New Roman" panose="02020603050405020304" pitchFamily="18" charset="0"/>
+              </a:rPr>
+              <a:t>'];</a:t>
+            </a:r>
+          </a:p>
+          <a:p>
+            <a:pPr algn="l"/>
+            <a:r>
+              <a:rPr lang="en-US" sz="1600" dirty="0" smtClean="0">
+                <a:latin typeface="Times New Roman" panose="02020603050405020304" pitchFamily="18" charset="0"/>
+                <a:cs typeface="Times New Roman" panose="02020603050405020304" pitchFamily="18" charset="0"/>
+              </a:rPr>
+              <a:t>$</a:t>
+            </a:r>
+            <a:r>
+              <a:rPr lang="en-US" sz="1600" dirty="0">
+                <a:latin typeface="Times New Roman" panose="02020603050405020304" pitchFamily="18" charset="0"/>
+                <a:cs typeface="Times New Roman" panose="02020603050405020304" pitchFamily="18" charset="0"/>
+              </a:rPr>
+              <a:t>con = </a:t>
+            </a:r>
+            <a:r>
+              <a:rPr lang="en-US" sz="1600" dirty="0" err="1">
+                <a:latin typeface="Times New Roman" panose="02020603050405020304" pitchFamily="18" charset="0"/>
+                <a:cs typeface="Times New Roman" panose="02020603050405020304" pitchFamily="18" charset="0"/>
+              </a:rPr>
+              <a:t>mysqli_connect</a:t>
+            </a:r>
+            <a:r>
+              <a:rPr lang="en-US" sz="1600" dirty="0">
+                <a:latin typeface="Times New Roman" panose="02020603050405020304" pitchFamily="18" charset="0"/>
+                <a:cs typeface="Times New Roman" panose="02020603050405020304" pitchFamily="18" charset="0"/>
+              </a:rPr>
+              <a:t>("</a:t>
+            </a:r>
+            <a:r>
+              <a:rPr lang="en-US" sz="1600" dirty="0" err="1">
+                <a:latin typeface="Times New Roman" panose="02020603050405020304" pitchFamily="18" charset="0"/>
+                <a:cs typeface="Times New Roman" panose="02020603050405020304" pitchFamily="18" charset="0"/>
+              </a:rPr>
+              <a:t>localhost</a:t>
+            </a:r>
+            <a:r>
+              <a:rPr lang="en-US" sz="1600" dirty="0">
+                <a:latin typeface="Times New Roman" panose="02020603050405020304" pitchFamily="18" charset="0"/>
+                <a:cs typeface="Times New Roman" panose="02020603050405020304" pitchFamily="18" charset="0"/>
+              </a:rPr>
+              <a:t>", "root", "</a:t>
+            </a:r>
+            <a:r>
+              <a:rPr lang="en-US" sz="1600" dirty="0" err="1">
+                <a:latin typeface="Times New Roman" panose="02020603050405020304" pitchFamily="18" charset="0"/>
+                <a:cs typeface="Times New Roman" panose="02020603050405020304" pitchFamily="18" charset="0"/>
+              </a:rPr>
+              <a:t>sqlmy</a:t>
+            </a:r>
+            <a:r>
+              <a:rPr lang="en-US" sz="1600" dirty="0">
+                <a:latin typeface="Times New Roman" panose="02020603050405020304" pitchFamily="18" charset="0"/>
+                <a:cs typeface="Times New Roman" panose="02020603050405020304" pitchFamily="18" charset="0"/>
+              </a:rPr>
+              <a:t>" ,"</a:t>
+            </a:r>
+            <a:r>
+              <a:rPr lang="en-US" sz="1600" dirty="0" err="1">
+                <a:latin typeface="Times New Roman" panose="02020603050405020304" pitchFamily="18" charset="0"/>
+                <a:cs typeface="Times New Roman" panose="02020603050405020304" pitchFamily="18" charset="0"/>
+              </a:rPr>
+              <a:t>roleDb</a:t>
+            </a:r>
+            <a:r>
+              <a:rPr lang="en-US" sz="1600" dirty="0" smtClean="0">
+                <a:latin typeface="Times New Roman" panose="02020603050405020304" pitchFamily="18" charset="0"/>
+                <a:cs typeface="Times New Roman" panose="02020603050405020304" pitchFamily="18" charset="0"/>
+              </a:rPr>
+              <a:t>");</a:t>
+            </a:r>
+          </a:p>
+          <a:p>
+            <a:pPr algn="l"/>
+            <a:r>
+              <a:rPr lang="en-US" sz="1600" dirty="0" smtClean="0">
+                <a:latin typeface="Times New Roman" panose="02020603050405020304" pitchFamily="18" charset="0"/>
+                <a:cs typeface="Times New Roman" panose="02020603050405020304" pitchFamily="18" charset="0"/>
+              </a:rPr>
+              <a:t>$</a:t>
+            </a:r>
+            <a:r>
+              <a:rPr lang="en-US" sz="1600" dirty="0" err="1" smtClean="0">
+                <a:latin typeface="Times New Roman" panose="02020603050405020304" pitchFamily="18" charset="0"/>
+                <a:cs typeface="Times New Roman" panose="02020603050405020304" pitchFamily="18" charset="0"/>
+              </a:rPr>
+              <a:t>sql</a:t>
+            </a:r>
+            <a:r>
+              <a:rPr lang="en-US" sz="1600" dirty="0" smtClean="0">
+                <a:latin typeface="Times New Roman" panose="02020603050405020304" pitchFamily="18" charset="0"/>
+                <a:cs typeface="Times New Roman" panose="02020603050405020304" pitchFamily="18" charset="0"/>
+              </a:rPr>
+              <a:t>="insert into </a:t>
+            </a:r>
+            <a:r>
+              <a:rPr lang="en-US" sz="1600" dirty="0" err="1" smtClean="0">
+                <a:latin typeface="Times New Roman" panose="02020603050405020304" pitchFamily="18" charset="0"/>
+                <a:cs typeface="Times New Roman" panose="02020603050405020304" pitchFamily="18" charset="0"/>
+              </a:rPr>
+              <a:t>offersAvailable</a:t>
+            </a:r>
+            <a:r>
+              <a:rPr lang="en-US" sz="1600" dirty="0" smtClean="0">
+                <a:latin typeface="Times New Roman" panose="02020603050405020304" pitchFamily="18" charset="0"/>
+                <a:cs typeface="Times New Roman" panose="02020603050405020304" pitchFamily="18" charset="0"/>
+              </a:rPr>
+              <a:t> values</a:t>
+            </a:r>
+            <a:r>
+              <a:rPr lang="en-US" sz="1600" dirty="0">
+                <a:latin typeface="Times New Roman" panose="02020603050405020304" pitchFamily="18" charset="0"/>
+                <a:cs typeface="Times New Roman" panose="02020603050405020304" pitchFamily="18" charset="0"/>
+              </a:rPr>
+              <a:t>('$dateTime','$</a:t>
+            </a:r>
+            <a:r>
+              <a:rPr lang="en-US" sz="1600" dirty="0" err="1">
+                <a:latin typeface="Times New Roman" panose="02020603050405020304" pitchFamily="18" charset="0"/>
+                <a:cs typeface="Times New Roman" panose="02020603050405020304" pitchFamily="18" charset="0"/>
+              </a:rPr>
+              <a:t>name','$</a:t>
+            </a:r>
+            <a:r>
+              <a:rPr lang="en-US" sz="1600" dirty="0" err="1" smtClean="0">
+                <a:latin typeface="Times New Roman" panose="02020603050405020304" pitchFamily="18" charset="0"/>
+                <a:cs typeface="Times New Roman" panose="02020603050405020304" pitchFamily="18" charset="0"/>
+              </a:rPr>
+              <a:t>header</a:t>
+            </a:r>
+            <a:r>
+              <a:rPr lang="en-US" sz="1600" dirty="0" smtClean="0">
+                <a:latin typeface="Times New Roman" panose="02020603050405020304" pitchFamily="18" charset="0"/>
+                <a:cs typeface="Times New Roman" panose="02020603050405020304" pitchFamily="18" charset="0"/>
+              </a:rPr>
+              <a:t>‘</a:t>
+            </a:r>
+          </a:p>
+          <a:p>
+            <a:pPr algn="l"/>
+            <a:r>
+              <a:rPr lang="en-US" sz="1600" dirty="0" smtClean="0">
+                <a:latin typeface="Times New Roman" panose="02020603050405020304" pitchFamily="18" charset="0"/>
+                <a:cs typeface="Times New Roman" panose="02020603050405020304" pitchFamily="18" charset="0"/>
+              </a:rPr>
+              <a:t>,'$description’,'$</a:t>
+            </a:r>
+            <a:r>
+              <a:rPr lang="en-US" sz="1600" dirty="0" err="1" smtClean="0">
+                <a:latin typeface="Times New Roman" panose="02020603050405020304" pitchFamily="18" charset="0"/>
+                <a:cs typeface="Times New Roman" panose="02020603050405020304" pitchFamily="18" charset="0"/>
+              </a:rPr>
+              <a:t>oldprice</a:t>
+            </a:r>
+            <a:r>
+              <a:rPr lang="en-US" sz="1600" dirty="0" smtClean="0">
+                <a:latin typeface="Times New Roman" panose="02020603050405020304" pitchFamily="18" charset="0"/>
+                <a:cs typeface="Times New Roman" panose="02020603050405020304" pitchFamily="18" charset="0"/>
+              </a:rPr>
+              <a:t>','$</a:t>
+            </a:r>
+            <a:r>
+              <a:rPr lang="en-US" sz="1600" dirty="0" err="1" smtClean="0">
+                <a:latin typeface="Times New Roman" panose="02020603050405020304" pitchFamily="18" charset="0"/>
+                <a:cs typeface="Times New Roman" panose="02020603050405020304" pitchFamily="18" charset="0"/>
+              </a:rPr>
+              <a:t>newprice</a:t>
+            </a:r>
+            <a:r>
+              <a:rPr lang="en-US" sz="1600" dirty="0" smtClean="0">
+                <a:latin typeface="Times New Roman" panose="02020603050405020304" pitchFamily="18" charset="0"/>
+                <a:cs typeface="Times New Roman" panose="02020603050405020304" pitchFamily="18" charset="0"/>
+              </a:rPr>
+              <a:t>','$</a:t>
+            </a:r>
+            <a:r>
+              <a:rPr lang="en-US" sz="1600" dirty="0" err="1" smtClean="0">
+                <a:latin typeface="Times New Roman" panose="02020603050405020304" pitchFamily="18" charset="0"/>
+                <a:cs typeface="Times New Roman" panose="02020603050405020304" pitchFamily="18" charset="0"/>
+              </a:rPr>
+              <a:t>url</a:t>
+            </a:r>
+            <a:r>
+              <a:rPr lang="en-US" sz="1600" dirty="0" smtClean="0">
+                <a:latin typeface="Times New Roman" panose="02020603050405020304" pitchFamily="18" charset="0"/>
+                <a:cs typeface="Times New Roman" panose="02020603050405020304" pitchFamily="18" charset="0"/>
+              </a:rPr>
+              <a:t>')";</a:t>
+            </a:r>
+          </a:p>
+          <a:p>
+            <a:pPr algn="l"/>
+            <a:r>
+              <a:rPr lang="en-US" sz="1600" dirty="0" smtClean="0">
+                <a:latin typeface="Times New Roman" panose="02020603050405020304" pitchFamily="18" charset="0"/>
+                <a:cs typeface="Times New Roman" panose="02020603050405020304" pitchFamily="18" charset="0"/>
+              </a:rPr>
+              <a:t>$</a:t>
+            </a:r>
+            <a:r>
+              <a:rPr lang="en-US" sz="1600" dirty="0">
+                <a:latin typeface="Times New Roman" panose="02020603050405020304" pitchFamily="18" charset="0"/>
+                <a:cs typeface="Times New Roman" panose="02020603050405020304" pitchFamily="18" charset="0"/>
+              </a:rPr>
+              <a:t>result = </a:t>
+            </a:r>
+            <a:r>
+              <a:rPr lang="en-US" sz="1600" dirty="0" err="1">
+                <a:latin typeface="Times New Roman" panose="02020603050405020304" pitchFamily="18" charset="0"/>
+                <a:cs typeface="Times New Roman" panose="02020603050405020304" pitchFamily="18" charset="0"/>
+              </a:rPr>
+              <a:t>mysqli_query</a:t>
+            </a:r>
+            <a:r>
+              <a:rPr lang="en-US" sz="1600" dirty="0">
+                <a:latin typeface="Times New Roman" panose="02020603050405020304" pitchFamily="18" charset="0"/>
+                <a:cs typeface="Times New Roman" panose="02020603050405020304" pitchFamily="18" charset="0"/>
+              </a:rPr>
+              <a:t>($con,$</a:t>
+            </a:r>
+            <a:r>
+              <a:rPr lang="en-US" sz="1600" dirty="0" err="1">
+                <a:latin typeface="Times New Roman" panose="02020603050405020304" pitchFamily="18" charset="0"/>
+                <a:cs typeface="Times New Roman" panose="02020603050405020304" pitchFamily="18" charset="0"/>
+              </a:rPr>
+              <a:t>sql</a:t>
+            </a:r>
+            <a:r>
+              <a:rPr lang="en-US" sz="1600" dirty="0">
+                <a:latin typeface="Times New Roman" panose="02020603050405020304" pitchFamily="18" charset="0"/>
+                <a:cs typeface="Times New Roman" panose="02020603050405020304" pitchFamily="18" charset="0"/>
+              </a:rPr>
+              <a:t>);	</a:t>
+            </a:r>
+            <a:endParaRPr lang="en-US" sz="1600" dirty="0" smtClean="0">
+              <a:latin typeface="Times New Roman" panose="02020603050405020304" pitchFamily="18" charset="0"/>
+              <a:cs typeface="Times New Roman" panose="02020603050405020304" pitchFamily="18" charset="0"/>
+            </a:endParaRPr>
+          </a:p>
+          <a:p>
+            <a:pPr algn="l"/>
+            <a:r>
+              <a:rPr lang="en-US" sz="1600" dirty="0" smtClean="0">
+                <a:latin typeface="Times New Roman" panose="02020603050405020304" pitchFamily="18" charset="0"/>
+                <a:cs typeface="Times New Roman" panose="02020603050405020304" pitchFamily="18" charset="0"/>
+              </a:rPr>
+              <a:t> </a:t>
+            </a:r>
+            <a:r>
+              <a:rPr lang="en-US" sz="1600" dirty="0">
+                <a:latin typeface="Times New Roman" panose="02020603050405020304" pitchFamily="18" charset="0"/>
+                <a:cs typeface="Times New Roman" panose="02020603050405020304" pitchFamily="18" charset="0"/>
+              </a:rPr>
+              <a:t>if($</a:t>
+            </a:r>
+            <a:r>
+              <a:rPr lang="en-US" sz="1600" dirty="0" err="1">
+                <a:latin typeface="Times New Roman" panose="02020603050405020304" pitchFamily="18" charset="0"/>
+                <a:cs typeface="Times New Roman" panose="02020603050405020304" pitchFamily="18" charset="0"/>
+              </a:rPr>
+              <a:t>mysqli_affected_rows</a:t>
+            </a:r>
+            <a:r>
+              <a:rPr lang="en-US" sz="1600" dirty="0">
+                <a:latin typeface="Times New Roman" panose="02020603050405020304" pitchFamily="18" charset="0"/>
+                <a:cs typeface="Times New Roman" panose="02020603050405020304" pitchFamily="18" charset="0"/>
+              </a:rPr>
+              <a:t>() &gt;0)       </a:t>
+            </a:r>
+            <a:endParaRPr lang="en-US" sz="1600" dirty="0" smtClean="0">
+              <a:latin typeface="Times New Roman" panose="02020603050405020304" pitchFamily="18" charset="0"/>
+              <a:cs typeface="Times New Roman" panose="02020603050405020304" pitchFamily="18" charset="0"/>
+            </a:endParaRPr>
+          </a:p>
+          <a:p>
+            <a:pPr algn="l"/>
+            <a:r>
+              <a:rPr lang="en-US" sz="1600" dirty="0" smtClean="0">
+                <a:latin typeface="Times New Roman" panose="02020603050405020304" pitchFamily="18" charset="0"/>
+                <a:cs typeface="Times New Roman" panose="02020603050405020304" pitchFamily="18" charset="0"/>
+              </a:rPr>
+              <a:t> </a:t>
+            </a:r>
+            <a:r>
+              <a:rPr lang="en-US" sz="1600" dirty="0">
+                <a:latin typeface="Times New Roman" panose="02020603050405020304" pitchFamily="18" charset="0"/>
+                <a:cs typeface="Times New Roman" panose="02020603050405020304" pitchFamily="18" charset="0"/>
+              </a:rPr>
+              <a:t>echo "&lt;strong&gt;Success!&lt;/strong&gt; your data is updated successfully.";		else	</a:t>
+            </a:r>
+            <a:r>
+              <a:rPr lang="en-US" sz="1600" dirty="0" smtClean="0">
+                <a:latin typeface="Times New Roman" panose="02020603050405020304" pitchFamily="18" charset="0"/>
+                <a:cs typeface="Times New Roman" panose="02020603050405020304" pitchFamily="18" charset="0"/>
+              </a:rPr>
+              <a:t>echo </a:t>
+            </a:r>
+            <a:r>
+              <a:rPr lang="en-US" sz="1600" dirty="0">
+                <a:latin typeface="Times New Roman" panose="02020603050405020304" pitchFamily="18" charset="0"/>
+                <a:cs typeface="Times New Roman" panose="02020603050405020304" pitchFamily="18" charset="0"/>
+              </a:rPr>
+              <a:t>"&lt;strong&gt;failed&lt;/strong&gt; your data is not updated, check for errors and try again";		</a:t>
+            </a:r>
+            <a:endParaRPr lang="en-US" sz="1600" dirty="0" smtClean="0">
+              <a:latin typeface="Times New Roman" panose="02020603050405020304" pitchFamily="18" charset="0"/>
+              <a:cs typeface="Times New Roman" panose="02020603050405020304" pitchFamily="18" charset="0"/>
+            </a:endParaRPr>
+          </a:p>
+          <a:p>
+            <a:pPr algn="l"/>
+            <a:r>
+              <a:rPr lang="en-US" sz="1600" dirty="0" smtClean="0">
+                <a:latin typeface="Times New Roman" panose="02020603050405020304" pitchFamily="18" charset="0"/>
+                <a:cs typeface="Times New Roman" panose="02020603050405020304" pitchFamily="18" charset="0"/>
+              </a:rPr>
+              <a:t>?&gt;</a:t>
+            </a:r>
+            <a:endParaRPr lang="en-US" sz="1600" dirty="0">
+              <a:latin typeface="Times New Roman" panose="02020603050405020304" pitchFamily="18" charset="0"/>
+              <a:cs typeface="Times New Roman" panose="02020603050405020304" pitchFamily="18" charset="0"/>
+            </a:endParaRPr>
+          </a:p>
+        </p:txBody>
+      </p:sp>
     </p:spTree>
   </p:cSld>
   <p:clrMapOvr>
@@ -7041,7 +8024,7 @@
         <a:effectLst/>
         <a:extLst>
           <a:ext uri="{AF507438-7753-43E0-B8FC-AC1667EBCBE1}">
-            <a14:hiddenEffects xmlns="" xmlns:a14="http://schemas.microsoft.com/office/drawing/2010/main">
+            <a14:hiddenEffects xmlns:a14="http://schemas.microsoft.com/office/drawing/2010/main">
               <a:effectLst>
                 <a:outerShdw dist="35921" dir="2700000" algn="ctr" rotWithShape="0">
                   <a:schemeClr val="bg2"/>
@@ -7114,7 +8097,7 @@
         <a:effectLst/>
         <a:extLst>
           <a:ext uri="{AF507438-7753-43E0-B8FC-AC1667EBCBE1}">
-            <a14:hiddenEffects xmlns="" xmlns:a14="http://schemas.microsoft.com/office/drawing/2010/main">
+            <a14:hiddenEffects xmlns:a14="http://schemas.microsoft.com/office/drawing/2010/main">
               <a:effectLst>
                 <a:outerShdw dist="35921" dir="2700000" algn="ctr" rotWithShape="0">
                   <a:schemeClr val="bg2"/>

--- a/24x36_Vertical_Template2.pptx
+++ b/24x36_Vertical_Template2.pptx
@@ -2619,7 +2619,7 @@
           <a:graphicData uri="http://schemas.openxmlformats.org/presentationml/2006/ole">
             <mc:AlternateContent xmlns:mc="http://schemas.openxmlformats.org/markup-compatibility/2006">
               <mc:Choice xmlns:v="urn:schemas-microsoft-com:vml" Requires="v">
-                <p:oleObj spid="_x0000_s1051" name="CorelDRAW" r:id="rId14" imgW="8833104" imgH="310896" progId="">
+                <p:oleObj spid="_x0000_s1063" name="CorelDRAW" r:id="rId14" imgW="8833104" imgH="310896" progId="">
                   <p:embed/>
                 </p:oleObj>
               </mc:Choice>
@@ -3117,8 +3117,8 @@
         </p:nvSpPr>
         <p:spPr bwMode="auto">
           <a:xfrm>
-            <a:off x="9505225" y="4114025"/>
-            <a:ext cx="8210550" cy="23992765"/>
+            <a:off x="9453455" y="4119563"/>
+            <a:ext cx="8210550" cy="23079692"/>
           </a:xfrm>
           <a:prstGeom prst="roundRect">
             <a:avLst>
@@ -3153,7 +3153,10 @@
           <a:bodyPr wrap="none" anchor="ctr"/>
           <a:lstStyle/>
           <a:p>
-            <a:endParaRPr lang="en-US"/>
+            <a:endParaRPr lang="en-US">
+              <a:latin typeface="Times New Roman" panose="02020603050405020304" pitchFamily="18" charset="0"/>
+              <a:cs typeface="Times New Roman" panose="02020603050405020304" pitchFamily="18" charset="0"/>
+            </a:endParaRPr>
           </a:p>
         </p:txBody>
       </p:sp>
@@ -3203,7 +3206,10 @@
           <a:bodyPr wrap="none" anchor="ctr"/>
           <a:lstStyle/>
           <a:p>
-            <a:endParaRPr lang="en-US" dirty="0"/>
+            <a:endParaRPr lang="en-US" dirty="0">
+              <a:latin typeface="Times New Roman" panose="02020603050405020304" pitchFamily="18" charset="0"/>
+              <a:cs typeface="Times New Roman" panose="02020603050405020304" pitchFamily="18" charset="0"/>
+            </a:endParaRPr>
           </a:p>
         </p:txBody>
       </p:sp>
@@ -3626,15 +3632,11 @@
               </a:spcBef>
             </a:pPr>
             <a:r>
-              <a:rPr lang="en-US" sz="3200" b="1" dirty="0" smtClean="0"/>
-              <a:t>SYSTEM DESIGN AND </a:t>
-            </a:r>
-            <a:r>
               <a:rPr lang="en-US" sz="3200" b="1" dirty="0" smtClean="0">
                 <a:latin typeface="Times New Roman" panose="02020603050405020304" pitchFamily="18" charset="0"/>
                 <a:cs typeface="Times New Roman" panose="02020603050405020304" pitchFamily="18" charset="0"/>
               </a:rPr>
-              <a:t>DESCRIPTION</a:t>
+              <a:t>SYSTEM DESIGN AND DESCRIPTION</a:t>
             </a:r>
           </a:p>
           <a:p>
@@ -3643,7 +3645,10 @@
                 <a:spcPct val="50000"/>
               </a:spcBef>
             </a:pPr>
-            <a:endParaRPr lang="en-US" altLang="en-US" sz="4800" b="1" dirty="0"/>
+            <a:endParaRPr lang="en-US" altLang="en-US" sz="4800" b="1" dirty="0">
+              <a:latin typeface="Times New Roman" panose="02020603050405020304" pitchFamily="18" charset="0"/>
+              <a:cs typeface="Times New Roman" panose="02020603050405020304" pitchFamily="18" charset="0"/>
+            </a:endParaRPr>
           </a:p>
         </p:txBody>
       </p:sp>
@@ -3658,7 +3663,7 @@
         <p:spPr bwMode="auto">
           <a:xfrm>
             <a:off x="11587322" y="18548147"/>
-            <a:ext cx="4354513" cy="796925"/>
+            <a:ext cx="4354513" cy="806811"/>
           </a:xfrm>
           <a:prstGeom prst="rect">
             <a:avLst/>
@@ -3806,7 +3811,10 @@
               </a:spcBef>
             </a:pPr>
             <a:r>
-              <a:rPr lang="en-US" altLang="en-US" b="1" dirty="0"/>
+              <a:rPr lang="en-US" altLang="en-US" b="1" dirty="0">
+                <a:latin typeface="Times New Roman" panose="02020603050405020304" pitchFamily="18" charset="0"/>
+                <a:cs typeface="Times New Roman" panose="02020603050405020304" pitchFamily="18" charset="0"/>
+              </a:rPr>
               <a:t>Conclusions</a:t>
             </a:r>
           </a:p>
@@ -3968,6 +3976,8 @@
               <a:solidFill>
                 <a:schemeClr val="bg1"/>
               </a:solidFill>
+              <a:latin typeface="Times New Roman" panose="02020603050405020304" pitchFamily="18" charset="0"/>
+              <a:cs typeface="Times New Roman" panose="02020603050405020304" pitchFamily="18" charset="0"/>
             </a:endParaRPr>
           </a:p>
         </p:txBody>
@@ -3982,8 +3992,8 @@
         </p:nvSpPr>
         <p:spPr bwMode="auto">
           <a:xfrm>
-            <a:off x="2743200" y="552450"/>
-            <a:ext cx="13198635" cy="2576526"/>
+            <a:off x="2327275" y="609109"/>
+            <a:ext cx="13198635" cy="2884303"/>
           </a:xfrm>
           <a:prstGeom prst="rect">
             <a:avLst/>
@@ -4127,35 +4137,92 @@
           <a:p>
             <a:pPr algn="ctr"/>
             <a:r>
-              <a:rPr lang="en-IN" sz="4800" b="1" dirty="0" smtClean="0"/>
-              <a:t>JSS ACADEMY OF TECHNICAL EDUCATION</a:t>
+              <a:rPr lang="en-IN" sz="4400" b="1" i="1" dirty="0" smtClean="0">
+                <a:latin typeface="Times New Roman" panose="02020603050405020304" pitchFamily="18" charset="0"/>
+                <a:cs typeface="Times New Roman" panose="02020603050405020304" pitchFamily="18" charset="0"/>
+              </a:rPr>
+              <a:t>Smart </a:t>
+            </a:r>
+            <a:r>
+              <a:rPr lang="en-IN" sz="4400" b="1" i="1" dirty="0">
+                <a:latin typeface="Times New Roman" panose="02020603050405020304" pitchFamily="18" charset="0"/>
+                <a:cs typeface="Times New Roman" panose="02020603050405020304" pitchFamily="18" charset="0"/>
+              </a:rPr>
+              <a:t>advertising platform using Raspberry pi and push </a:t>
+            </a:r>
+            <a:r>
+              <a:rPr lang="en-IN" sz="4400" b="1" i="1" dirty="0" smtClean="0">
+                <a:latin typeface="Times New Roman" panose="02020603050405020304" pitchFamily="18" charset="0"/>
+                <a:cs typeface="Times New Roman" panose="02020603050405020304" pitchFamily="18" charset="0"/>
+              </a:rPr>
+              <a:t>notifications</a:t>
+            </a:r>
+            <a:endParaRPr lang="en-IN" sz="4400" b="1" i="1" dirty="0" smtClean="0">
+              <a:latin typeface="Times New Roman" panose="02020603050405020304" pitchFamily="18" charset="0"/>
+              <a:cs typeface="Times New Roman" panose="02020603050405020304" pitchFamily="18" charset="0"/>
+            </a:endParaRPr>
+          </a:p>
+          <a:p>
+            <a:pPr algn="ctr">
+              <a:lnSpc>
+                <a:spcPct val="200000"/>
+              </a:lnSpc>
+            </a:pPr>
+            <a:r>
+              <a:rPr lang="en-IN" sz="2400" dirty="0">
+                <a:latin typeface="Times New Roman" panose="02020603050405020304" pitchFamily="18" charset="0"/>
+                <a:cs typeface="Times New Roman" panose="02020603050405020304" pitchFamily="18" charset="0"/>
+              </a:rPr>
+              <a:t> </a:t>
+            </a:r>
+            <a:r>
+              <a:rPr lang="en-IN" sz="2400" dirty="0" smtClean="0">
+                <a:latin typeface="Times New Roman" panose="02020603050405020304" pitchFamily="18" charset="0"/>
+                <a:cs typeface="Times New Roman" panose="02020603050405020304" pitchFamily="18" charset="0"/>
+              </a:rPr>
+              <a:t> </a:t>
+            </a:r>
+            <a:r>
+              <a:rPr lang="en-IN" sz="2400" b="1" dirty="0" smtClean="0">
+                <a:latin typeface="Times New Roman" panose="02020603050405020304" pitchFamily="18" charset="0"/>
+                <a:cs typeface="Times New Roman" panose="02020603050405020304" pitchFamily="18" charset="0"/>
+              </a:rPr>
+              <a:t>JSS </a:t>
+            </a:r>
+            <a:r>
+              <a:rPr lang="en-IN" sz="2400" b="1" dirty="0">
+                <a:latin typeface="Times New Roman" panose="02020603050405020304" pitchFamily="18" charset="0"/>
+                <a:cs typeface="Times New Roman" panose="02020603050405020304" pitchFamily="18" charset="0"/>
+              </a:rPr>
+              <a:t>ACADEMY OF TECHNICAL </a:t>
+            </a:r>
+            <a:r>
+              <a:rPr lang="en-IN" sz="2400" b="1" dirty="0" smtClean="0">
+                <a:latin typeface="Times New Roman" panose="02020603050405020304" pitchFamily="18" charset="0"/>
+                <a:cs typeface="Times New Roman" panose="02020603050405020304" pitchFamily="18" charset="0"/>
+              </a:rPr>
+              <a:t>EDUCATION</a:t>
             </a:r>
           </a:p>
           <a:p>
             <a:pPr algn="ctr"/>
             <a:r>
-              <a:rPr lang="en-IN" sz="4400" b="1" i="1" dirty="0" smtClean="0"/>
-              <a:t>Smart </a:t>
-            </a:r>
-            <a:r>
-              <a:rPr lang="en-IN" sz="4400" b="1" i="1" dirty="0"/>
-              <a:t>advertising platform using Raspberry pi and push </a:t>
-            </a:r>
-            <a:r>
-              <a:rPr lang="en-IN" sz="4400" b="1" i="1" dirty="0" smtClean="0"/>
-              <a:t>notifications</a:t>
-            </a:r>
-          </a:p>
-          <a:p>
-            <a:r>
-              <a:rPr lang="en-IN" sz="2800" dirty="0" smtClean="0"/>
-              <a:t>PAVAN V</a:t>
-            </a:r>
-            <a:r>
-              <a:rPr lang="en-IN" sz="2800" smtClean="0"/>
-              <a:t>	AKASH N G	PUNITH B M	</a:t>
-            </a:r>
-            <a:endParaRPr lang="en-IN" sz="4400" dirty="0"/>
+              <a:rPr lang="en-IN" sz="2400" b="1" dirty="0" smtClean="0">
+                <a:latin typeface="Times New Roman" panose="02020603050405020304" pitchFamily="18" charset="0"/>
+                <a:cs typeface="Times New Roman" panose="02020603050405020304" pitchFamily="18" charset="0"/>
+              </a:rPr>
+              <a:t>DEPARTMENT OF INFORMATION SCIENCE ENGINEERING</a:t>
+            </a:r>
+            <a:endParaRPr lang="en-IN" sz="2400" b="1" dirty="0">
+              <a:latin typeface="Times New Roman" panose="02020603050405020304" pitchFamily="18" charset="0"/>
+              <a:cs typeface="Times New Roman" panose="02020603050405020304" pitchFamily="18" charset="0"/>
+            </a:endParaRPr>
+          </a:p>
+          <a:p>
+            <a:endParaRPr lang="en-IN" sz="2400" dirty="0">
+              <a:latin typeface="Times New Roman" panose="02020603050405020304" pitchFamily="18" charset="0"/>
+              <a:cs typeface="Times New Roman" panose="02020603050405020304" pitchFamily="18" charset="0"/>
+            </a:endParaRPr>
           </a:p>
         </p:txBody>
       </p:sp>
@@ -4169,8 +4236,8 @@
         </p:nvSpPr>
         <p:spPr bwMode="auto">
           <a:xfrm>
-            <a:off x="917575" y="1911350"/>
-            <a:ext cx="2057400" cy="1055688"/>
+            <a:off x="781050" y="1631696"/>
+            <a:ext cx="1780450" cy="1068421"/>
           </a:xfrm>
           <a:prstGeom prst="rect">
             <a:avLst/>
@@ -4210,7 +4277,7 @@
           </a:extLst>
         </p:spPr>
         <p:txBody>
-          <a:bodyPr lIns="52249" tIns="26124" rIns="52249" bIns="26124">
+          <a:bodyPr wrap="square" lIns="52249" tIns="26124" rIns="52249" bIns="26124">
             <a:spAutoFit/>
           </a:bodyPr>
           <a:lstStyle>
@@ -4317,10 +4384,10 @@
                 <a:spcPct val="50000"/>
               </a:spcBef>
             </a:pPr>
-            <a:r>
-              <a:rPr lang="en-US" altLang="en-US" sz="4500" b="1"/>
-              <a:t>Logo</a:t>
-            </a:r>
+            <a:endParaRPr lang="en-US" altLang="en-US" sz="4500" b="1" dirty="0">
+              <a:latin typeface="Times New Roman" panose="02020603050405020304" pitchFamily="18" charset="0"/>
+              <a:cs typeface="Times New Roman" panose="02020603050405020304" pitchFamily="18" charset="0"/>
+            </a:endParaRPr>
           </a:p>
           <a:p>
             <a:pPr algn="ctr">
@@ -4328,10 +4395,12 @@
                 <a:spcPct val="50000"/>
               </a:spcBef>
             </a:pPr>
-            <a:endParaRPr lang="en-US" altLang="en-US" sz="1400">
+            <a:endParaRPr lang="en-US" altLang="en-US" sz="1400" dirty="0">
               <a:solidFill>
                 <a:srgbClr val="FF0000"/>
               </a:solidFill>
+              <a:latin typeface="Times New Roman" panose="02020603050405020304" pitchFamily="18" charset="0"/>
+              <a:cs typeface="Times New Roman" panose="02020603050405020304" pitchFamily="18" charset="0"/>
             </a:endParaRPr>
           </a:p>
         </p:txBody>
@@ -4491,7 +4560,7 @@
           <a:p>
             <a:r>
               <a:rPr lang="en-US" sz="1600" b="1" dirty="0" smtClean="0">
-                <a:latin typeface="Times New Roman" pitchFamily="18" charset="0"/>
+                <a:latin typeface="Times New Roman" panose="02020603050405020304" pitchFamily="18" charset="0"/>
                 <a:cs typeface="Times New Roman" pitchFamily="18" charset="0"/>
               </a:rPr>
               <a:t>Fig.2 notification about offers</a:t>
@@ -4658,7 +4727,7 @@
           <a:p>
             <a:r>
               <a:rPr lang="en-US" sz="1600" b="1" dirty="0" smtClean="0">
-                <a:latin typeface="Times New Roman" pitchFamily="18" charset="0"/>
+                <a:latin typeface="Times New Roman" panose="02020603050405020304" pitchFamily="18" charset="0"/>
                 <a:cs typeface="Times New Roman" pitchFamily="18" charset="0"/>
               </a:rPr>
               <a:t>Fig.3 example output of offers</a:t>
@@ -4680,7 +4749,7 @@
         </p:nvSpPr>
         <p:spPr bwMode="auto">
           <a:xfrm>
-            <a:off x="12207242" y="21443692"/>
+            <a:off x="12207240" y="21267806"/>
             <a:ext cx="3114675" cy="1522391"/>
           </a:xfrm>
           <a:prstGeom prst="rect">
@@ -4829,10 +4898,16 @@
               </a:spcBef>
             </a:pPr>
             <a:r>
-              <a:rPr lang="en-US" sz="4000" b="1" cap="small" dirty="0"/>
+              <a:rPr lang="en-US" sz="4000" b="1" cap="small" dirty="0">
+                <a:latin typeface="Times New Roman" panose="02020603050405020304" pitchFamily="18" charset="0"/>
+                <a:cs typeface="Times New Roman" panose="02020603050405020304" pitchFamily="18" charset="0"/>
+              </a:rPr>
               <a:t>References</a:t>
             </a:r>
-            <a:endParaRPr lang="en-IN" sz="4000" b="1" cap="small" dirty="0"/>
+            <a:endParaRPr lang="en-IN" sz="4000" b="1" cap="small" dirty="0">
+              <a:latin typeface="Times New Roman" panose="02020603050405020304" pitchFamily="18" charset="0"/>
+              <a:cs typeface="Times New Roman" panose="02020603050405020304" pitchFamily="18" charset="0"/>
+            </a:endParaRPr>
           </a:p>
           <a:p>
             <a:pPr algn="ctr">
@@ -4840,7 +4915,10 @@
                 <a:spcPct val="50000"/>
               </a:spcBef>
             </a:pPr>
-            <a:endParaRPr lang="en-US" altLang="en-US" sz="3700" dirty="0"/>
+            <a:endParaRPr lang="en-US" altLang="en-US" sz="3700" dirty="0">
+              <a:latin typeface="Times New Roman" panose="02020603050405020304" pitchFamily="18" charset="0"/>
+              <a:cs typeface="Times New Roman" panose="02020603050405020304" pitchFamily="18" charset="0"/>
+            </a:endParaRPr>
           </a:p>
         </p:txBody>
       </p:sp>
@@ -5309,19 +5387,16 @@
               <a:t>A Wi-Fi module is present in the raspberry pi which is used to broadcast the offers to the customer’s </a:t>
             </a:r>
             <a:r>
-              <a:rPr lang="en-US" sz="1600" dirty="0" err="1" smtClean="0">
-                <a:latin typeface="Times New Roman" pitchFamily="18" charset="0"/>
-                <a:cs typeface="Times New Roman" pitchFamily="18" charset="0"/>
-              </a:rPr>
-              <a:t>smatphone</a:t>
-            </a:r>
-            <a:r>
               <a:rPr lang="en-US" sz="1600" dirty="0" smtClean="0">
                 <a:latin typeface="Times New Roman" pitchFamily="18" charset="0"/>
                 <a:cs typeface="Times New Roman" pitchFamily="18" charset="0"/>
               </a:rPr>
-              <a:t>. </a:t>
-            </a:r>
+              <a:t>smartphone. </a:t>
+            </a:r>
+            <a:endParaRPr lang="en-US" sz="1600" dirty="0" smtClean="0">
+              <a:latin typeface="Times New Roman" pitchFamily="18" charset="0"/>
+              <a:cs typeface="Times New Roman" pitchFamily="18" charset="0"/>
+            </a:endParaRPr>
           </a:p>
           <a:p>
             <a:pPr marL="285750" indent="-285750" algn="just">
@@ -5348,8 +5423,8 @@
         </p:nvSpPr>
         <p:spPr bwMode="auto">
           <a:xfrm>
-            <a:off x="9848302" y="21916084"/>
-            <a:ext cx="7614745" cy="5241847"/>
+            <a:off x="9837886" y="21800654"/>
+            <a:ext cx="7614745" cy="3143837"/>
           </a:xfrm>
           <a:prstGeom prst="rect">
             <a:avLst/>
@@ -5501,6 +5576,7 @@
             </a:pPr>
             <a:endParaRPr lang="en-US" altLang="en-US" sz="1600" b="1" u="sng" dirty="0">
               <a:latin typeface="Times New Roman" pitchFamily="18" charset="0"/>
+              <a:cs typeface="Times New Roman" panose="02020603050405020304" pitchFamily="18" charset="0"/>
             </a:endParaRPr>
           </a:p>
           <a:p>
@@ -5515,83 +5591,143 @@
               <a:buAutoNum type="arabicPeriod"/>
             </a:pPr>
             <a:r>
-              <a:rPr lang="en-US" sz="1600" i="1" dirty="0" smtClean="0"/>
+              <a:rPr lang="en-US" sz="1600" i="1" dirty="0" smtClean="0">
+                <a:latin typeface="Times New Roman" panose="02020603050405020304" pitchFamily="18" charset="0"/>
+                <a:cs typeface="Times New Roman" panose="02020603050405020304" pitchFamily="18" charset="0"/>
+              </a:rPr>
               <a:t>Advance Flood Detection and Notification System based on Sensor Technology and Machine Learning Algorithm</a:t>
             </a:r>
             <a:r>
-              <a:rPr lang="en-US" sz="1600" dirty="0" smtClean="0"/>
+              <a:rPr lang="en-US" sz="1600" dirty="0" smtClean="0">
+                <a:latin typeface="Times New Roman" panose="02020603050405020304" pitchFamily="18" charset="0"/>
+                <a:cs typeface="Times New Roman" panose="02020603050405020304" pitchFamily="18" charset="0"/>
+              </a:rPr>
               <a:t> --Mohammed </a:t>
             </a:r>
             <a:r>
-              <a:rPr lang="en-US" sz="1600" dirty="0" err="1" smtClean="0"/>
+              <a:rPr lang="en-US" sz="1600" dirty="0" err="1" smtClean="0">
+                <a:latin typeface="Times New Roman" panose="02020603050405020304" pitchFamily="18" charset="0"/>
+                <a:cs typeface="Times New Roman" panose="02020603050405020304" pitchFamily="18" charset="0"/>
+              </a:rPr>
               <a:t>Khalaf</a:t>
             </a:r>
             <a:r>
-              <a:rPr lang="en-US" sz="1600" dirty="0" smtClean="0"/>
+              <a:rPr lang="en-US" sz="1600" dirty="0" smtClean="0">
+                <a:latin typeface="Times New Roman" panose="02020603050405020304" pitchFamily="18" charset="0"/>
+                <a:cs typeface="Times New Roman" panose="02020603050405020304" pitchFamily="18" charset="0"/>
+              </a:rPr>
               <a:t>, </a:t>
             </a:r>
             <a:r>
-              <a:rPr lang="en-US" sz="1600" dirty="0" err="1" smtClean="0"/>
+              <a:rPr lang="en-US" sz="1600" dirty="0" err="1" smtClean="0">
+                <a:latin typeface="Times New Roman" panose="02020603050405020304" pitchFamily="18" charset="0"/>
+                <a:cs typeface="Times New Roman" panose="02020603050405020304" pitchFamily="18" charset="0"/>
+              </a:rPr>
               <a:t>Abir</a:t>
             </a:r>
             <a:r>
-              <a:rPr lang="en-US" sz="1600" dirty="0" smtClean="0"/>
+              <a:rPr lang="en-US" sz="1600" dirty="0" smtClean="0">
+                <a:latin typeface="Times New Roman" panose="02020603050405020304" pitchFamily="18" charset="0"/>
+                <a:cs typeface="Times New Roman" panose="02020603050405020304" pitchFamily="18" charset="0"/>
+              </a:rPr>
               <a:t> </a:t>
             </a:r>
             <a:r>
-              <a:rPr lang="en-US" sz="1600" dirty="0" err="1" smtClean="0"/>
+              <a:rPr lang="en-US" sz="1600" dirty="0" err="1" smtClean="0">
+                <a:latin typeface="Times New Roman" panose="02020603050405020304" pitchFamily="18" charset="0"/>
+                <a:cs typeface="Times New Roman" panose="02020603050405020304" pitchFamily="18" charset="0"/>
+              </a:rPr>
               <a:t>Jaafar</a:t>
             </a:r>
             <a:r>
-              <a:rPr lang="en-US" sz="1600" dirty="0" smtClean="0"/>
+              <a:rPr lang="en-US" sz="1600" dirty="0" smtClean="0">
+                <a:latin typeface="Times New Roman" panose="02020603050405020304" pitchFamily="18" charset="0"/>
+                <a:cs typeface="Times New Roman" panose="02020603050405020304" pitchFamily="18" charset="0"/>
+              </a:rPr>
               <a:t> </a:t>
             </a:r>
             <a:r>
-              <a:rPr lang="en-US" sz="1600" dirty="0" err="1" smtClean="0"/>
+              <a:rPr lang="en-US" sz="1600" dirty="0" err="1" smtClean="0">
+                <a:latin typeface="Times New Roman" panose="02020603050405020304" pitchFamily="18" charset="0"/>
+                <a:cs typeface="Times New Roman" panose="02020603050405020304" pitchFamily="18" charset="0"/>
+              </a:rPr>
               <a:t>Hussain</a:t>
             </a:r>
             <a:r>
-              <a:rPr lang="en-US" sz="1600" dirty="0" smtClean="0"/>
+              <a:rPr lang="en-US" sz="1600" dirty="0" smtClean="0">
+                <a:latin typeface="Times New Roman" panose="02020603050405020304" pitchFamily="18" charset="0"/>
+                <a:cs typeface="Times New Roman" panose="02020603050405020304" pitchFamily="18" charset="0"/>
+              </a:rPr>
               <a:t>, </a:t>
             </a:r>
             <a:r>
-              <a:rPr lang="en-US" sz="1600" dirty="0" err="1" smtClean="0"/>
+              <a:rPr lang="en-US" sz="1600" dirty="0" err="1" smtClean="0">
+                <a:latin typeface="Times New Roman" panose="02020603050405020304" pitchFamily="18" charset="0"/>
+                <a:cs typeface="Times New Roman" panose="02020603050405020304" pitchFamily="18" charset="0"/>
+              </a:rPr>
               <a:t>Dhiya</a:t>
             </a:r>
             <a:r>
-              <a:rPr lang="en-US" sz="1600" dirty="0" smtClean="0"/>
+              <a:rPr lang="en-US" sz="1600" dirty="0" smtClean="0">
+                <a:latin typeface="Times New Roman" panose="02020603050405020304" pitchFamily="18" charset="0"/>
+                <a:cs typeface="Times New Roman" panose="02020603050405020304" pitchFamily="18" charset="0"/>
+              </a:rPr>
               <a:t> Al-</a:t>
             </a:r>
             <a:r>
-              <a:rPr lang="en-US" sz="1600" dirty="0" err="1" smtClean="0"/>
+              <a:rPr lang="en-US" sz="1600" dirty="0" err="1" smtClean="0">
+                <a:latin typeface="Times New Roman" panose="02020603050405020304" pitchFamily="18" charset="0"/>
+                <a:cs typeface="Times New Roman" panose="02020603050405020304" pitchFamily="18" charset="0"/>
+              </a:rPr>
               <a:t>Jumeily</a:t>
             </a:r>
             <a:r>
-              <a:rPr lang="en-US" sz="1600" dirty="0" smtClean="0"/>
+              <a:rPr lang="en-US" sz="1600" dirty="0" smtClean="0">
+                <a:latin typeface="Times New Roman" panose="02020603050405020304" pitchFamily="18" charset="0"/>
+                <a:cs typeface="Times New Roman" panose="02020603050405020304" pitchFamily="18" charset="0"/>
+              </a:rPr>
               <a:t>, Paul Fergus, Ibrahim </a:t>
             </a:r>
             <a:r>
-              <a:rPr lang="en-US" sz="1600" dirty="0" err="1" smtClean="0"/>
+              <a:rPr lang="en-US" sz="1600" dirty="0" err="1" smtClean="0">
+                <a:latin typeface="Times New Roman" panose="02020603050405020304" pitchFamily="18" charset="0"/>
+                <a:cs typeface="Times New Roman" panose="02020603050405020304" pitchFamily="18" charset="0"/>
+              </a:rPr>
               <a:t>Olatunji</a:t>
             </a:r>
             <a:r>
-              <a:rPr lang="en-US" sz="1600" dirty="0" smtClean="0"/>
+              <a:rPr lang="en-US" sz="1600" dirty="0" smtClean="0">
+                <a:latin typeface="Times New Roman" panose="02020603050405020304" pitchFamily="18" charset="0"/>
+                <a:cs typeface="Times New Roman" panose="02020603050405020304" pitchFamily="18" charset="0"/>
+              </a:rPr>
               <a:t> </a:t>
             </a:r>
             <a:r>
-              <a:rPr lang="en-US" sz="1600" dirty="0" err="1" smtClean="0"/>
+              <a:rPr lang="en-US" sz="1600" dirty="0" err="1" smtClean="0">
+                <a:latin typeface="Times New Roman" panose="02020603050405020304" pitchFamily="18" charset="0"/>
+                <a:cs typeface="Times New Roman" panose="02020603050405020304" pitchFamily="18" charset="0"/>
+              </a:rPr>
               <a:t>Idowu</a:t>
             </a:r>
             <a:r>
-              <a:rPr lang="en-US" sz="1600" dirty="0" smtClean="0"/>
+              <a:rPr lang="en-US" sz="1600" dirty="0" smtClean="0">
+                <a:latin typeface="Times New Roman" panose="02020603050405020304" pitchFamily="18" charset="0"/>
+                <a:cs typeface="Times New Roman" panose="02020603050405020304" pitchFamily="18" charset="0"/>
+              </a:rPr>
               <a:t> Applied Computing Research Group, School of Computing and Mathematical Sciences Liverpool John </a:t>
             </a:r>
             <a:r>
-              <a:rPr lang="en-US" sz="1600" dirty="0" err="1" smtClean="0"/>
+              <a:rPr lang="en-US" sz="1600" dirty="0" err="1" smtClean="0">
+                <a:latin typeface="Times New Roman" panose="02020603050405020304" pitchFamily="18" charset="0"/>
+                <a:cs typeface="Times New Roman" panose="02020603050405020304" pitchFamily="18" charset="0"/>
+              </a:rPr>
               <a:t>Moores</a:t>
             </a:r>
             <a:r>
-              <a:rPr lang="en-US" sz="1600" dirty="0" smtClean="0"/>
+              <a:rPr lang="en-US" sz="1600" dirty="0" smtClean="0">
+                <a:latin typeface="Times New Roman" panose="02020603050405020304" pitchFamily="18" charset="0"/>
+                <a:cs typeface="Times New Roman" panose="02020603050405020304" pitchFamily="18" charset="0"/>
+              </a:rPr>
               <a:t> University.</a:t>
             </a:r>
           </a:p>
@@ -5607,7 +5743,10 @@
               <a:buAutoNum type="arabicPeriod"/>
             </a:pPr>
             <a:r>
-              <a:rPr lang="en-US" sz="1600" dirty="0" smtClean="0"/>
+              <a:rPr lang="en-US" sz="1600" dirty="0" smtClean="0">
+                <a:latin typeface="Times New Roman" panose="02020603050405020304" pitchFamily="18" charset="0"/>
+                <a:cs typeface="Times New Roman" panose="02020603050405020304" pitchFamily="18" charset="0"/>
+              </a:rPr>
               <a:t>https://en.wikipedia.org/wiki/Android</a:t>
             </a:r>
           </a:p>
@@ -5623,7 +5762,10 @@
               <a:buAutoNum type="arabicPeriod"/>
             </a:pPr>
             <a:r>
-              <a:rPr lang="en-US" sz="1600" dirty="0" smtClean="0"/>
+              <a:rPr lang="en-US" sz="1600" dirty="0" smtClean="0">
+                <a:latin typeface="Times New Roman" panose="02020603050405020304" pitchFamily="18" charset="0"/>
+                <a:cs typeface="Times New Roman" panose="02020603050405020304" pitchFamily="18" charset="0"/>
+              </a:rPr>
               <a:t>http://www.developer.android.com/training/volley .– volley libraries for asynchronous task.</a:t>
             </a:r>
           </a:p>
@@ -5639,7 +5781,10 @@
               <a:buAutoNum type="arabicPeriod"/>
             </a:pPr>
             <a:r>
-              <a:rPr lang="en-US" sz="1600" dirty="0" smtClean="0"/>
+              <a:rPr lang="en-US" sz="1600" dirty="0" smtClean="0">
+                <a:latin typeface="Times New Roman" panose="02020603050405020304" pitchFamily="18" charset="0"/>
+                <a:cs typeface="Times New Roman" panose="02020603050405020304" pitchFamily="18" charset="0"/>
+              </a:rPr>
               <a:t>http://www.developer.android.com/reference/org/json/JSONObject. – JSON for sending data and receiving data to server.</a:t>
             </a:r>
           </a:p>
@@ -5655,8 +5800,18 @@
               <a:buAutoNum type="arabicPeriod"/>
             </a:pPr>
             <a:r>
-              <a:rPr lang="en-US" sz="1600" dirty="0" smtClean="0"/>
-              <a:t>http://www.javatechig.com/android/android-recyclervie. – recycler view for view list.</a:t>
+              <a:rPr lang="en-US" sz="1600" dirty="0" smtClean="0">
+                <a:latin typeface="Times New Roman" panose="02020603050405020304" pitchFamily="18" charset="0"/>
+                <a:cs typeface="Times New Roman" panose="02020603050405020304" pitchFamily="18" charset="0"/>
+              </a:rPr>
+              <a:t>http://www.javatechig.com/android/android-recyclervie. – recycler view for view </a:t>
+            </a:r>
+            <a:r>
+              <a:rPr lang="en-US" sz="1600" dirty="0" smtClean="0">
+                <a:latin typeface="Times New Roman" panose="02020603050405020304" pitchFamily="18" charset="0"/>
+                <a:cs typeface="Times New Roman" panose="02020603050405020304" pitchFamily="18" charset="0"/>
+              </a:rPr>
+              <a:t>list.</a:t>
             </a:r>
           </a:p>
           <a:p>
@@ -5671,87 +5826,29 @@
               <a:buAutoNum type="arabicPeriod"/>
             </a:pPr>
             <a:r>
-              <a:rPr lang="en-US" sz="1600" dirty="0" smtClean="0"/>
-              <a:t>https://www.raspberrypi.org/documentation/remote-access/web-server/apache-server</a:t>
-            </a:r>
-          </a:p>
-          <a:p>
-            <a:pPr marL="342900" indent="-342900" algn="just">
-              <a:spcBef>
-                <a:spcPts val="115"/>
-              </a:spcBef>
-              <a:spcAft>
-                <a:spcPts val="115"/>
-              </a:spcAft>
-              <a:buFont typeface="+mj-lt"/>
-              <a:buAutoNum type="arabicPeriod"/>
-            </a:pPr>
-            <a:r>
-              <a:rPr lang="en-US" sz="1600" dirty="0" smtClean="0"/>
-              <a:t>http://www.raspbian.org-- OS for raspberry pi.</a:t>
-            </a:r>
-          </a:p>
-          <a:p>
-            <a:pPr marL="342900" indent="-342900" algn="just">
-              <a:spcBef>
-                <a:spcPts val="115"/>
-              </a:spcBef>
-              <a:spcAft>
-                <a:spcPts val="115"/>
-              </a:spcAft>
-              <a:buFont typeface="+mj-lt"/>
-              <a:buAutoNum type="arabicPeriod"/>
-            </a:pPr>
-            <a:r>
-              <a:rPr lang="en-US" sz="1600" dirty="0" smtClean="0"/>
-              <a:t>http://developer.android.com/reference/android/content/BroadcastReceiver.html</a:t>
-            </a:r>
-          </a:p>
-          <a:p>
-            <a:pPr marL="342900" indent="-342900" algn="just">
-              <a:spcBef>
-                <a:spcPts val="115"/>
-              </a:spcBef>
-              <a:spcAft>
-                <a:spcPts val="115"/>
-              </a:spcAft>
-              <a:buFont typeface="+mj-lt"/>
-              <a:buAutoNum type="arabicPeriod"/>
-            </a:pPr>
-            <a:r>
-              <a:rPr lang="en-US" sz="1600" dirty="0" smtClean="0"/>
-              <a:t>https://php.net/</a:t>
-            </a:r>
-          </a:p>
-          <a:p>
-            <a:pPr marL="342900" indent="-342900" algn="just">
-              <a:spcBef>
-                <a:spcPts val="115"/>
-              </a:spcBef>
-              <a:spcAft>
-                <a:spcPts val="115"/>
-              </a:spcAft>
-              <a:buFont typeface="+mj-lt"/>
-              <a:buAutoNum type="arabicPeriod"/>
-            </a:pPr>
-            <a:r>
-              <a:rPr lang="en-US" sz="1600" dirty="0" smtClean="0"/>
-              <a:t>https://en.wikipedia.org/wiki/Wireless_LAN</a:t>
-            </a:r>
-          </a:p>
-          <a:p>
-            <a:pPr algn="just" eaLnBrk="0" hangingPunct="0">
-              <a:spcBef>
-                <a:spcPts val="115"/>
-              </a:spcBef>
-              <a:spcAft>
-                <a:spcPts val="115"/>
-              </a:spcAft>
-              <a:buFont typeface="Symbol" pitchFamily="18" charset="2"/>
-              <a:buAutoNum type="arabicPeriod"/>
-            </a:pPr>
-            <a:endParaRPr lang="en-US" altLang="en-US" sz="1600" b="1" dirty="0">
-              <a:latin typeface="Times New Roman" pitchFamily="18" charset="0"/>
+              <a:rPr lang="en-US" sz="1600" dirty="0" smtClean="0">
+                <a:latin typeface="Times New Roman" panose="02020603050405020304" pitchFamily="18" charset="0"/>
+                <a:cs typeface="Times New Roman" panose="02020603050405020304" pitchFamily="18" charset="0"/>
+              </a:rPr>
+              <a:t>http</a:t>
+            </a:r>
+            <a:r>
+              <a:rPr lang="en-US" sz="1600" dirty="0" smtClean="0">
+                <a:latin typeface="Times New Roman" panose="02020603050405020304" pitchFamily="18" charset="0"/>
+                <a:cs typeface="Times New Roman" panose="02020603050405020304" pitchFamily="18" charset="0"/>
+              </a:rPr>
+              <a:t>://www.raspbian.org-- OS for raspberry pi</a:t>
+            </a:r>
+            <a:r>
+              <a:rPr lang="en-US" sz="1600" dirty="0" smtClean="0">
+                <a:latin typeface="Times New Roman" panose="02020603050405020304" pitchFamily="18" charset="0"/>
+                <a:cs typeface="Times New Roman" panose="02020603050405020304" pitchFamily="18" charset="0"/>
+              </a:rPr>
+              <a:t>.</a:t>
+            </a:r>
+            <a:endParaRPr lang="en-US" sz="1600" dirty="0" smtClean="0">
+              <a:latin typeface="Times New Roman" panose="02020603050405020304" pitchFamily="18" charset="0"/>
+              <a:cs typeface="Times New Roman" panose="02020603050405020304" pitchFamily="18" charset="0"/>
             </a:endParaRPr>
           </a:p>
         </p:txBody>
@@ -5959,6 +6056,7 @@
             </a:pPr>
             <a:endParaRPr lang="en-US" altLang="en-US" sz="1800" b="1" dirty="0">
               <a:latin typeface="Times New Roman" pitchFamily="18" charset="0"/>
+              <a:cs typeface="Times New Roman" panose="02020603050405020304" pitchFamily="18" charset="0"/>
             </a:endParaRPr>
           </a:p>
           <a:p>
@@ -5969,6 +6067,7 @@
             </a:pPr>
             <a:endParaRPr lang="en-US" altLang="en-US" sz="1400" dirty="0">
               <a:latin typeface="Times New Roman" pitchFamily="18" charset="0"/>
+              <a:cs typeface="Times New Roman" panose="02020603050405020304" pitchFamily="18" charset="0"/>
             </a:endParaRPr>
           </a:p>
         </p:txBody>
@@ -6172,6 +6271,7 @@
             </a:pPr>
             <a:endParaRPr lang="en-US" altLang="en-US" sz="1100" dirty="0">
               <a:latin typeface="Times New Roman" pitchFamily="18" charset="0"/>
+              <a:cs typeface="Times New Roman" panose="02020603050405020304" pitchFamily="18" charset="0"/>
             </a:endParaRPr>
           </a:p>
         </p:txBody>
@@ -6335,10 +6435,16 @@
               </a:spcBef>
             </a:pPr>
             <a:r>
-              <a:rPr lang="en-US" altLang="en-US" b="1" dirty="0" smtClean="0"/>
+              <a:rPr lang="en-US" altLang="en-US" b="1" dirty="0" smtClean="0">
+                <a:latin typeface="Times New Roman" panose="02020603050405020304" pitchFamily="18" charset="0"/>
+                <a:cs typeface="Times New Roman" panose="02020603050405020304" pitchFamily="18" charset="0"/>
+              </a:rPr>
               <a:t>Abstract</a:t>
             </a:r>
-            <a:endParaRPr lang="en-US" altLang="en-US" b="1" dirty="0"/>
+            <a:endParaRPr lang="en-US" altLang="en-US" b="1" dirty="0">
+              <a:latin typeface="Times New Roman" panose="02020603050405020304" pitchFamily="18" charset="0"/>
+              <a:cs typeface="Times New Roman" panose="02020603050405020304" pitchFamily="18" charset="0"/>
+            </a:endParaRPr>
           </a:p>
         </p:txBody>
       </p:sp>
@@ -6353,7 +6459,7 @@
         <p:spPr bwMode="auto">
           <a:xfrm>
             <a:off x="12045239" y="11093080"/>
-            <a:ext cx="3686175" cy="668311"/>
+            <a:ext cx="3686175" cy="729867"/>
           </a:xfrm>
           <a:prstGeom prst="rect">
             <a:avLst/>
@@ -6501,189 +6607,12 @@
               </a:spcBef>
             </a:pPr>
             <a:r>
-              <a:rPr lang="en-US" altLang="en-US" sz="4000" b="1" dirty="0">
+              <a:rPr lang="en-US" altLang="en-US" sz="4400" b="1" dirty="0">
                 <a:latin typeface="Times New Roman" panose="02020603050405020304" pitchFamily="18" charset="0"/>
                 <a:cs typeface="Times New Roman" panose="02020603050405020304" pitchFamily="18" charset="0"/>
               </a:rPr>
               <a:t>Results</a:t>
             </a:r>
-          </a:p>
-        </p:txBody>
-      </p:sp>
-      <p:sp>
-        <p:nvSpPr>
-          <p:cNvPr id="2121" name="Text Box 73"/>
-          <p:cNvSpPr txBox="1">
-            <a:spLocks noChangeArrowheads="1"/>
-          </p:cNvSpPr>
-          <p:nvPr/>
-        </p:nvSpPr>
-        <p:spPr bwMode="auto">
-          <a:xfrm>
-            <a:off x="15144750" y="1935163"/>
-            <a:ext cx="1914525" cy="1055687"/>
-          </a:xfrm>
-          <a:prstGeom prst="rect">
-            <a:avLst/>
-          </a:prstGeom>
-          <a:noFill/>
-          <a:ln>
-            <a:noFill/>
-          </a:ln>
-          <a:effectLst/>
-          <a:extLst>
-            <a:ext uri="{909E8E84-426E-40DD-AFC4-6F175D3DCCD1}">
-              <a14:hiddenFill xmlns:a14="http://schemas.microsoft.com/office/drawing/2010/main">
-                <a:solidFill>
-                  <a:schemeClr val="accent1"/>
-                </a:solidFill>
-              </a14:hiddenFill>
-            </a:ext>
-            <a:ext uri="{91240B29-F687-4F45-9708-019B960494DF}">
-              <a14:hiddenLine xmlns:a14="http://schemas.microsoft.com/office/drawing/2010/main" w="9525">
-                <a:solidFill>
-                  <a:schemeClr val="tx1"/>
-                </a:solidFill>
-                <a:miter lim="800000"/>
-                <a:headEnd/>
-                <a:tailEnd/>
-              </a14:hiddenLine>
-            </a:ext>
-            <a:ext uri="{AF507438-7753-43E0-B8FC-AC1667EBCBE1}">
-              <a14:hiddenEffects xmlns:a14="http://schemas.microsoft.com/office/drawing/2010/main">
-                <a:effectLst>
-                  <a:outerShdw dist="35921" dir="2700000" algn="ctr" rotWithShape="0">
-                    <a:schemeClr val="bg2"/>
-                  </a:outerShdw>
-                </a:effectLst>
-              </a14:hiddenEffects>
-            </a:ext>
-          </a:extLst>
-        </p:spPr>
-        <p:txBody>
-          <a:bodyPr lIns="52249" tIns="26124" rIns="52249" bIns="26124">
-            <a:spAutoFit/>
-          </a:bodyPr>
-          <a:lstStyle>
-            <a:lvl1pPr algn="l" defTabSz="2508250">
-              <a:defRPr>
-                <a:solidFill>
-                  <a:schemeClr val="tx1"/>
-                </a:solidFill>
-                <a:latin typeface="Arial" charset="0"/>
-              </a:defRPr>
-            </a:lvl1pPr>
-            <a:lvl2pPr marL="261938" algn="l" defTabSz="2508250">
-              <a:defRPr>
-                <a:solidFill>
-                  <a:schemeClr val="tx1"/>
-                </a:solidFill>
-                <a:latin typeface="Arial" charset="0"/>
-              </a:defRPr>
-            </a:lvl2pPr>
-            <a:lvl3pPr marL="522288" algn="l" defTabSz="2508250">
-              <a:defRPr>
-                <a:solidFill>
-                  <a:schemeClr val="tx1"/>
-                </a:solidFill>
-                <a:latin typeface="Arial" charset="0"/>
-              </a:defRPr>
-            </a:lvl3pPr>
-            <a:lvl4pPr marL="784225" algn="l" defTabSz="2508250">
-              <a:defRPr>
-                <a:solidFill>
-                  <a:schemeClr val="tx1"/>
-                </a:solidFill>
-                <a:latin typeface="Arial" charset="0"/>
-              </a:defRPr>
-            </a:lvl4pPr>
-            <a:lvl5pPr marL="1044575" algn="l" defTabSz="2508250">
-              <a:defRPr>
-                <a:solidFill>
-                  <a:schemeClr val="tx1"/>
-                </a:solidFill>
-                <a:latin typeface="Arial" charset="0"/>
-              </a:defRPr>
-            </a:lvl5pPr>
-            <a:lvl6pPr marL="1501775" defTabSz="2508250" fontAlgn="base">
-              <a:spcBef>
-                <a:spcPct val="0"/>
-              </a:spcBef>
-              <a:spcAft>
-                <a:spcPct val="0"/>
-              </a:spcAft>
-              <a:defRPr>
-                <a:solidFill>
-                  <a:schemeClr val="tx1"/>
-                </a:solidFill>
-                <a:latin typeface="Arial" charset="0"/>
-              </a:defRPr>
-            </a:lvl6pPr>
-            <a:lvl7pPr marL="1958975" defTabSz="2508250" fontAlgn="base">
-              <a:spcBef>
-                <a:spcPct val="0"/>
-              </a:spcBef>
-              <a:spcAft>
-                <a:spcPct val="0"/>
-              </a:spcAft>
-              <a:defRPr>
-                <a:solidFill>
-                  <a:schemeClr val="tx1"/>
-                </a:solidFill>
-                <a:latin typeface="Arial" charset="0"/>
-              </a:defRPr>
-            </a:lvl7pPr>
-            <a:lvl8pPr marL="2416175" defTabSz="2508250" fontAlgn="base">
-              <a:spcBef>
-                <a:spcPct val="0"/>
-              </a:spcBef>
-              <a:spcAft>
-                <a:spcPct val="0"/>
-              </a:spcAft>
-              <a:defRPr>
-                <a:solidFill>
-                  <a:schemeClr val="tx1"/>
-                </a:solidFill>
-                <a:latin typeface="Arial" charset="0"/>
-              </a:defRPr>
-            </a:lvl8pPr>
-            <a:lvl9pPr marL="2873375" defTabSz="2508250" fontAlgn="base">
-              <a:spcBef>
-                <a:spcPct val="0"/>
-              </a:spcBef>
-              <a:spcAft>
-                <a:spcPct val="0"/>
-              </a:spcAft>
-              <a:defRPr>
-                <a:solidFill>
-                  <a:schemeClr val="tx1"/>
-                </a:solidFill>
-                <a:latin typeface="Arial" charset="0"/>
-              </a:defRPr>
-            </a:lvl9pPr>
-          </a:lstStyle>
-          <a:p>
-            <a:pPr algn="ctr">
-              <a:spcBef>
-                <a:spcPct val="50000"/>
-              </a:spcBef>
-            </a:pPr>
-            <a:r>
-              <a:rPr lang="en-US" altLang="en-US" sz="4500" b="1"/>
-              <a:t>Logo</a:t>
-            </a:r>
-          </a:p>
-          <a:p>
-            <a:pPr algn="ctr">
-              <a:spcBef>
-                <a:spcPct val="50000"/>
-              </a:spcBef>
-            </a:pPr>
-            <a:endParaRPr lang="en-US" altLang="en-US" sz="1400">
-              <a:solidFill>
-                <a:srgbClr val="FF0000"/>
-              </a:solidFill>
-            </a:endParaRPr>
           </a:p>
         </p:txBody>
       </p:sp>
@@ -6710,10 +6639,16 @@
           <a:lstStyle/>
           <a:p>
             <a:r>
-              <a:rPr lang="en-US" altLang="en-US" b="1" dirty="0"/>
+              <a:rPr lang="en-US" altLang="en-US" b="1" dirty="0">
+                <a:latin typeface="Times New Roman" panose="02020603050405020304" pitchFamily="18" charset="0"/>
+                <a:cs typeface="Times New Roman" panose="02020603050405020304" pitchFamily="18" charset="0"/>
+              </a:rPr>
               <a:t>Introduction</a:t>
             </a:r>
-            <a:endParaRPr lang="en-IN" dirty="0"/>
+            <a:endParaRPr lang="en-IN" dirty="0">
+              <a:latin typeface="Times New Roman" panose="02020603050405020304" pitchFamily="18" charset="0"/>
+              <a:cs typeface="Times New Roman" panose="02020603050405020304" pitchFamily="18" charset="0"/>
+            </a:endParaRPr>
           </a:p>
         </p:txBody>
       </p:sp>
@@ -7012,10 +6947,16 @@
           <a:lstStyle/>
           <a:p>
             <a:r>
-              <a:rPr lang="en-IN" b="1" dirty="0" smtClean="0"/>
+              <a:rPr lang="en-IN" b="1" dirty="0" smtClean="0">
+                <a:latin typeface="Times New Roman" panose="02020603050405020304" pitchFamily="18" charset="0"/>
+                <a:cs typeface="Times New Roman" panose="02020603050405020304" pitchFamily="18" charset="0"/>
+              </a:rPr>
               <a:t>Implementation</a:t>
             </a:r>
-            <a:endParaRPr lang="en-IN" b="1" dirty="0"/>
+            <a:endParaRPr lang="en-IN" b="1" dirty="0">
+              <a:latin typeface="Times New Roman" panose="02020603050405020304" pitchFamily="18" charset="0"/>
+              <a:cs typeface="Times New Roman" panose="02020603050405020304" pitchFamily="18" charset="0"/>
+            </a:endParaRPr>
           </a:p>
         </p:txBody>
       </p:sp>
@@ -7028,7 +6969,7 @@
         <p:spPr>
           <a:xfrm>
             <a:off x="917575" y="24740042"/>
-            <a:ext cx="7170535" cy="2062103"/>
+            <a:ext cx="7170535" cy="1815882"/>
           </a:xfrm>
           <a:prstGeom prst="rect">
             <a:avLst/>
@@ -7046,11 +6987,17 @@
               <a:buChar char="Ø"/>
             </a:pPr>
             <a:r>
-              <a:rPr lang="en-US" sz="1600" dirty="0"/>
+              <a:rPr lang="en-US" sz="1600" dirty="0">
+                <a:latin typeface="Times New Roman" panose="02020603050405020304" pitchFamily="18" charset="0"/>
+                <a:cs typeface="Times New Roman" panose="02020603050405020304" pitchFamily="18" charset="0"/>
+              </a:rPr>
               <a:t>An android app is created and is to be installed by the customer in his smartphone to get the notification about the offers</a:t>
             </a:r>
             <a:r>
-              <a:rPr lang="en-US" sz="1600" dirty="0" smtClean="0"/>
+              <a:rPr lang="en-US" sz="1600" dirty="0" smtClean="0">
+                <a:latin typeface="Times New Roman" panose="02020603050405020304" pitchFamily="18" charset="0"/>
+                <a:cs typeface="Times New Roman" panose="02020603050405020304" pitchFamily="18" charset="0"/>
+              </a:rPr>
               <a:t>.</a:t>
             </a:r>
           </a:p>
@@ -7060,18 +7007,30 @@
               <a:buChar char="Ø"/>
             </a:pPr>
             <a:r>
-              <a:rPr lang="en-US" sz="1600" dirty="0"/>
+              <a:rPr lang="en-US" sz="1600" dirty="0">
+                <a:latin typeface="Times New Roman" panose="02020603050405020304" pitchFamily="18" charset="0"/>
+                <a:cs typeface="Times New Roman" panose="02020603050405020304" pitchFamily="18" charset="0"/>
+              </a:rPr>
               <a:t>The data (offers) in the raspberry pi is broadcasted through the Wi-Fi module. In the android phone a </a:t>
             </a:r>
             <a:r>
-              <a:rPr lang="en-US" sz="1600" dirty="0" err="1"/>
-              <a:t>BroadcastReceiver</a:t>
-            </a:r>
-            <a:r>
-              <a:rPr lang="en-US" sz="1600" dirty="0"/>
-              <a:t>[8] is used to check the Wi-Fi state. </a:t>
-            </a:r>
-            <a:endParaRPr lang="en-US" sz="1600" dirty="0" smtClean="0"/>
+              <a:rPr lang="en-US" sz="1600" dirty="0" smtClean="0">
+                <a:latin typeface="Times New Roman" panose="02020603050405020304" pitchFamily="18" charset="0"/>
+                <a:cs typeface="Times New Roman" panose="02020603050405020304" pitchFamily="18" charset="0"/>
+              </a:rPr>
+              <a:t>Broadcast Receiver </a:t>
+            </a:r>
+            <a:r>
+              <a:rPr lang="en-US" sz="1600" dirty="0">
+                <a:latin typeface="Times New Roman" panose="02020603050405020304" pitchFamily="18" charset="0"/>
+                <a:cs typeface="Times New Roman" panose="02020603050405020304" pitchFamily="18" charset="0"/>
+              </a:rPr>
+              <a:t>is used to check the Wi-Fi state. </a:t>
+            </a:r>
+            <a:endParaRPr lang="en-US" sz="1600" dirty="0" smtClean="0">
+              <a:latin typeface="Times New Roman" panose="02020603050405020304" pitchFamily="18" charset="0"/>
+              <a:cs typeface="Times New Roman" panose="02020603050405020304" pitchFamily="18" charset="0"/>
+            </a:endParaRPr>
           </a:p>
           <a:p>
             <a:pPr marL="285750" indent="-285750" algn="just">
@@ -7079,10 +7038,16 @@
               <a:buChar char="Ø"/>
             </a:pPr>
             <a:r>
-              <a:rPr lang="en-US" sz="1600" dirty="0"/>
+              <a:rPr lang="en-US" sz="1600" dirty="0">
+                <a:latin typeface="Times New Roman" panose="02020603050405020304" pitchFamily="18" charset="0"/>
+                <a:cs typeface="Times New Roman" panose="02020603050405020304" pitchFamily="18" charset="0"/>
+              </a:rPr>
               <a:t> Whenever a Wi-Fi connection is detected, a service is made to run on the background to pick up the data from the raspberry pi. This data is in the form of JSONs.</a:t>
             </a:r>
-            <a:endParaRPr lang="en-IN" sz="1600" dirty="0"/>
+            <a:endParaRPr lang="en-IN" sz="1600" dirty="0">
+              <a:latin typeface="Times New Roman" panose="02020603050405020304" pitchFamily="18" charset="0"/>
+              <a:cs typeface="Times New Roman" panose="02020603050405020304" pitchFamily="18" charset="0"/>
+            </a:endParaRPr>
           </a:p>
         </p:txBody>
       </p:sp>
@@ -7094,7 +7059,7 @@
         </p:nvSpPr>
         <p:spPr>
           <a:xfrm>
-            <a:off x="9807340" y="4828233"/>
+            <a:off x="9837886" y="4825263"/>
             <a:ext cx="7251935" cy="6740307"/>
           </a:xfrm>
           <a:prstGeom prst="rect">
@@ -7117,7 +7082,21 @@
                 <a:latin typeface="Times New Roman" panose="02020603050405020304" pitchFamily="18" charset="0"/>
                 <a:cs typeface="Times New Roman" panose="02020603050405020304" pitchFamily="18" charset="0"/>
               </a:rPr>
-              <a:t> The data got is populated into Recycler Views [5] in android with custom adapters and getters and setters. </a:t>
+              <a:t> The data got is populated into Recycler Views </a:t>
+            </a:r>
+            <a:r>
+              <a:rPr lang="en-US" sz="1600" dirty="0" smtClean="0">
+                <a:latin typeface="Times New Roman" panose="02020603050405020304" pitchFamily="18" charset="0"/>
+                <a:cs typeface="Times New Roman" panose="02020603050405020304" pitchFamily="18" charset="0"/>
+              </a:rPr>
+              <a:t> </a:t>
+            </a:r>
+            <a:r>
+              <a:rPr lang="en-US" sz="1600" dirty="0">
+                <a:latin typeface="Times New Roman" panose="02020603050405020304" pitchFamily="18" charset="0"/>
+                <a:cs typeface="Times New Roman" panose="02020603050405020304" pitchFamily="18" charset="0"/>
+              </a:rPr>
+              <a:t>in android with custom adapters and getters and setters. </a:t>
             </a:r>
             <a:endParaRPr lang="en-US" sz="1600" dirty="0" smtClean="0">
               <a:latin typeface="Times New Roman" panose="02020603050405020304" pitchFamily="18" charset="0"/>
@@ -7763,6 +7742,381 @@
               <a:latin typeface="Times New Roman" panose="02020603050405020304" pitchFamily="18" charset="0"/>
               <a:cs typeface="Times New Roman" panose="02020603050405020304" pitchFamily="18" charset="0"/>
             </a:endParaRPr>
+          </a:p>
+        </p:txBody>
+      </p:sp>
+      <p:sp>
+        <p:nvSpPr>
+          <p:cNvPr id="29" name="Text Box 61"/>
+          <p:cNvSpPr txBox="1">
+            <a:spLocks noChangeArrowheads="1"/>
+          </p:cNvSpPr>
+          <p:nvPr/>
+        </p:nvSpPr>
+        <p:spPr bwMode="auto">
+          <a:xfrm>
+            <a:off x="717854" y="1641553"/>
+            <a:ext cx="1780450" cy="1068421"/>
+          </a:xfrm>
+          <a:prstGeom prst="rect">
+            <a:avLst/>
+          </a:prstGeom>
+          <a:noFill/>
+          <a:ln>
+            <a:noFill/>
+          </a:ln>
+          <a:effectLst/>
+          <a:extLst>
+            <a:ext uri="{909E8E84-426E-40DD-AFC4-6F175D3DCCD1}">
+              <a14:hiddenFill xmlns:a14="http://schemas.microsoft.com/office/drawing/2010/main">
+                <a:solidFill>
+                  <a:schemeClr val="accent1"/>
+                </a:solidFill>
+              </a14:hiddenFill>
+            </a:ext>
+            <a:ext uri="{91240B29-F687-4F45-9708-019B960494DF}">
+              <a14:hiddenLine xmlns:a14="http://schemas.microsoft.com/office/drawing/2010/main" w="9525">
+                <a:solidFill>
+                  <a:schemeClr val="tx1"/>
+                </a:solidFill>
+                <a:miter lim="800000"/>
+                <a:headEnd/>
+                <a:tailEnd/>
+              </a14:hiddenLine>
+            </a:ext>
+            <a:ext uri="{AF507438-7753-43E0-B8FC-AC1667EBCBE1}">
+              <a14:hiddenEffects xmlns:a14="http://schemas.microsoft.com/office/drawing/2010/main">
+                <a:effectLst>
+                  <a:outerShdw dist="35921" dir="2700000" algn="ctr" rotWithShape="0">
+                    <a:schemeClr val="bg2"/>
+                  </a:outerShdw>
+                </a:effectLst>
+              </a14:hiddenEffects>
+            </a:ext>
+          </a:extLst>
+        </p:spPr>
+        <p:txBody>
+          <a:bodyPr wrap="square" lIns="52249" tIns="26124" rIns="52249" bIns="26124">
+            <a:spAutoFit/>
+          </a:bodyPr>
+          <a:lstStyle>
+            <a:lvl1pPr algn="l" defTabSz="2508250">
+              <a:defRPr>
+                <a:solidFill>
+                  <a:schemeClr val="tx1"/>
+                </a:solidFill>
+                <a:latin typeface="Arial" charset="0"/>
+              </a:defRPr>
+            </a:lvl1pPr>
+            <a:lvl2pPr marL="261938" algn="l" defTabSz="2508250">
+              <a:defRPr>
+                <a:solidFill>
+                  <a:schemeClr val="tx1"/>
+                </a:solidFill>
+                <a:latin typeface="Arial" charset="0"/>
+              </a:defRPr>
+            </a:lvl2pPr>
+            <a:lvl3pPr marL="522288" algn="l" defTabSz="2508250">
+              <a:defRPr>
+                <a:solidFill>
+                  <a:schemeClr val="tx1"/>
+                </a:solidFill>
+                <a:latin typeface="Arial" charset="0"/>
+              </a:defRPr>
+            </a:lvl3pPr>
+            <a:lvl4pPr marL="784225" algn="l" defTabSz="2508250">
+              <a:defRPr>
+                <a:solidFill>
+                  <a:schemeClr val="tx1"/>
+                </a:solidFill>
+                <a:latin typeface="Arial" charset="0"/>
+              </a:defRPr>
+            </a:lvl4pPr>
+            <a:lvl5pPr marL="1044575" algn="l" defTabSz="2508250">
+              <a:defRPr>
+                <a:solidFill>
+                  <a:schemeClr val="tx1"/>
+                </a:solidFill>
+                <a:latin typeface="Arial" charset="0"/>
+              </a:defRPr>
+            </a:lvl5pPr>
+            <a:lvl6pPr marL="1501775" defTabSz="2508250" fontAlgn="base">
+              <a:spcBef>
+                <a:spcPct val="0"/>
+              </a:spcBef>
+              <a:spcAft>
+                <a:spcPct val="0"/>
+              </a:spcAft>
+              <a:defRPr>
+                <a:solidFill>
+                  <a:schemeClr val="tx1"/>
+                </a:solidFill>
+                <a:latin typeface="Arial" charset="0"/>
+              </a:defRPr>
+            </a:lvl6pPr>
+            <a:lvl7pPr marL="1958975" defTabSz="2508250" fontAlgn="base">
+              <a:spcBef>
+                <a:spcPct val="0"/>
+              </a:spcBef>
+              <a:spcAft>
+                <a:spcPct val="0"/>
+              </a:spcAft>
+              <a:defRPr>
+                <a:solidFill>
+                  <a:schemeClr val="tx1"/>
+                </a:solidFill>
+                <a:latin typeface="Arial" charset="0"/>
+              </a:defRPr>
+            </a:lvl7pPr>
+            <a:lvl8pPr marL="2416175" defTabSz="2508250" fontAlgn="base">
+              <a:spcBef>
+                <a:spcPct val="0"/>
+              </a:spcBef>
+              <a:spcAft>
+                <a:spcPct val="0"/>
+              </a:spcAft>
+              <a:defRPr>
+                <a:solidFill>
+                  <a:schemeClr val="tx1"/>
+                </a:solidFill>
+                <a:latin typeface="Arial" charset="0"/>
+              </a:defRPr>
+            </a:lvl8pPr>
+            <a:lvl9pPr marL="2873375" defTabSz="2508250" fontAlgn="base">
+              <a:spcBef>
+                <a:spcPct val="0"/>
+              </a:spcBef>
+              <a:spcAft>
+                <a:spcPct val="0"/>
+              </a:spcAft>
+              <a:defRPr>
+                <a:solidFill>
+                  <a:schemeClr val="tx1"/>
+                </a:solidFill>
+                <a:latin typeface="Arial" charset="0"/>
+              </a:defRPr>
+            </a:lvl9pPr>
+          </a:lstStyle>
+          <a:p>
+            <a:pPr algn="ctr">
+              <a:spcBef>
+                <a:spcPct val="50000"/>
+              </a:spcBef>
+            </a:pPr>
+            <a:endParaRPr lang="en-US" altLang="en-US" sz="4500" b="1" dirty="0">
+              <a:latin typeface="Times New Roman" panose="02020603050405020304" pitchFamily="18" charset="0"/>
+              <a:cs typeface="Times New Roman" panose="02020603050405020304" pitchFamily="18" charset="0"/>
+            </a:endParaRPr>
+          </a:p>
+          <a:p>
+            <a:pPr algn="ctr">
+              <a:spcBef>
+                <a:spcPct val="50000"/>
+              </a:spcBef>
+            </a:pPr>
+            <a:endParaRPr lang="en-US" altLang="en-US" sz="1400" dirty="0">
+              <a:solidFill>
+                <a:srgbClr val="FF0000"/>
+              </a:solidFill>
+              <a:latin typeface="Times New Roman" panose="02020603050405020304" pitchFamily="18" charset="0"/>
+              <a:cs typeface="Times New Roman" panose="02020603050405020304" pitchFamily="18" charset="0"/>
+            </a:endParaRPr>
+          </a:p>
+        </p:txBody>
+      </p:sp>
+      <p:pic>
+        <p:nvPicPr>
+          <p:cNvPr id="8" name="Picture 7"/>
+          <p:cNvPicPr>
+            <a:picLocks noChangeAspect="1"/>
+          </p:cNvPicPr>
+          <p:nvPr/>
+        </p:nvPicPr>
+        <p:blipFill>
+          <a:blip r:embed="rId6" cstate="print">
+            <a:extLst>
+              <a:ext uri="{28A0092B-C50C-407E-A947-70E740481C1C}">
+                <a14:useLocalDpi xmlns:a14="http://schemas.microsoft.com/office/drawing/2010/main" val="0"/>
+              </a:ext>
+            </a:extLst>
+          </a:blip>
+          <a:stretch>
+            <a:fillRect/>
+          </a:stretch>
+        </p:blipFill>
+        <p:spPr>
+          <a:xfrm>
+            <a:off x="973029" y="1463676"/>
+            <a:ext cx="1685780" cy="1701439"/>
+          </a:xfrm>
+          <a:prstGeom prst="rect">
+            <a:avLst/>
+          </a:prstGeom>
+        </p:spPr>
+      </p:pic>
+      <p:pic>
+        <p:nvPicPr>
+          <p:cNvPr id="9" name="Picture 8"/>
+          <p:cNvPicPr>
+            <a:picLocks noChangeAspect="1"/>
+          </p:cNvPicPr>
+          <p:nvPr/>
+        </p:nvPicPr>
+        <p:blipFill>
+          <a:blip r:embed="rId7">
+            <a:extLst>
+              <a:ext uri="{28A0092B-C50C-407E-A947-70E740481C1C}">
+                <a14:useLocalDpi xmlns:a14="http://schemas.microsoft.com/office/drawing/2010/main" val="0"/>
+              </a:ext>
+            </a:extLst>
+          </a:blip>
+          <a:stretch>
+            <a:fillRect/>
+          </a:stretch>
+        </p:blipFill>
+        <p:spPr>
+          <a:xfrm>
+            <a:off x="15070578" y="1619775"/>
+            <a:ext cx="2019243" cy="1389240"/>
+          </a:xfrm>
+          <a:prstGeom prst="rect">
+            <a:avLst/>
+          </a:prstGeom>
+        </p:spPr>
+      </p:pic>
+      <p:sp>
+        <p:nvSpPr>
+          <p:cNvPr id="10" name="TextBox 9"/>
+          <p:cNvSpPr txBox="1"/>
+          <p:nvPr/>
+        </p:nvSpPr>
+        <p:spPr>
+          <a:xfrm>
+            <a:off x="9972509" y="25174679"/>
+            <a:ext cx="2398785" cy="1261884"/>
+          </a:xfrm>
+          <a:prstGeom prst="rect">
+            <a:avLst/>
+          </a:prstGeom>
+          <a:noFill/>
+        </p:spPr>
+        <p:txBody>
+          <a:bodyPr wrap="square" rtlCol="0">
+            <a:spAutoFit/>
+          </a:bodyPr>
+          <a:lstStyle/>
+          <a:p>
+            <a:pPr algn="l"/>
+            <a:r>
+              <a:rPr lang="en-IN" sz="1600" dirty="0" smtClean="0"/>
+              <a:t>PRESENTED BY:</a:t>
+            </a:r>
+          </a:p>
+          <a:p>
+            <a:pPr algn="l"/>
+            <a:r>
+              <a:rPr lang="en-IN" sz="1600" dirty="0"/>
+              <a:t> </a:t>
+            </a:r>
+            <a:r>
+              <a:rPr lang="en-IN" sz="1600" dirty="0" smtClean="0"/>
+              <a:t> </a:t>
+            </a:r>
+            <a:r>
+              <a:rPr lang="en-IN" sz="2000" dirty="0" smtClean="0"/>
+              <a:t>PAVAN V</a:t>
+            </a:r>
+          </a:p>
+          <a:p>
+            <a:pPr algn="l"/>
+            <a:r>
+              <a:rPr lang="en-IN" sz="2000" dirty="0"/>
+              <a:t> </a:t>
+            </a:r>
+            <a:r>
+              <a:rPr lang="en-IN" sz="2000" dirty="0" smtClean="0"/>
+              <a:t> AKASH N G</a:t>
+            </a:r>
+          </a:p>
+          <a:p>
+            <a:pPr algn="l"/>
+            <a:r>
+              <a:rPr lang="en-IN" sz="2000" dirty="0"/>
+              <a:t> </a:t>
+            </a:r>
+            <a:r>
+              <a:rPr lang="en-IN" sz="2000" dirty="0" smtClean="0"/>
+              <a:t> PUNITH B M</a:t>
+            </a:r>
+            <a:endParaRPr lang="en-IN" sz="1600" dirty="0"/>
+          </a:p>
+        </p:txBody>
+      </p:sp>
+      <p:sp>
+        <p:nvSpPr>
+          <p:cNvPr id="11" name="TextBox 10"/>
+          <p:cNvSpPr txBox="1"/>
+          <p:nvPr/>
+        </p:nvSpPr>
+        <p:spPr>
+          <a:xfrm>
+            <a:off x="14304936" y="25174679"/>
+            <a:ext cx="2784886" cy="1200329"/>
+          </a:xfrm>
+          <a:prstGeom prst="rect">
+            <a:avLst/>
+          </a:prstGeom>
+          <a:noFill/>
+        </p:spPr>
+        <p:txBody>
+          <a:bodyPr wrap="square" rtlCol="0">
+            <a:spAutoFit/>
+          </a:bodyPr>
+          <a:lstStyle/>
+          <a:p>
+            <a:pPr algn="l"/>
+            <a:r>
+              <a:rPr lang="en-IN" sz="1600" dirty="0" smtClean="0"/>
+              <a:t>GUIDED BY:</a:t>
+            </a:r>
+          </a:p>
+          <a:p>
+            <a:pPr algn="l"/>
+            <a:r>
+              <a:rPr lang="en-IN" sz="1600" dirty="0" smtClean="0"/>
+              <a:t>  </a:t>
+            </a:r>
+            <a:r>
+              <a:rPr lang="en-IN" sz="2000" dirty="0" smtClean="0"/>
+              <a:t>Mrs NAGAMANI N P</a:t>
+            </a:r>
+          </a:p>
+          <a:p>
+            <a:pPr algn="l"/>
+            <a:r>
+              <a:rPr lang="en-IN" sz="2000" dirty="0"/>
+              <a:t> </a:t>
+            </a:r>
+            <a:r>
+              <a:rPr lang="en-IN" sz="2000" dirty="0" smtClean="0"/>
+              <a:t> </a:t>
+            </a:r>
+            <a:r>
+              <a:rPr lang="en-IN" sz="1600" dirty="0" smtClean="0"/>
+              <a:t>Asst. Professor</a:t>
+            </a:r>
+          </a:p>
+          <a:p>
+            <a:pPr algn="l"/>
+            <a:r>
+              <a:rPr lang="en-IN" sz="1600" dirty="0"/>
+              <a:t> </a:t>
+            </a:r>
+            <a:r>
+              <a:rPr lang="en-IN" sz="1600" dirty="0" smtClean="0"/>
+              <a:t> Dept. of ISE,JSSATE</a:t>
+            </a:r>
+            <a:endParaRPr lang="en-IN" sz="1600" dirty="0"/>
           </a:p>
         </p:txBody>
       </p:sp>
